--- a/Rendu/SchoolBoard.pptx
+++ b/Rendu/SchoolBoard.pptx
@@ -5,10 +5,10 @@
     <p:sldMasterId id="2147483648" r:id="rId1"/>
   </p:sldMasterIdLst>
   <p:notesMasterIdLst>
-    <p:notesMasterId r:id="rId13"/>
+    <p:notesMasterId r:id="rId11"/>
   </p:notesMasterIdLst>
   <p:handoutMasterIdLst>
-    <p:handoutMasterId r:id="rId14"/>
+    <p:handoutMasterId r:id="rId12"/>
   </p:handoutMasterIdLst>
   <p:sldIdLst>
     <p:sldId id="256" r:id="rId2"/>
@@ -16,12 +16,10 @@
     <p:sldId id="258" r:id="rId4"/>
     <p:sldId id="261" r:id="rId5"/>
     <p:sldId id="262" r:id="rId6"/>
-    <p:sldId id="264" r:id="rId7"/>
-    <p:sldId id="265" r:id="rId8"/>
-    <p:sldId id="266" r:id="rId9"/>
-    <p:sldId id="260" r:id="rId10"/>
-    <p:sldId id="267" r:id="rId11"/>
-    <p:sldId id="263" r:id="rId12"/>
+    <p:sldId id="266" r:id="rId7"/>
+    <p:sldId id="260" r:id="rId8"/>
+    <p:sldId id="267" r:id="rId9"/>
+    <p:sldId id="263" r:id="rId10"/>
   </p:sldIdLst>
   <p:sldSz cx="12192000" cy="6858000"/>
   <p:notesSz cx="6858000" cy="9144000"/>
@@ -2549,8 +2547,8 @@
 <file path=ppt/diagrams/data1.xml><?xml version="1.0" encoding="utf-8"?>
 <dgm:dataModel xmlns:dgm="http://schemas.openxmlformats.org/drawingml/2006/diagram" xmlns:a="http://schemas.openxmlformats.org/drawingml/2006/main">
   <dgm:ptLst>
-    <dgm:pt modelId="{862E4F43-A174-4F69-83DA-EA1A9C1D64A5}" type="doc">
-      <dgm:prSet loTypeId="urn:microsoft.com/office/officeart/2005/8/layout/default" loCatId="list" qsTypeId="urn:microsoft.com/office/officeart/2005/8/quickstyle/simple1" qsCatId="simple" csTypeId="urn:microsoft.com/office/officeart/2005/8/colors/accent1_2" csCatId="accent1" phldr="1"/>
+    <dgm:pt modelId="{E469C458-E49F-4513-A3DB-7F9851D20839}" type="doc">
+      <dgm:prSet loTypeId="urn:microsoft.com/office/officeart/2008/layout/VerticalCurvedList" loCatId="list" qsTypeId="urn:microsoft.com/office/officeart/2005/8/quickstyle/simple1" qsCatId="simple" csTypeId="urn:microsoft.com/office/officeart/2005/8/colors/accent1_2" csCatId="accent1" phldr="1"/>
       <dgm:spPr/>
       <dgm:t>
         <a:bodyPr/>
@@ -2560,30 +2558,16 @@
         </a:p>
       </dgm:t>
     </dgm:pt>
-    <dgm:pt modelId="{6921EE91-3E65-4915-A1D7-6BE36B164219}">
-      <dgm:prSet phldrT="[Texte]">
-        <dgm:style>
-          <a:lnRef idx="2">
-            <a:schemeClr val="accent1">
-              <a:shade val="50000"/>
-            </a:schemeClr>
-          </a:lnRef>
-          <a:fillRef idx="1">
-            <a:schemeClr val="accent1"/>
-          </a:fillRef>
-          <a:effectRef idx="0">
-            <a:schemeClr val="accent1"/>
-          </a:effectRef>
-          <a:fontRef idx="minor">
-            <a:schemeClr val="lt1"/>
-          </a:fontRef>
-        </dgm:style>
-      </dgm:prSet>
+    <dgm:pt modelId="{D6A5E3B7-A8C2-445B-92A4-9F84B5FC74DC}">
+      <dgm:prSet phldrT="[Texte]"/>
       <dgm:spPr/>
       <dgm:t>
         <a:bodyPr/>
         <a:lstStyle/>
         <a:p>
+          <a:pPr>
+            <a:buNone/>
+          </a:pPr>
           <a:r>
             <a:rPr lang="fr-FR" dirty="0">
               <a:solidFill>
@@ -2595,7 +2579,7 @@
               <a:ea typeface="Tahoma" panose="020B0604030504040204" pitchFamily="34" charset="0"/>
               <a:cs typeface="Tahoma" panose="020B0604030504040204" pitchFamily="34" charset="0"/>
             </a:rPr>
-            <a:t>Utilisation simple et intuitive de l’application web</a:t>
+            <a:t>Page principale : plan de classe</a:t>
           </a:r>
           <a:endParaRPr lang="fr-FR" dirty="0">
             <a:solidFill>
@@ -2607,7 +2591,7 @@
         </a:p>
       </dgm:t>
     </dgm:pt>
-    <dgm:pt modelId="{D8762C26-410A-4AD3-8FA0-4644D152B7C1}" type="parTrans" cxnId="{ACED3C69-61D0-494F-A369-1FC3F1FC528B}">
+    <dgm:pt modelId="{370726F0-2709-4FD9-BC95-57AA3ED0080E}" type="parTrans" cxnId="{37B72A24-BAD0-4FF8-8609-70F9D268E2AE}">
       <dgm:prSet/>
       <dgm:spPr/>
       <dgm:t>
@@ -2618,7 +2602,7 @@
         </a:p>
       </dgm:t>
     </dgm:pt>
-    <dgm:pt modelId="{BC5EDE44-E8AC-4F3F-907F-110A8E246EE9}" type="sibTrans" cxnId="{ACED3C69-61D0-494F-A369-1FC3F1FC528B}">
+    <dgm:pt modelId="{C2B32C72-E607-4AF9-947F-1E9C4B5A720A}" type="sibTrans" cxnId="{37B72A24-BAD0-4FF8-8609-70F9D268E2AE}">
       <dgm:prSet/>
       <dgm:spPr/>
       <dgm:t>
@@ -2629,13 +2613,16 @@
         </a:p>
       </dgm:t>
     </dgm:pt>
-    <dgm:pt modelId="{C7442CCC-B27F-4C68-B561-2382487E6BBC}">
+    <dgm:pt modelId="{2485ED47-C9E8-4352-9846-C472A9E462A4}">
       <dgm:prSet phldrT="[Texte]"/>
       <dgm:spPr/>
       <dgm:t>
         <a:bodyPr/>
         <a:lstStyle/>
         <a:p>
+          <a:pPr>
+            <a:buNone/>
+          </a:pPr>
           <a:r>
             <a:rPr lang="fr-FR" dirty="0">
               <a:solidFill>
@@ -2647,7 +2634,7 @@
               <a:ea typeface="Tahoma" panose="020B0604030504040204" pitchFamily="34" charset="0"/>
               <a:cs typeface="Tahoma" panose="020B0604030504040204" pitchFamily="34" charset="0"/>
             </a:rPr>
-            <a:t>Accès possible à partir de plusieurs appareils</a:t>
+            <a:t>Page de création de classe</a:t>
           </a:r>
           <a:endParaRPr lang="fr-FR" dirty="0">
             <a:solidFill>
@@ -2659,7 +2646,7 @@
         </a:p>
       </dgm:t>
     </dgm:pt>
-    <dgm:pt modelId="{80883FCE-FD76-4FB9-B302-A51508826A17}" type="parTrans" cxnId="{A8AB514F-A5DC-4FF7-9973-3F2EE91D0CE7}">
+    <dgm:pt modelId="{C9923A88-464A-4B15-81CA-D3B5A6C47089}" type="parTrans" cxnId="{BDB3B6B2-2D63-4D6B-B1BB-8DA8986DD380}">
       <dgm:prSet/>
       <dgm:spPr/>
       <dgm:t>
@@ -2670,7 +2657,7 @@
         </a:p>
       </dgm:t>
     </dgm:pt>
-    <dgm:pt modelId="{1743D9B8-A475-4767-AD63-F8D14B1AFB45}" type="sibTrans" cxnId="{A8AB514F-A5DC-4FF7-9973-3F2EE91D0CE7}">
+    <dgm:pt modelId="{4D0A19AC-28E9-4946-9720-0EACE1B60626}" type="sibTrans" cxnId="{BDB3B6B2-2D63-4D6B-B1BB-8DA8986DD380}">
       <dgm:prSet/>
       <dgm:spPr/>
       <dgm:t>
@@ -2681,13 +2668,16 @@
         </a:p>
       </dgm:t>
     </dgm:pt>
-    <dgm:pt modelId="{457594C6-5BFA-4904-8D0F-5F1CE20B931B}">
+    <dgm:pt modelId="{DC906121-764A-46EC-9B6D-E815DF5959EE}">
       <dgm:prSet phldrT="[Texte]"/>
       <dgm:spPr/>
       <dgm:t>
         <a:bodyPr/>
         <a:lstStyle/>
         <a:p>
+          <a:pPr>
+            <a:buNone/>
+          </a:pPr>
           <a:r>
             <a:rPr lang="fr-FR" dirty="0">
               <a:solidFill>
@@ -2699,7 +2689,7 @@
               <a:ea typeface="Tahoma" panose="020B0604030504040204" pitchFamily="34" charset="0"/>
               <a:cs typeface="Tahoma" panose="020B0604030504040204" pitchFamily="34" charset="0"/>
             </a:rPr>
-            <a:t>Moins de gaspillage papiers</a:t>
+            <a:t>Page de modification de classe</a:t>
           </a:r>
           <a:endParaRPr lang="fr-FR" dirty="0">
             <a:solidFill>
@@ -2711,7 +2701,7 @@
         </a:p>
       </dgm:t>
     </dgm:pt>
-    <dgm:pt modelId="{2F4890E0-2CE5-402A-A80B-D5E8A3536AA1}" type="parTrans" cxnId="{E57AC4D2-FF68-41E4-9DF4-61C2E019D5ED}">
+    <dgm:pt modelId="{129F30A4-1D33-4B7A-BAB6-8812F1AF6C2E}" type="parTrans" cxnId="{FC255B3E-725E-442C-803E-30D02AEC4A2D}">
       <dgm:prSet/>
       <dgm:spPr/>
       <dgm:t>
@@ -2722,7 +2712,7 @@
         </a:p>
       </dgm:t>
     </dgm:pt>
-    <dgm:pt modelId="{28622D9F-DC85-4D41-9673-D6A9BE877B93}" type="sibTrans" cxnId="{E57AC4D2-FF68-41E4-9DF4-61C2E019D5ED}">
+    <dgm:pt modelId="{1A495D58-8D2D-40ED-9563-C558C5FA78BD}" type="sibTrans" cxnId="{FC255B3E-725E-442C-803E-30D02AEC4A2D}">
       <dgm:prSet/>
       <dgm:spPr/>
       <dgm:t>
@@ -2733,129 +2723,113 @@
         </a:p>
       </dgm:t>
     </dgm:pt>
-    <dgm:pt modelId="{F4150C25-B4E8-4C29-B78B-3E89A0E133C5}">
-      <dgm:prSet phldrT="[Texte]"/>
-      <dgm:spPr/>
-      <dgm:t>
-        <a:bodyPr/>
-        <a:lstStyle/>
-        <a:p>
-          <a:r>
-            <a:rPr lang="fr-FR" dirty="0">
-              <a:solidFill>
-                <a:schemeClr val="bg1">
-                  <a:lumMod val="95000"/>
-                </a:schemeClr>
-              </a:solidFill>
-              <a:latin typeface="Tahoma" panose="020B0604030504040204" pitchFamily="34" charset="0"/>
-              <a:ea typeface="Tahoma" panose="020B0604030504040204" pitchFamily="34" charset="0"/>
-              <a:cs typeface="Tahoma" panose="020B0604030504040204" pitchFamily="34" charset="0"/>
-            </a:rPr>
-            <a:t>Eviter la perte des notes manuscrites</a:t>
-          </a:r>
-          <a:endParaRPr lang="fr-FR" dirty="0">
-            <a:solidFill>
-              <a:schemeClr val="bg1">
-                <a:lumMod val="95000"/>
-              </a:schemeClr>
-            </a:solidFill>
-          </a:endParaRPr>
-        </a:p>
-      </dgm:t>
-    </dgm:pt>
-    <dgm:pt modelId="{348167BE-2F8F-499D-B016-23F9FEDA9AA8}" type="parTrans" cxnId="{3DAC6A72-3322-478B-B41C-B7030AACABA0}">
-      <dgm:prSet/>
-      <dgm:spPr/>
-      <dgm:t>
-        <a:bodyPr/>
-        <a:lstStyle/>
-        <a:p>
-          <a:endParaRPr lang="fr-FR"/>
-        </a:p>
-      </dgm:t>
-    </dgm:pt>
-    <dgm:pt modelId="{BA29EA79-5B3F-43C1-BC5F-052F2181D238}" type="sibTrans" cxnId="{3DAC6A72-3322-478B-B41C-B7030AACABA0}">
-      <dgm:prSet/>
-      <dgm:spPr/>
-      <dgm:t>
-        <a:bodyPr/>
-        <a:lstStyle/>
-        <a:p>
-          <a:endParaRPr lang="fr-FR"/>
-        </a:p>
-      </dgm:t>
-    </dgm:pt>
-    <dgm:pt modelId="{5AAC3C9A-5B42-4CF8-B689-DF8AC80F7983}" type="pres">
-      <dgm:prSet presAssocID="{862E4F43-A174-4F69-83DA-EA1A9C1D64A5}" presName="diagram" presStyleCnt="0">
+    <dgm:pt modelId="{246192DE-F3CC-4964-88D6-97AD4063B582}" type="pres">
+      <dgm:prSet presAssocID="{E469C458-E49F-4513-A3DB-7F9851D20839}" presName="Name0" presStyleCnt="0">
         <dgm:presLayoutVars>
+          <dgm:chMax val="7"/>
+          <dgm:chPref val="7"/>
           <dgm:dir/>
-          <dgm:resizeHandles val="exact"/>
         </dgm:presLayoutVars>
       </dgm:prSet>
       <dgm:spPr/>
     </dgm:pt>
-    <dgm:pt modelId="{DCC602E1-4F39-4C2C-8F95-50664047AAC2}" type="pres">
-      <dgm:prSet presAssocID="{6921EE91-3E65-4915-A1D7-6BE36B164219}" presName="node" presStyleLbl="node1" presStyleIdx="0" presStyleCnt="4">
+    <dgm:pt modelId="{AD64B36F-FD53-48C7-96BA-7D99DDE8CC10}" type="pres">
+      <dgm:prSet presAssocID="{E469C458-E49F-4513-A3DB-7F9851D20839}" presName="Name1" presStyleCnt="0"/>
+      <dgm:spPr/>
+    </dgm:pt>
+    <dgm:pt modelId="{22AF9C19-82DC-444F-86CD-8B3D2C3D3DB4}" type="pres">
+      <dgm:prSet presAssocID="{E469C458-E49F-4513-A3DB-7F9851D20839}" presName="cycle" presStyleCnt="0"/>
+      <dgm:spPr/>
+    </dgm:pt>
+    <dgm:pt modelId="{D710FD64-D424-4F97-909B-A3E330193DA4}" type="pres">
+      <dgm:prSet presAssocID="{E469C458-E49F-4513-A3DB-7F9851D20839}" presName="srcNode" presStyleLbl="node1" presStyleIdx="0" presStyleCnt="3"/>
+      <dgm:spPr/>
+    </dgm:pt>
+    <dgm:pt modelId="{2E383914-CAD8-485A-B34D-D7A7D26FB2C5}" type="pres">
+      <dgm:prSet presAssocID="{E469C458-E49F-4513-A3DB-7F9851D20839}" presName="conn" presStyleLbl="parChTrans1D2" presStyleIdx="0" presStyleCnt="1"/>
+      <dgm:spPr/>
+    </dgm:pt>
+    <dgm:pt modelId="{8F548BCB-7216-4B90-B2B9-B02312E8DA1A}" type="pres">
+      <dgm:prSet presAssocID="{E469C458-E49F-4513-A3DB-7F9851D20839}" presName="extraNode" presStyleLbl="node1" presStyleIdx="0" presStyleCnt="3"/>
+      <dgm:spPr/>
+    </dgm:pt>
+    <dgm:pt modelId="{8FF6488B-ABA8-4610-88CB-20453BBB8C2A}" type="pres">
+      <dgm:prSet presAssocID="{E469C458-E49F-4513-A3DB-7F9851D20839}" presName="dstNode" presStyleLbl="node1" presStyleIdx="0" presStyleCnt="3"/>
+      <dgm:spPr/>
+    </dgm:pt>
+    <dgm:pt modelId="{7B610B64-FA90-4C08-8618-2827A202472D}" type="pres">
+      <dgm:prSet presAssocID="{D6A5E3B7-A8C2-445B-92A4-9F84B5FC74DC}" presName="text_1" presStyleLbl="node1" presStyleIdx="0" presStyleCnt="3">
         <dgm:presLayoutVars>
           <dgm:bulletEnabled val="1"/>
         </dgm:presLayoutVars>
       </dgm:prSet>
       <dgm:spPr/>
     </dgm:pt>
-    <dgm:pt modelId="{E4667122-84E1-465C-A192-749E7BB3E4B8}" type="pres">
-      <dgm:prSet presAssocID="{BC5EDE44-E8AC-4F3F-907F-110A8E246EE9}" presName="sibTrans" presStyleCnt="0"/>
+    <dgm:pt modelId="{BC3BC226-C97C-4613-9D76-FED9AD15BC7E}" type="pres">
+      <dgm:prSet presAssocID="{D6A5E3B7-A8C2-445B-92A4-9F84B5FC74DC}" presName="accent_1" presStyleCnt="0"/>
       <dgm:spPr/>
     </dgm:pt>
-    <dgm:pt modelId="{4EB12A02-2576-4A48-815F-C822DBC8EAB2}" type="pres">
-      <dgm:prSet presAssocID="{C7442CCC-B27F-4C68-B561-2382487E6BBC}" presName="node" presStyleLbl="node1" presStyleIdx="1" presStyleCnt="4">
+    <dgm:pt modelId="{3EF789D9-8145-44FA-BB61-6302A13E34E2}" type="pres">
+      <dgm:prSet presAssocID="{D6A5E3B7-A8C2-445B-92A4-9F84B5FC74DC}" presName="accentRepeatNode" presStyleLbl="solidFgAcc1" presStyleIdx="0" presStyleCnt="3"/>
+      <dgm:spPr/>
+    </dgm:pt>
+    <dgm:pt modelId="{F6CDA853-FE71-4341-BCE0-D776005BF924}" type="pres">
+      <dgm:prSet presAssocID="{2485ED47-C9E8-4352-9846-C472A9E462A4}" presName="text_2" presStyleLbl="node1" presStyleIdx="1" presStyleCnt="3">
         <dgm:presLayoutVars>
           <dgm:bulletEnabled val="1"/>
         </dgm:presLayoutVars>
       </dgm:prSet>
       <dgm:spPr/>
     </dgm:pt>
-    <dgm:pt modelId="{BE00866E-371F-48A4-A07C-495EC69F81AB}" type="pres">
-      <dgm:prSet presAssocID="{1743D9B8-A475-4767-AD63-F8D14B1AFB45}" presName="sibTrans" presStyleCnt="0"/>
+    <dgm:pt modelId="{A1BEA450-F3CC-49A5-BBF7-907EDC1CFCD9}" type="pres">
+      <dgm:prSet presAssocID="{2485ED47-C9E8-4352-9846-C472A9E462A4}" presName="accent_2" presStyleCnt="0"/>
       <dgm:spPr/>
     </dgm:pt>
-    <dgm:pt modelId="{3890B4B1-0764-40A5-B500-E0B1B290B7CD}" type="pres">
-      <dgm:prSet presAssocID="{457594C6-5BFA-4904-8D0F-5F1CE20B931B}" presName="node" presStyleLbl="node1" presStyleIdx="2" presStyleCnt="4">
+    <dgm:pt modelId="{7E3036BA-4458-4D1A-9DE0-21DC11E6D3D5}" type="pres">
+      <dgm:prSet presAssocID="{2485ED47-C9E8-4352-9846-C472A9E462A4}" presName="accentRepeatNode" presStyleLbl="solidFgAcc1" presStyleIdx="1" presStyleCnt="3"/>
+      <dgm:spPr/>
+    </dgm:pt>
+    <dgm:pt modelId="{DA4167DC-55C6-4257-ADEF-29FABA37847E}" type="pres">
+      <dgm:prSet presAssocID="{DC906121-764A-46EC-9B6D-E815DF5959EE}" presName="text_3" presStyleLbl="node1" presStyleIdx="2" presStyleCnt="3">
         <dgm:presLayoutVars>
           <dgm:bulletEnabled val="1"/>
         </dgm:presLayoutVars>
       </dgm:prSet>
       <dgm:spPr/>
     </dgm:pt>
-    <dgm:pt modelId="{2D9104E9-52CB-4981-B8B5-F95317252FDF}" type="pres">
-      <dgm:prSet presAssocID="{28622D9F-DC85-4D41-9673-D6A9BE877B93}" presName="sibTrans" presStyleCnt="0"/>
+    <dgm:pt modelId="{AA4ED7D7-3440-4228-9F60-4D99EE1CA528}" type="pres">
+      <dgm:prSet presAssocID="{DC906121-764A-46EC-9B6D-E815DF5959EE}" presName="accent_3" presStyleCnt="0"/>
       <dgm:spPr/>
     </dgm:pt>
-    <dgm:pt modelId="{93908FD3-1CBE-42CC-BA95-CCB1BF8386B2}" type="pres">
-      <dgm:prSet presAssocID="{F4150C25-B4E8-4C29-B78B-3E89A0E133C5}" presName="node" presStyleLbl="node1" presStyleIdx="3" presStyleCnt="4" custLinFactNeighborX="-1441" custLinFactNeighborY="0">
-        <dgm:presLayoutVars>
-          <dgm:bulletEnabled val="1"/>
-        </dgm:presLayoutVars>
-      </dgm:prSet>
+    <dgm:pt modelId="{6A791824-DE3F-401F-B0AA-C4A4B8A1B0D5}" type="pres">
+      <dgm:prSet presAssocID="{DC906121-764A-46EC-9B6D-E815DF5959EE}" presName="accentRepeatNode" presStyleLbl="solidFgAcc1" presStyleIdx="2" presStyleCnt="3"/>
       <dgm:spPr/>
     </dgm:pt>
   </dgm:ptLst>
   <dgm:cxnLst>
-    <dgm:cxn modelId="{B1D85319-24DA-42EB-845D-0EAC0DA3C9C0}" type="presOf" srcId="{457594C6-5BFA-4904-8D0F-5F1CE20B931B}" destId="{3890B4B1-0764-40A5-B500-E0B1B290B7CD}" srcOrd="0" destOrd="0" presId="urn:microsoft.com/office/officeart/2005/8/layout/default"/>
-    <dgm:cxn modelId="{5326553E-98F6-4254-AEF0-A2C801CAB3BE}" type="presOf" srcId="{6921EE91-3E65-4915-A1D7-6BE36B164219}" destId="{DCC602E1-4F39-4C2C-8F95-50664047AAC2}" srcOrd="0" destOrd="0" presId="urn:microsoft.com/office/officeart/2005/8/layout/default"/>
-    <dgm:cxn modelId="{ACED3C69-61D0-494F-A369-1FC3F1FC528B}" srcId="{862E4F43-A174-4F69-83DA-EA1A9C1D64A5}" destId="{6921EE91-3E65-4915-A1D7-6BE36B164219}" srcOrd="0" destOrd="0" parTransId="{D8762C26-410A-4AD3-8FA0-4644D152B7C1}" sibTransId="{BC5EDE44-E8AC-4F3F-907F-110A8E246EE9}"/>
-    <dgm:cxn modelId="{A8AB514F-A5DC-4FF7-9973-3F2EE91D0CE7}" srcId="{862E4F43-A174-4F69-83DA-EA1A9C1D64A5}" destId="{C7442CCC-B27F-4C68-B561-2382487E6BBC}" srcOrd="1" destOrd="0" parTransId="{80883FCE-FD76-4FB9-B302-A51508826A17}" sibTransId="{1743D9B8-A475-4767-AD63-F8D14B1AFB45}"/>
-    <dgm:cxn modelId="{3DAC6A72-3322-478B-B41C-B7030AACABA0}" srcId="{862E4F43-A174-4F69-83DA-EA1A9C1D64A5}" destId="{F4150C25-B4E8-4C29-B78B-3E89A0E133C5}" srcOrd="3" destOrd="0" parTransId="{348167BE-2F8F-499D-B016-23F9FEDA9AA8}" sibTransId="{BA29EA79-5B3F-43C1-BC5F-052F2181D238}"/>
-    <dgm:cxn modelId="{A2BEE178-6460-42CF-8D46-9A12B01FEF62}" type="presOf" srcId="{C7442CCC-B27F-4C68-B561-2382487E6BBC}" destId="{4EB12A02-2576-4A48-815F-C822DBC8EAB2}" srcOrd="0" destOrd="0" presId="urn:microsoft.com/office/officeart/2005/8/layout/default"/>
-    <dgm:cxn modelId="{B2B4E47C-FCB6-4BCC-AD05-4699766D419D}" type="presOf" srcId="{F4150C25-B4E8-4C29-B78B-3E89A0E133C5}" destId="{93908FD3-1CBE-42CC-BA95-CCB1BF8386B2}" srcOrd="0" destOrd="0" presId="urn:microsoft.com/office/officeart/2005/8/layout/default"/>
-    <dgm:cxn modelId="{E57AC4D2-FF68-41E4-9DF4-61C2E019D5ED}" srcId="{862E4F43-A174-4F69-83DA-EA1A9C1D64A5}" destId="{457594C6-5BFA-4904-8D0F-5F1CE20B931B}" srcOrd="2" destOrd="0" parTransId="{2F4890E0-2CE5-402A-A80B-D5E8A3536AA1}" sibTransId="{28622D9F-DC85-4D41-9673-D6A9BE877B93}"/>
-    <dgm:cxn modelId="{F61667FB-042D-45DE-90B5-548F982F76C7}" type="presOf" srcId="{862E4F43-A174-4F69-83DA-EA1A9C1D64A5}" destId="{5AAC3C9A-5B42-4CF8-B689-DF8AC80F7983}" srcOrd="0" destOrd="0" presId="urn:microsoft.com/office/officeart/2005/8/layout/default"/>
-    <dgm:cxn modelId="{3A920F48-C15C-4D31-A284-6BDB4E8D5338}" type="presParOf" srcId="{5AAC3C9A-5B42-4CF8-B689-DF8AC80F7983}" destId="{DCC602E1-4F39-4C2C-8F95-50664047AAC2}" srcOrd="0" destOrd="0" presId="urn:microsoft.com/office/officeart/2005/8/layout/default"/>
-    <dgm:cxn modelId="{B9B45328-5DD8-42E1-8654-DFF29A7D5FD7}" type="presParOf" srcId="{5AAC3C9A-5B42-4CF8-B689-DF8AC80F7983}" destId="{E4667122-84E1-465C-A192-749E7BB3E4B8}" srcOrd="1" destOrd="0" presId="urn:microsoft.com/office/officeart/2005/8/layout/default"/>
-    <dgm:cxn modelId="{397EDC4D-DE1B-4A14-9EB1-C34A3CDC2F81}" type="presParOf" srcId="{5AAC3C9A-5B42-4CF8-B689-DF8AC80F7983}" destId="{4EB12A02-2576-4A48-815F-C822DBC8EAB2}" srcOrd="2" destOrd="0" presId="urn:microsoft.com/office/officeart/2005/8/layout/default"/>
-    <dgm:cxn modelId="{753602E9-B3C7-496F-9E22-E4F8C89780CC}" type="presParOf" srcId="{5AAC3C9A-5B42-4CF8-B689-DF8AC80F7983}" destId="{BE00866E-371F-48A4-A07C-495EC69F81AB}" srcOrd="3" destOrd="0" presId="urn:microsoft.com/office/officeart/2005/8/layout/default"/>
-    <dgm:cxn modelId="{B5DA01AF-D91E-431D-8BD8-F1D7978EC8A9}" type="presParOf" srcId="{5AAC3C9A-5B42-4CF8-B689-DF8AC80F7983}" destId="{3890B4B1-0764-40A5-B500-E0B1B290B7CD}" srcOrd="4" destOrd="0" presId="urn:microsoft.com/office/officeart/2005/8/layout/default"/>
-    <dgm:cxn modelId="{8E2030C2-9921-4AED-B071-7F848E9EFEA6}" type="presParOf" srcId="{5AAC3C9A-5B42-4CF8-B689-DF8AC80F7983}" destId="{2D9104E9-52CB-4981-B8B5-F95317252FDF}" srcOrd="5" destOrd="0" presId="urn:microsoft.com/office/officeart/2005/8/layout/default"/>
-    <dgm:cxn modelId="{A5D0882C-15AA-441D-BACF-E744AD97689C}" type="presParOf" srcId="{5AAC3C9A-5B42-4CF8-B689-DF8AC80F7983}" destId="{93908FD3-1CBE-42CC-BA95-CCB1BF8386B2}" srcOrd="6" destOrd="0" presId="urn:microsoft.com/office/officeart/2005/8/layout/default"/>
+    <dgm:cxn modelId="{07F61912-E652-44BA-B5EA-82E5161BC1A9}" type="presOf" srcId="{E469C458-E49F-4513-A3DB-7F9851D20839}" destId="{246192DE-F3CC-4964-88D6-97AD4063B582}" srcOrd="0" destOrd="0" presId="urn:microsoft.com/office/officeart/2008/layout/VerticalCurvedList"/>
+    <dgm:cxn modelId="{37B72A24-BAD0-4FF8-8609-70F9D268E2AE}" srcId="{E469C458-E49F-4513-A3DB-7F9851D20839}" destId="{D6A5E3B7-A8C2-445B-92A4-9F84B5FC74DC}" srcOrd="0" destOrd="0" parTransId="{370726F0-2709-4FD9-BC95-57AA3ED0080E}" sibTransId="{C2B32C72-E607-4AF9-947F-1E9C4B5A720A}"/>
+    <dgm:cxn modelId="{BF3FB127-1354-4153-8676-0F6A1699B772}" type="presOf" srcId="{2485ED47-C9E8-4352-9846-C472A9E462A4}" destId="{F6CDA853-FE71-4341-BCE0-D776005BF924}" srcOrd="0" destOrd="0" presId="urn:microsoft.com/office/officeart/2008/layout/VerticalCurvedList"/>
+    <dgm:cxn modelId="{FC255B3E-725E-442C-803E-30D02AEC4A2D}" srcId="{E469C458-E49F-4513-A3DB-7F9851D20839}" destId="{DC906121-764A-46EC-9B6D-E815DF5959EE}" srcOrd="2" destOrd="0" parTransId="{129F30A4-1D33-4B7A-BAB6-8812F1AF6C2E}" sibTransId="{1A495D58-8D2D-40ED-9563-C558C5FA78BD}"/>
+    <dgm:cxn modelId="{EE43CD98-F66D-4F58-8209-BAC8E2FB3AC0}" type="presOf" srcId="{D6A5E3B7-A8C2-445B-92A4-9F84B5FC74DC}" destId="{7B610B64-FA90-4C08-8618-2827A202472D}" srcOrd="0" destOrd="0" presId="urn:microsoft.com/office/officeart/2008/layout/VerticalCurvedList"/>
+    <dgm:cxn modelId="{0F1C1DA8-96C0-46EB-8453-7B3C3272A226}" type="presOf" srcId="{DC906121-764A-46EC-9B6D-E815DF5959EE}" destId="{DA4167DC-55C6-4257-ADEF-29FABA37847E}" srcOrd="0" destOrd="0" presId="urn:microsoft.com/office/officeart/2008/layout/VerticalCurvedList"/>
+    <dgm:cxn modelId="{BDB3B6B2-2D63-4D6B-B1BB-8DA8986DD380}" srcId="{E469C458-E49F-4513-A3DB-7F9851D20839}" destId="{2485ED47-C9E8-4352-9846-C472A9E462A4}" srcOrd="1" destOrd="0" parTransId="{C9923A88-464A-4B15-81CA-D3B5A6C47089}" sibTransId="{4D0A19AC-28E9-4946-9720-0EACE1B60626}"/>
+    <dgm:cxn modelId="{BB0A8EE9-511C-4D97-B475-8F177A2C707A}" type="presOf" srcId="{C2B32C72-E607-4AF9-947F-1E9C4B5A720A}" destId="{2E383914-CAD8-485A-B34D-D7A7D26FB2C5}" srcOrd="0" destOrd="0" presId="urn:microsoft.com/office/officeart/2008/layout/VerticalCurvedList"/>
+    <dgm:cxn modelId="{C2CA0B9E-2822-4B4B-9709-072AC5393CB7}" type="presParOf" srcId="{246192DE-F3CC-4964-88D6-97AD4063B582}" destId="{AD64B36F-FD53-48C7-96BA-7D99DDE8CC10}" srcOrd="0" destOrd="0" presId="urn:microsoft.com/office/officeart/2008/layout/VerticalCurvedList"/>
+    <dgm:cxn modelId="{BEAB5241-F25F-4315-A63F-992635C2A079}" type="presParOf" srcId="{AD64B36F-FD53-48C7-96BA-7D99DDE8CC10}" destId="{22AF9C19-82DC-444F-86CD-8B3D2C3D3DB4}" srcOrd="0" destOrd="0" presId="urn:microsoft.com/office/officeart/2008/layout/VerticalCurvedList"/>
+    <dgm:cxn modelId="{B367FFC3-9C67-47B4-9389-1791D5B04799}" type="presParOf" srcId="{22AF9C19-82DC-444F-86CD-8B3D2C3D3DB4}" destId="{D710FD64-D424-4F97-909B-A3E330193DA4}" srcOrd="0" destOrd="0" presId="urn:microsoft.com/office/officeart/2008/layout/VerticalCurvedList"/>
+    <dgm:cxn modelId="{21B3428F-189B-4C51-BA5A-8437548AE365}" type="presParOf" srcId="{22AF9C19-82DC-444F-86CD-8B3D2C3D3DB4}" destId="{2E383914-CAD8-485A-B34D-D7A7D26FB2C5}" srcOrd="1" destOrd="0" presId="urn:microsoft.com/office/officeart/2008/layout/VerticalCurvedList"/>
+    <dgm:cxn modelId="{13618770-55D9-4B85-BECE-27EE034F30C0}" type="presParOf" srcId="{22AF9C19-82DC-444F-86CD-8B3D2C3D3DB4}" destId="{8F548BCB-7216-4B90-B2B9-B02312E8DA1A}" srcOrd="2" destOrd="0" presId="urn:microsoft.com/office/officeart/2008/layout/VerticalCurvedList"/>
+    <dgm:cxn modelId="{61BAE1C2-D77C-4A8B-9538-69795C4C48ED}" type="presParOf" srcId="{22AF9C19-82DC-444F-86CD-8B3D2C3D3DB4}" destId="{8FF6488B-ABA8-4610-88CB-20453BBB8C2A}" srcOrd="3" destOrd="0" presId="urn:microsoft.com/office/officeart/2008/layout/VerticalCurvedList"/>
+    <dgm:cxn modelId="{F600ABF1-6F4E-4077-871C-F483EEE66348}" type="presParOf" srcId="{AD64B36F-FD53-48C7-96BA-7D99DDE8CC10}" destId="{7B610B64-FA90-4C08-8618-2827A202472D}" srcOrd="1" destOrd="0" presId="urn:microsoft.com/office/officeart/2008/layout/VerticalCurvedList"/>
+    <dgm:cxn modelId="{D02F4108-13CE-4FD9-B0D2-E7310B022D8F}" type="presParOf" srcId="{AD64B36F-FD53-48C7-96BA-7D99DDE8CC10}" destId="{BC3BC226-C97C-4613-9D76-FED9AD15BC7E}" srcOrd="2" destOrd="0" presId="urn:microsoft.com/office/officeart/2008/layout/VerticalCurvedList"/>
+    <dgm:cxn modelId="{CB3FFB60-F0AC-495C-8C78-11226C5E9179}" type="presParOf" srcId="{BC3BC226-C97C-4613-9D76-FED9AD15BC7E}" destId="{3EF789D9-8145-44FA-BB61-6302A13E34E2}" srcOrd="0" destOrd="0" presId="urn:microsoft.com/office/officeart/2008/layout/VerticalCurvedList"/>
+    <dgm:cxn modelId="{5B34BD09-9D14-4F63-B0A0-B97E273BCD60}" type="presParOf" srcId="{AD64B36F-FD53-48C7-96BA-7D99DDE8CC10}" destId="{F6CDA853-FE71-4341-BCE0-D776005BF924}" srcOrd="3" destOrd="0" presId="urn:microsoft.com/office/officeart/2008/layout/VerticalCurvedList"/>
+    <dgm:cxn modelId="{A0A8E890-75A9-4564-942B-76D7AA6AA353}" type="presParOf" srcId="{AD64B36F-FD53-48C7-96BA-7D99DDE8CC10}" destId="{A1BEA450-F3CC-49A5-BBF7-907EDC1CFCD9}" srcOrd="4" destOrd="0" presId="urn:microsoft.com/office/officeart/2008/layout/VerticalCurvedList"/>
+    <dgm:cxn modelId="{A8AD4A16-B88B-46A6-A966-3F1351B138D4}" type="presParOf" srcId="{A1BEA450-F3CC-49A5-BBF7-907EDC1CFCD9}" destId="{7E3036BA-4458-4D1A-9DE0-21DC11E6D3D5}" srcOrd="0" destOrd="0" presId="urn:microsoft.com/office/officeart/2008/layout/VerticalCurvedList"/>
+    <dgm:cxn modelId="{678DFE15-A18F-402B-BB2C-C3FE28851F14}" type="presParOf" srcId="{AD64B36F-FD53-48C7-96BA-7D99DDE8CC10}" destId="{DA4167DC-55C6-4257-ADEF-29FABA37847E}" srcOrd="5" destOrd="0" presId="urn:microsoft.com/office/officeart/2008/layout/VerticalCurvedList"/>
+    <dgm:cxn modelId="{7DC1ADBC-126A-4C95-9C2D-AD34400F805F}" type="presParOf" srcId="{AD64B36F-FD53-48C7-96BA-7D99DDE8CC10}" destId="{AA4ED7D7-3440-4228-9F60-4D99EE1CA528}" srcOrd="6" destOrd="0" presId="urn:microsoft.com/office/officeart/2008/layout/VerticalCurvedList"/>
+    <dgm:cxn modelId="{7B3776AA-4A8D-4D8F-94EF-38116F793B78}" type="presParOf" srcId="{AA4ED7D7-3440-4228-9F60-4D99EE1CA528}" destId="{6A791824-DE3F-401F-B0AA-C4A4B8A1B0D5}" srcOrd="0" destOrd="0" presId="urn:microsoft.com/office/officeart/2008/layout/VerticalCurvedList"/>
   </dgm:cxnLst>
   <dgm:bg/>
   <dgm:whole/>
@@ -3638,26 +3612,32 @@
       <dsp:cNvGrpSpPr/>
     </dsp:nvGrpSpPr>
     <dsp:grpSpPr/>
-    <dsp:sp modelId="{DCC602E1-4F39-4C2C-8F95-50664047AAC2}">
+    <dsp:sp modelId="{2E383914-CAD8-485A-B34D-D7A7D26FB2C5}">
       <dsp:nvSpPr>
         <dsp:cNvPr id="0" name=""/>
         <dsp:cNvSpPr/>
       </dsp:nvSpPr>
       <dsp:spPr>
         <a:xfrm>
-          <a:off x="877" y="49124"/>
-          <a:ext cx="3422940" cy="2053764"/>
+          <a:off x="-5531333" y="-846971"/>
+          <a:ext cx="6586799" cy="6586799"/>
         </a:xfrm>
-        <a:prstGeom prst="rect">
-          <a:avLst/>
+        <a:prstGeom prst="blockArc">
+          <a:avLst>
+            <a:gd name="adj1" fmla="val 18900000"/>
+            <a:gd name="adj2" fmla="val 2700000"/>
+            <a:gd name="adj3" fmla="val 328"/>
+          </a:avLst>
         </a:prstGeom>
-        <a:solidFill>
-          <a:schemeClr val="accent1"/>
-        </a:solidFill>
+        <a:noFill/>
         <a:ln w="12700" cap="flat" cmpd="sng" algn="ctr">
           <a:solidFill>
             <a:schemeClr val="accent1">
-              <a:shade val="50000"/>
+              <a:shade val="60000"/>
+              <a:hueOff val="0"/>
+              <a:satOff val="0"/>
+              <a:lumOff val="0"/>
+              <a:alphaOff val="0"/>
             </a:schemeClr>
           </a:solidFill>
           <a:prstDash val="solid"/>
@@ -3667,74 +3647,26 @@
       </dsp:spPr>
       <dsp:style>
         <a:lnRef idx="2">
-          <a:schemeClr val="accent1">
-            <a:shade val="50000"/>
-          </a:schemeClr>
+          <a:scrgbClr r="0" g="0" b="0"/>
         </a:lnRef>
-        <a:fillRef idx="1">
-          <a:schemeClr val="accent1"/>
+        <a:fillRef idx="0">
+          <a:scrgbClr r="0" g="0" b="0"/>
         </a:fillRef>
         <a:effectRef idx="0">
-          <a:schemeClr val="accent1"/>
+          <a:scrgbClr r="0" g="0" b="0"/>
         </a:effectRef>
-        <a:fontRef idx="minor">
-          <a:schemeClr val="lt1"/>
-        </a:fontRef>
+        <a:fontRef idx="minor"/>
       </dsp:style>
-      <dsp:txBody>
-        <a:bodyPr spcFirstLastPara="0" vert="horz" wrap="square" lIns="121920" tIns="121920" rIns="121920" bIns="121920" numCol="1" spcCol="1270" anchor="ctr" anchorCtr="0">
-          <a:noAutofit/>
-        </a:bodyPr>
-        <a:lstStyle/>
-        <a:p>
-          <a:pPr marL="0" lvl="0" indent="0" algn="ctr" defTabSz="1422400">
-            <a:lnSpc>
-              <a:spcPct val="90000"/>
-            </a:lnSpc>
-            <a:spcBef>
-              <a:spcPct val="0"/>
-            </a:spcBef>
-            <a:spcAft>
-              <a:spcPct val="35000"/>
-            </a:spcAft>
-            <a:buNone/>
-          </a:pPr>
-          <a:r>
-            <a:rPr lang="fr-FR" sz="3200" kern="1200" dirty="0">
-              <a:solidFill>
-                <a:schemeClr val="bg1">
-                  <a:lumMod val="95000"/>
-                </a:schemeClr>
-              </a:solidFill>
-              <a:latin typeface="Tahoma" panose="020B0604030504040204" pitchFamily="34" charset="0"/>
-              <a:ea typeface="Tahoma" panose="020B0604030504040204" pitchFamily="34" charset="0"/>
-              <a:cs typeface="Tahoma" panose="020B0604030504040204" pitchFamily="34" charset="0"/>
-            </a:rPr>
-            <a:t>Utilisation simple et intuitive de l’application web</a:t>
-          </a:r>
-          <a:endParaRPr lang="fr-FR" sz="3200" kern="1200" dirty="0">
-            <a:solidFill>
-              <a:schemeClr val="bg1">
-                <a:lumMod val="95000"/>
-              </a:schemeClr>
-            </a:solidFill>
-          </a:endParaRPr>
-        </a:p>
-      </dsp:txBody>
-      <dsp:txXfrm>
-        <a:off x="877" y="49124"/>
-        <a:ext cx="3422940" cy="2053764"/>
-      </dsp:txXfrm>
     </dsp:sp>
-    <dsp:sp modelId="{4EB12A02-2576-4A48-815F-C822DBC8EAB2}">
+    <dsp:sp modelId="{7B610B64-FA90-4C08-8618-2827A202472D}">
       <dsp:nvSpPr>
         <dsp:cNvPr id="0" name=""/>
         <dsp:cNvSpPr/>
       </dsp:nvSpPr>
       <dsp:spPr>
         <a:xfrm>
-          <a:off x="3766112" y="49124"/>
-          <a:ext cx="3422940" cy="2053764"/>
+          <a:off x="679128" y="489285"/>
+          <a:ext cx="6557583" cy="978571"/>
         </a:xfrm>
         <a:prstGeom prst="rect">
           <a:avLst/>
@@ -3776,12 +3708,12 @@
         </a:fontRef>
       </dsp:style>
       <dsp:txBody>
-        <a:bodyPr spcFirstLastPara="0" vert="horz" wrap="square" lIns="121920" tIns="121920" rIns="121920" bIns="121920" numCol="1" spcCol="1270" anchor="ctr" anchorCtr="0">
+        <a:bodyPr spcFirstLastPara="0" vert="horz" wrap="square" lIns="776741" tIns="81280" rIns="81280" bIns="81280" numCol="1" spcCol="1270" anchor="ctr" anchorCtr="0">
           <a:noAutofit/>
         </a:bodyPr>
         <a:lstStyle/>
         <a:p>
-          <a:pPr marL="0" lvl="0" indent="0" algn="ctr" defTabSz="1422400">
+          <a:pPr marL="0" lvl="0" indent="0" algn="l" defTabSz="1422400">
             <a:lnSpc>
               <a:spcPct val="90000"/>
             </a:lnSpc>
@@ -3804,7 +3736,7 @@
               <a:ea typeface="Tahoma" panose="020B0604030504040204" pitchFamily="34" charset="0"/>
               <a:cs typeface="Tahoma" panose="020B0604030504040204" pitchFamily="34" charset="0"/>
             </a:rPr>
-            <a:t>Accès possible à partir de plusieurs appareils</a:t>
+            <a:t>Page principale : plan de classe</a:t>
           </a:r>
           <a:endParaRPr lang="fr-FR" sz="3200" kern="1200" dirty="0">
             <a:solidFill>
@@ -3816,19 +3748,67 @@
         </a:p>
       </dsp:txBody>
       <dsp:txXfrm>
-        <a:off x="3766112" y="49124"/>
-        <a:ext cx="3422940" cy="2053764"/>
+        <a:off x="679128" y="489285"/>
+        <a:ext cx="6557583" cy="978571"/>
       </dsp:txXfrm>
     </dsp:sp>
-    <dsp:sp modelId="{3890B4B1-0764-40A5-B500-E0B1B290B7CD}">
+    <dsp:sp modelId="{3EF789D9-8145-44FA-BB61-6302A13E34E2}">
       <dsp:nvSpPr>
         <dsp:cNvPr id="0" name=""/>
         <dsp:cNvSpPr/>
       </dsp:nvSpPr>
       <dsp:spPr>
         <a:xfrm>
-          <a:off x="877" y="2445183"/>
-          <a:ext cx="3422940" cy="2053764"/>
+          <a:off x="67521" y="366964"/>
+          <a:ext cx="1223214" cy="1223214"/>
+        </a:xfrm>
+        <a:prstGeom prst="ellipse">
+          <a:avLst/>
+        </a:prstGeom>
+        <a:solidFill>
+          <a:schemeClr val="lt1">
+            <a:hueOff val="0"/>
+            <a:satOff val="0"/>
+            <a:lumOff val="0"/>
+            <a:alphaOff val="0"/>
+          </a:schemeClr>
+        </a:solidFill>
+        <a:ln w="12700" cap="flat" cmpd="sng" algn="ctr">
+          <a:solidFill>
+            <a:schemeClr val="accent1">
+              <a:hueOff val="0"/>
+              <a:satOff val="0"/>
+              <a:lumOff val="0"/>
+              <a:alphaOff val="0"/>
+            </a:schemeClr>
+          </a:solidFill>
+          <a:prstDash val="solid"/>
+          <a:miter lim="800000"/>
+        </a:ln>
+        <a:effectLst/>
+      </dsp:spPr>
+      <dsp:style>
+        <a:lnRef idx="2">
+          <a:scrgbClr r="0" g="0" b="0"/>
+        </a:lnRef>
+        <a:fillRef idx="1">
+          <a:scrgbClr r="0" g="0" b="0"/>
+        </a:fillRef>
+        <a:effectRef idx="0">
+          <a:scrgbClr r="0" g="0" b="0"/>
+        </a:effectRef>
+        <a:fontRef idx="minor"/>
+      </dsp:style>
+    </dsp:sp>
+    <dsp:sp modelId="{F6CDA853-FE71-4341-BCE0-D776005BF924}">
+      <dsp:nvSpPr>
+        <dsp:cNvPr id="0" name=""/>
+        <dsp:cNvSpPr/>
+      </dsp:nvSpPr>
+      <dsp:spPr>
+        <a:xfrm>
+          <a:off x="1034839" y="1957142"/>
+          <a:ext cx="6201872" cy="978571"/>
         </a:xfrm>
         <a:prstGeom prst="rect">
           <a:avLst/>
@@ -3870,12 +3850,12 @@
         </a:fontRef>
       </dsp:style>
       <dsp:txBody>
-        <a:bodyPr spcFirstLastPara="0" vert="horz" wrap="square" lIns="121920" tIns="121920" rIns="121920" bIns="121920" numCol="1" spcCol="1270" anchor="ctr" anchorCtr="0">
+        <a:bodyPr spcFirstLastPara="0" vert="horz" wrap="square" lIns="776741" tIns="81280" rIns="81280" bIns="81280" numCol="1" spcCol="1270" anchor="ctr" anchorCtr="0">
           <a:noAutofit/>
         </a:bodyPr>
         <a:lstStyle/>
         <a:p>
-          <a:pPr marL="0" lvl="0" indent="0" algn="ctr" defTabSz="1422400">
+          <a:pPr marL="0" lvl="0" indent="0" algn="l" defTabSz="1422400">
             <a:lnSpc>
               <a:spcPct val="90000"/>
             </a:lnSpc>
@@ -3898,7 +3878,7 @@
               <a:ea typeface="Tahoma" panose="020B0604030504040204" pitchFamily="34" charset="0"/>
               <a:cs typeface="Tahoma" panose="020B0604030504040204" pitchFamily="34" charset="0"/>
             </a:rPr>
-            <a:t>Moins de gaspillage papiers</a:t>
+            <a:t>Page de création de classe</a:t>
           </a:r>
           <a:endParaRPr lang="fr-FR" sz="3200" kern="1200" dirty="0">
             <a:solidFill>
@@ -3910,19 +3890,67 @@
         </a:p>
       </dsp:txBody>
       <dsp:txXfrm>
-        <a:off x="877" y="2445183"/>
-        <a:ext cx="3422940" cy="2053764"/>
+        <a:off x="1034839" y="1957142"/>
+        <a:ext cx="6201872" cy="978571"/>
       </dsp:txXfrm>
     </dsp:sp>
-    <dsp:sp modelId="{93908FD3-1CBE-42CC-BA95-CCB1BF8386B2}">
+    <dsp:sp modelId="{7E3036BA-4458-4D1A-9DE0-21DC11E6D3D5}">
       <dsp:nvSpPr>
         <dsp:cNvPr id="0" name=""/>
         <dsp:cNvSpPr/>
       </dsp:nvSpPr>
       <dsp:spPr>
         <a:xfrm>
-          <a:off x="3716787" y="2445183"/>
-          <a:ext cx="3422940" cy="2053764"/>
+          <a:off x="423232" y="1834821"/>
+          <a:ext cx="1223214" cy="1223214"/>
+        </a:xfrm>
+        <a:prstGeom prst="ellipse">
+          <a:avLst/>
+        </a:prstGeom>
+        <a:solidFill>
+          <a:schemeClr val="lt1">
+            <a:hueOff val="0"/>
+            <a:satOff val="0"/>
+            <a:lumOff val="0"/>
+            <a:alphaOff val="0"/>
+          </a:schemeClr>
+        </a:solidFill>
+        <a:ln w="12700" cap="flat" cmpd="sng" algn="ctr">
+          <a:solidFill>
+            <a:schemeClr val="accent1">
+              <a:hueOff val="0"/>
+              <a:satOff val="0"/>
+              <a:lumOff val="0"/>
+              <a:alphaOff val="0"/>
+            </a:schemeClr>
+          </a:solidFill>
+          <a:prstDash val="solid"/>
+          <a:miter lim="800000"/>
+        </a:ln>
+        <a:effectLst/>
+      </dsp:spPr>
+      <dsp:style>
+        <a:lnRef idx="2">
+          <a:scrgbClr r="0" g="0" b="0"/>
+        </a:lnRef>
+        <a:fillRef idx="1">
+          <a:scrgbClr r="0" g="0" b="0"/>
+        </a:fillRef>
+        <a:effectRef idx="0">
+          <a:scrgbClr r="0" g="0" b="0"/>
+        </a:effectRef>
+        <a:fontRef idx="minor"/>
+      </dsp:style>
+    </dsp:sp>
+    <dsp:sp modelId="{DA4167DC-55C6-4257-ADEF-29FABA37847E}">
+      <dsp:nvSpPr>
+        <dsp:cNvPr id="0" name=""/>
+        <dsp:cNvSpPr/>
+      </dsp:nvSpPr>
+      <dsp:spPr>
+        <a:xfrm>
+          <a:off x="679128" y="3424999"/>
+          <a:ext cx="6557583" cy="978571"/>
         </a:xfrm>
         <a:prstGeom prst="rect">
           <a:avLst/>
@@ -3964,12 +3992,12 @@
         </a:fontRef>
       </dsp:style>
       <dsp:txBody>
-        <a:bodyPr spcFirstLastPara="0" vert="horz" wrap="square" lIns="121920" tIns="121920" rIns="121920" bIns="121920" numCol="1" spcCol="1270" anchor="ctr" anchorCtr="0">
+        <a:bodyPr spcFirstLastPara="0" vert="horz" wrap="square" lIns="776741" tIns="81280" rIns="81280" bIns="81280" numCol="1" spcCol="1270" anchor="ctr" anchorCtr="0">
           <a:noAutofit/>
         </a:bodyPr>
         <a:lstStyle/>
         <a:p>
-          <a:pPr marL="0" lvl="0" indent="0" algn="ctr" defTabSz="1422400">
+          <a:pPr marL="0" lvl="0" indent="0" algn="l" defTabSz="1422400">
             <a:lnSpc>
               <a:spcPct val="90000"/>
             </a:lnSpc>
@@ -3992,7 +4020,7 @@
               <a:ea typeface="Tahoma" panose="020B0604030504040204" pitchFamily="34" charset="0"/>
               <a:cs typeface="Tahoma" panose="020B0604030504040204" pitchFamily="34" charset="0"/>
             </a:rPr>
-            <a:t>Eviter la perte des notes manuscrites</a:t>
+            <a:t>Page de modification de classe</a:t>
           </a:r>
           <a:endParaRPr lang="fr-FR" sz="3200" kern="1200" dirty="0">
             <a:solidFill>
@@ -4004,9 +4032,57 @@
         </a:p>
       </dsp:txBody>
       <dsp:txXfrm>
-        <a:off x="3716787" y="2445183"/>
-        <a:ext cx="3422940" cy="2053764"/>
+        <a:off x="679128" y="3424999"/>
+        <a:ext cx="6557583" cy="978571"/>
       </dsp:txXfrm>
+    </dsp:sp>
+    <dsp:sp modelId="{6A791824-DE3F-401F-B0AA-C4A4B8A1B0D5}">
+      <dsp:nvSpPr>
+        <dsp:cNvPr id="0" name=""/>
+        <dsp:cNvSpPr/>
+      </dsp:nvSpPr>
+      <dsp:spPr>
+        <a:xfrm>
+          <a:off x="67521" y="3302678"/>
+          <a:ext cx="1223214" cy="1223214"/>
+        </a:xfrm>
+        <a:prstGeom prst="ellipse">
+          <a:avLst/>
+        </a:prstGeom>
+        <a:solidFill>
+          <a:schemeClr val="lt1">
+            <a:hueOff val="0"/>
+            <a:satOff val="0"/>
+            <a:lumOff val="0"/>
+            <a:alphaOff val="0"/>
+          </a:schemeClr>
+        </a:solidFill>
+        <a:ln w="12700" cap="flat" cmpd="sng" algn="ctr">
+          <a:solidFill>
+            <a:schemeClr val="accent1">
+              <a:hueOff val="0"/>
+              <a:satOff val="0"/>
+              <a:lumOff val="0"/>
+              <a:alphaOff val="0"/>
+            </a:schemeClr>
+          </a:solidFill>
+          <a:prstDash val="solid"/>
+          <a:miter lim="800000"/>
+        </a:ln>
+        <a:effectLst/>
+      </dsp:spPr>
+      <dsp:style>
+        <a:lnRef idx="2">
+          <a:scrgbClr r="0" g="0" b="0"/>
+        </a:lnRef>
+        <a:fillRef idx="1">
+          <a:scrgbClr r="0" g="0" b="0"/>
+        </a:fillRef>
+        <a:effectRef idx="0">
+          <a:scrgbClr r="0" g="0" b="0"/>
+        </a:effectRef>
+        <a:fontRef idx="minor"/>
+      </dsp:style>
     </dsp:sp>
   </dsp:spTree>
 </dsp:drawing>
@@ -5008,13 +5084,55 @@
 </file>
 
 <file path=ppt/diagrams/layout1.xml><?xml version="1.0" encoding="utf-8"?>
-<dgm:layoutDef xmlns:dgm="http://schemas.openxmlformats.org/drawingml/2006/diagram" xmlns:a="http://schemas.openxmlformats.org/drawingml/2006/main" uniqueId="urn:microsoft.com/office/officeart/2005/8/layout/default">
+<dgm:layoutDef xmlns:dgm="http://schemas.openxmlformats.org/drawingml/2006/diagram" xmlns:a="http://schemas.openxmlformats.org/drawingml/2006/main" uniqueId="urn:microsoft.com/office/officeart/2008/layout/VerticalCurvedList">
   <dgm:title val=""/>
   <dgm:desc val=""/>
   <dgm:catLst>
-    <dgm:cat type="list" pri="400"/>
+    <dgm:cat type="list" pri="20000"/>
   </dgm:catLst>
   <dgm:sampData>
+    <dgm:dataModel>
+      <dgm:ptLst>
+        <dgm:pt modelId="0" type="doc"/>
+        <dgm:pt modelId="1">
+          <dgm:prSet phldr="1"/>
+        </dgm:pt>
+        <dgm:pt modelId="2">
+          <dgm:prSet phldr="1"/>
+        </dgm:pt>
+        <dgm:pt modelId="3">
+          <dgm:prSet phldr="1"/>
+        </dgm:pt>
+      </dgm:ptLst>
+      <dgm:cxnLst>
+        <dgm:cxn modelId="4" srcId="0" destId="1" srcOrd="0" destOrd="0"/>
+        <dgm:cxn modelId="5" srcId="0" destId="2" srcOrd="1" destOrd="0"/>
+        <dgm:cxn modelId="6" srcId="0" destId="3" srcOrd="2" destOrd="0"/>
+      </dgm:cxnLst>
+      <dgm:bg/>
+      <dgm:whole/>
+    </dgm:dataModel>
+  </dgm:sampData>
+  <dgm:styleData>
+    <dgm:dataModel>
+      <dgm:ptLst>
+        <dgm:pt modelId="0" type="doc"/>
+        <dgm:pt modelId="1">
+          <dgm:prSet phldr="1"/>
+        </dgm:pt>
+        <dgm:pt modelId="2">
+          <dgm:prSet phldr="1"/>
+        </dgm:pt>
+      </dgm:ptLst>
+      <dgm:cxnLst>
+        <dgm:cxn modelId="3" srcId="0" destId="1" srcOrd="0" destOrd="0"/>
+        <dgm:cxn modelId="4" srcId="0" destId="2" srcOrd="1" destOrd="0"/>
+      </dgm:cxnLst>
+      <dgm:bg/>
+      <dgm:whole/>
+    </dgm:dataModel>
+  </dgm:styleData>
+  <dgm:clrData>
     <dgm:dataModel>
       <dgm:ptLst>
         <dgm:pt modelId="0" type="doc"/>
@@ -5030,126 +5148,1215 @@
         <dgm:pt modelId="4">
           <dgm:prSet phldr="1"/>
         </dgm:pt>
-        <dgm:pt modelId="5">
-          <dgm:prSet phldr="1"/>
-        </dgm:pt>
       </dgm:ptLst>
       <dgm:cxnLst>
-        <dgm:cxn modelId="6" srcId="0" destId="1" srcOrd="0" destOrd="0"/>
-        <dgm:cxn modelId="7" srcId="0" destId="2" srcOrd="1" destOrd="0"/>
-        <dgm:cxn modelId="8" srcId="0" destId="3" srcOrd="2" destOrd="0"/>
-        <dgm:cxn modelId="9" srcId="0" destId="4" srcOrd="3" destOrd="0"/>
-        <dgm:cxn modelId="10" srcId="0" destId="5" srcOrd="4" destOrd="0"/>
-      </dgm:cxnLst>
-      <dgm:bg/>
-      <dgm:whole/>
-    </dgm:dataModel>
-  </dgm:sampData>
-  <dgm:styleData>
-    <dgm:dataModel>
-      <dgm:ptLst>
-        <dgm:pt modelId="0" type="doc"/>
-        <dgm:pt modelId="1"/>
-        <dgm:pt modelId="2"/>
-      </dgm:ptLst>
-      <dgm:cxnLst>
-        <dgm:cxn modelId="3" srcId="0" destId="1" srcOrd="0" destOrd="0"/>
-        <dgm:cxn modelId="4" srcId="0" destId="2" srcOrd="1" destOrd="0"/>
-      </dgm:cxnLst>
-      <dgm:bg/>
-      <dgm:whole/>
-    </dgm:dataModel>
-  </dgm:styleData>
-  <dgm:clrData>
-    <dgm:dataModel>
-      <dgm:ptLst>
-        <dgm:pt modelId="0" type="doc"/>
-        <dgm:pt modelId="1"/>
-        <dgm:pt modelId="2"/>
-        <dgm:pt modelId="3"/>
-        <dgm:pt modelId="4"/>
-        <dgm:pt modelId="5"/>
-        <dgm:pt modelId="6"/>
-      </dgm:ptLst>
-      <dgm:cxnLst>
-        <dgm:cxn modelId="7" srcId="0" destId="1" srcOrd="0" destOrd="0"/>
-        <dgm:cxn modelId="8" srcId="0" destId="2" srcOrd="1" destOrd="0"/>
-        <dgm:cxn modelId="9" srcId="0" destId="3" srcOrd="2" destOrd="0"/>
-        <dgm:cxn modelId="10" srcId="0" destId="4" srcOrd="3" destOrd="0"/>
-        <dgm:cxn modelId="11" srcId="0" destId="5" srcOrd="4" destOrd="0"/>
-        <dgm:cxn modelId="12" srcId="0" destId="6" srcOrd="5" destOrd="0"/>
+        <dgm:cxn modelId="5" srcId="0" destId="1" srcOrd="0" destOrd="0"/>
+        <dgm:cxn modelId="6" srcId="0" destId="2" srcOrd="1" destOrd="0"/>
+        <dgm:cxn modelId="7" srcId="0" destId="3" srcOrd="2" destOrd="0"/>
+        <dgm:cxn modelId="8" srcId="0" destId="4" srcOrd="3" destOrd="0"/>
       </dgm:cxnLst>
       <dgm:bg/>
       <dgm:whole/>
     </dgm:dataModel>
   </dgm:clrData>
-  <dgm:layoutNode name="diagram">
+  <dgm:layoutNode name="Name0">
     <dgm:varLst>
+      <dgm:chMax val="7"/>
+      <dgm:chPref val="7"/>
       <dgm:dir/>
-      <dgm:resizeHandles val="exact"/>
     </dgm:varLst>
-    <dgm:choose name="Name0">
-      <dgm:if name="Name1" func="var" arg="dir" op="equ" val="norm">
-        <dgm:alg type="snake">
-          <dgm:param type="grDir" val="tL"/>
-          <dgm:param type="flowDir" val="row"/>
-          <dgm:param type="contDir" val="sameDir"/>
-          <dgm:param type="off" val="ctr"/>
-        </dgm:alg>
-      </dgm:if>
-      <dgm:else name="Name2">
-        <dgm:alg type="snake">
-          <dgm:param type="grDir" val="tR"/>
-          <dgm:param type="flowDir" val="row"/>
-          <dgm:param type="contDir" val="sameDir"/>
-          <dgm:param type="off" val="ctr"/>
-        </dgm:alg>
-      </dgm:else>
-    </dgm:choose>
+    <dgm:alg type="composite"/>
     <dgm:shape xmlns:r="http://schemas.openxmlformats.org/officeDocument/2006/relationships" r:blip="">
       <dgm:adjLst/>
     </dgm:shape>
-    <dgm:presOf/>
     <dgm:constrLst>
-      <dgm:constr type="w" for="ch" forName="node" refType="w"/>
-      <dgm:constr type="h" for="ch" forName="node" refType="w" refFor="ch" refForName="node" fact="0.6"/>
-      <dgm:constr type="w" for="ch" forName="sibTrans" refType="w" refFor="ch" refForName="node" fact="0.1"/>
-      <dgm:constr type="sp" refType="w" refFor="ch" refForName="sibTrans"/>
-      <dgm:constr type="primFontSz" for="ch" forName="node" op="equ" val="65"/>
+      <dgm:constr type="w" for="ch" refType="h" refFor="ch" op="gte" fact="0.8"/>
     </dgm:constrLst>
-    <dgm:ruleLst/>
-    <dgm:forEach name="Name3" axis="ch" ptType="node">
-      <dgm:layoutNode name="node">
-        <dgm:varLst>
-          <dgm:bulletEnabled val="1"/>
-        </dgm:varLst>
-        <dgm:alg type="tx"/>
-        <dgm:shape xmlns:r="http://schemas.openxmlformats.org/officeDocument/2006/relationships" type="rect" r:blip="">
+    <dgm:layoutNode name="Name1">
+      <dgm:alg type="composite"/>
+      <dgm:shape xmlns:r="http://schemas.openxmlformats.org/officeDocument/2006/relationships" r:blip="">
+        <dgm:adjLst/>
+      </dgm:shape>
+      <dgm:choose name="Name2">
+        <dgm:if name="Name3" func="var" arg="dir" op="equ" val="norm">
+          <dgm:choose name="Name4">
+            <dgm:if name="Name5" axis="ch" ptType="node" func="cnt" op="equ" val="1">
+              <dgm:constrLst>
+                <dgm:constr type="h" for="ch" forName="cycle" refType="h"/>
+                <dgm:constr type="w" for="ch" forName="cycle" refType="h" refFor="ch" refForName="cycle" fact="0.26"/>
+                <dgm:constr type="l" for="ch" forName="cycle"/>
+                <dgm:constr type="ctrY" for="ch" forName="cycle" refType="h" fact="0.5"/>
+                <dgm:constr type="diam" for="ch" forName="cycle" refType="h" fact="1.344"/>
+                <dgm:constr type="h" for="ch" forName="accent_1" refType="h" fact="0.625"/>
+                <dgm:constr type="w" for="ch" forName="accent_1" refType="h" refFor="ch" refForName="accent_1" op="equ"/>
+                <dgm:constr type="ctrY" for="ch" forName="accent_1" refType="h" fact="0.5"/>
+                <dgm:constr type="ctrX" for="ch" forName="accent_1" refType="h" fact="0.2253"/>
+                <dgm:constr type="l" for="ch" forName="text_1" refType="ctrX" refFor="ch" refForName="accent_1"/>
+                <dgm:constr type="r" for="ch" forName="text_1" refType="w"/>
+                <dgm:constr type="w" for="ch" forName="text_1" refType="h" refFor="ch" refForName="text_1" op="gte"/>
+                <dgm:constr type="h" for="ch" forName="text_1" refType="h" refFor="ch" refForName="accent_1" fact="0.8"/>
+                <dgm:constr type="ctrY" for="ch" forName="text_1" refType="ctrY" refFor="ch" refForName="accent_1"/>
+                <dgm:constr type="lMarg" for="ch" forName="text_1" refType="w" refFor="ch" refForName="accent_1" fact="1.8"/>
+                <dgm:constr type="primFontSz" for="ch" ptType="node" op="equ" val="65"/>
+              </dgm:constrLst>
+            </dgm:if>
+            <dgm:if name="Name6" axis="ch" ptType="node" func="cnt" op="equ" val="2">
+              <dgm:constrLst>
+                <dgm:constr type="h" for="ch" forName="cycle" refType="h"/>
+                <dgm:constr type="w" for="ch" forName="cycle" refType="h" refFor="ch" refForName="cycle" fact="0.26"/>
+                <dgm:constr type="l" for="ch" forName="cycle"/>
+                <dgm:constr type="ctrY" for="ch" forName="cycle" refType="h" fact="0.5"/>
+                <dgm:constr type="diam" for="ch" forName="cycle" refType="h" fact="1.344"/>
+                <dgm:constr type="h" for="ch" forName="accent_1" refType="h" fact="0.3571"/>
+                <dgm:constr type="w" for="ch" forName="accent_1" refType="h" refFor="ch" refForName="accent_1" op="equ"/>
+                <dgm:constr type="ctrY" for="ch" forName="accent_1" refType="h" fact="0.2857"/>
+                <dgm:constr type="ctrX" for="ch" forName="accent_1" refType="h" fact="0.1891"/>
+                <dgm:constr type="l" for="ch" forName="text_1" refType="ctrX" refFor="ch" refForName="accent_1"/>
+                <dgm:constr type="r" for="ch" forName="text_1" refType="w"/>
+                <dgm:constr type="w" for="ch" forName="text_1" refType="h" refFor="ch" refForName="text_1" op="gte"/>
+                <dgm:constr type="h" for="ch" forName="text_1" refType="h" refFor="ch" refForName="accent_1" fact="0.8"/>
+                <dgm:constr type="ctrY" for="ch" forName="text_1" refType="ctrY" refFor="ch" refForName="accent_1"/>
+                <dgm:constr type="lMarg" for="ch" forName="text_1" refType="w" refFor="ch" refForName="accent_1" fact="1.8"/>
+                <dgm:constr type="h" for="ch" forName="accent_2" refType="h" fact="0.3571"/>
+                <dgm:constr type="w" for="ch" forName="accent_2" refType="h" refFor="ch" refForName="accent_2" op="equ"/>
+                <dgm:constr type="ctrY" for="ch" forName="accent_2" refType="h" fact="0.7143"/>
+                <dgm:constr type="ctrX" for="ch" forName="accent_2" refType="h" fact="0.1891"/>
+                <dgm:constr type="l" for="ch" forName="text_2" refType="ctrX" refFor="ch" refForName="accent_2"/>
+                <dgm:constr type="r" for="ch" forName="text_2" refType="w"/>
+                <dgm:constr type="w" for="ch" forName="text_2" refType="h" refFor="ch" refForName="text_2" op="gte"/>
+                <dgm:constr type="h" for="ch" forName="text_2" refType="h" refFor="ch" refForName="accent_2" fact="0.8"/>
+                <dgm:constr type="ctrY" for="ch" forName="text_2" refType="ctrY" refFor="ch" refForName="accent_2"/>
+                <dgm:constr type="lMarg" for="ch" forName="text_2" refType="w" refFor="ch" refForName="accent_2" fact="1.8"/>
+                <dgm:constr type="primFontSz" for="ch" ptType="node" op="equ" val="65"/>
+              </dgm:constrLst>
+            </dgm:if>
+            <dgm:if name="Name7" axis="ch" ptType="node" func="cnt" op="equ" val="3">
+              <dgm:constrLst>
+                <dgm:constr type="h" for="ch" forName="cycle" refType="h"/>
+                <dgm:constr type="w" for="ch" forName="cycle" refType="h" refFor="ch" refForName="cycle" fact="0.26"/>
+                <dgm:constr type="l" for="ch" forName="cycle"/>
+                <dgm:constr type="ctrY" for="ch" forName="cycle" refType="h" fact="0.5"/>
+                <dgm:constr type="diam" for="ch" forName="cycle" refType="h" fact="1.344"/>
+                <dgm:constr type="h" for="ch" forName="accent_1" refType="h" fact="0.25"/>
+                <dgm:constr type="w" for="ch" forName="accent_1" refType="h" refFor="ch" refForName="accent_1" op="equ"/>
+                <dgm:constr type="ctrY" for="ch" forName="accent_1" refType="h" fact="0.2"/>
+                <dgm:constr type="ctrX" for="ch" forName="accent_1" refType="h" fact="0.1526"/>
+                <dgm:constr type="l" for="ch" forName="text_1" refType="ctrX" refFor="ch" refForName="accent_1"/>
+                <dgm:constr type="r" for="ch" forName="text_1" refType="w"/>
+                <dgm:constr type="w" for="ch" forName="text_1" refType="h" refFor="ch" refForName="text_1" op="gte"/>
+                <dgm:constr type="h" for="ch" forName="text_1" refType="h" refFor="ch" refForName="accent_1" fact="0.8"/>
+                <dgm:constr type="ctrY" for="ch" forName="text_1" refType="ctrY" refFor="ch" refForName="accent_1"/>
+                <dgm:constr type="lMarg" for="ch" forName="text_1" refType="w" refFor="ch" refForName="accent_1" fact="1.8"/>
+                <dgm:constr type="h" for="ch" forName="accent_2" refType="h" fact="0.25"/>
+                <dgm:constr type="w" for="ch" forName="accent_2" refType="h" refFor="ch" refForName="accent_2" op="equ"/>
+                <dgm:constr type="ctrY" for="ch" forName="accent_2" refType="h" fact="0.5"/>
+                <dgm:constr type="ctrX" for="ch" forName="accent_2" refType="h" fact="0.2253"/>
+                <dgm:constr type="l" for="ch" forName="text_2" refType="ctrX" refFor="ch" refForName="accent_2"/>
+                <dgm:constr type="r" for="ch" forName="text_2" refType="w"/>
+                <dgm:constr type="w" for="ch" forName="text_2" refType="h" refFor="ch" refForName="text_2" op="gte"/>
+                <dgm:constr type="h" for="ch" forName="text_2" refType="h" refFor="ch" refForName="accent_2" fact="0.8"/>
+                <dgm:constr type="ctrY" for="ch" forName="text_2" refType="ctrY" refFor="ch" refForName="accent_2"/>
+                <dgm:constr type="lMarg" for="ch" forName="text_2" refType="w" refFor="ch" refForName="accent_2" fact="1.8"/>
+                <dgm:constr type="h" for="ch" forName="accent_3" refType="h" fact="0.25"/>
+                <dgm:constr type="w" for="ch" forName="accent_3" refType="h" refFor="ch" refForName="accent_3" op="equ"/>
+                <dgm:constr type="ctrY" for="ch" forName="accent_3" refType="h" fact="0.8"/>
+                <dgm:constr type="ctrX" for="ch" forName="accent_3" refType="h" fact="0.1526"/>
+                <dgm:constr type="l" for="ch" forName="text_3" refType="ctrX" refFor="ch" refForName="accent_3"/>
+                <dgm:constr type="r" for="ch" forName="text_3" refType="w"/>
+                <dgm:constr type="w" for="ch" forName="text_3" refType="h" refFor="ch" refForName="text_3" op="gte"/>
+                <dgm:constr type="h" for="ch" forName="text_3" refType="h" refFor="ch" refForName="accent_3" fact="0.8"/>
+                <dgm:constr type="ctrY" for="ch" forName="text_3" refType="ctrY" refFor="ch" refForName="accent_3"/>
+                <dgm:constr type="lMarg" for="ch" forName="text_3" refType="w" refFor="ch" refForName="accent_3" fact="1.8"/>
+                <dgm:constr type="primFontSz" for="ch" ptType="node" op="equ" val="65"/>
+              </dgm:constrLst>
+            </dgm:if>
+            <dgm:if name="Name8" axis="ch" ptType="node" func="cnt" op="equ" val="4">
+              <dgm:constrLst>
+                <dgm:constr type="h" for="ch" forName="cycle" refType="h"/>
+                <dgm:constr type="w" for="ch" forName="cycle" refType="h" refFor="ch" refForName="cycle" fact="0.26"/>
+                <dgm:constr type="l" for="ch" forName="cycle"/>
+                <dgm:constr type="ctrY" for="ch" forName="cycle" refType="h" fact="0.5"/>
+                <dgm:constr type="diam" for="ch" forName="cycle" refType="h" fact="1.344"/>
+                <dgm:constr type="h" for="ch" forName="accent_1" refType="h" fact="0.1923"/>
+                <dgm:constr type="w" for="ch" forName="accent_1" refType="h" refFor="ch" refForName="accent_1" op="equ"/>
+                <dgm:constr type="ctrY" for="ch" forName="accent_1" refType="h" fact="0.1538"/>
+                <dgm:constr type="ctrX" for="ch" forName="accent_1" refType="h" fact="0.1268"/>
+                <dgm:constr type="l" for="ch" forName="text_1" refType="ctrX" refFor="ch" refForName="accent_1"/>
+                <dgm:constr type="r" for="ch" forName="text_1" refType="w"/>
+                <dgm:constr type="w" for="ch" forName="text_1" refType="h" refFor="ch" refForName="text_1" op="gte"/>
+                <dgm:constr type="h" for="ch" forName="text_1" refType="h" refFor="ch" refForName="accent_1" fact="0.8"/>
+                <dgm:constr type="ctrY" for="ch" forName="text_1" refType="ctrY" refFor="ch" refForName="accent_1"/>
+                <dgm:constr type="lMarg" for="ch" forName="text_1" refType="w" refFor="ch" refForName="accent_1" fact="1.8"/>
+                <dgm:constr type="h" for="ch" forName="accent_2" refType="h" fact="0.1923"/>
+                <dgm:constr type="w" for="ch" forName="accent_2" refType="h" refFor="ch" refForName="accent_2" op="equ"/>
+                <dgm:constr type="ctrY" for="ch" forName="accent_2" refType="h" fact="0.3846"/>
+                <dgm:constr type="ctrX" for="ch" forName="accent_2" refType="h" fact="0.215"/>
+                <dgm:constr type="l" for="ch" forName="text_2" refType="ctrX" refFor="ch" refForName="accent_2"/>
+                <dgm:constr type="r" for="ch" forName="text_2" refType="w"/>
+                <dgm:constr type="w" for="ch" forName="text_2" refType="h" refFor="ch" refForName="text_2" op="gte"/>
+                <dgm:constr type="h" for="ch" forName="text_2" refType="h" refFor="ch" refForName="accent_2" fact="0.8"/>
+                <dgm:constr type="ctrY" for="ch" forName="text_2" refType="ctrY" refFor="ch" refForName="accent_2"/>
+                <dgm:constr type="lMarg" for="ch" forName="text_2" refType="w" refFor="ch" refForName="accent_2" fact="1.8"/>
+                <dgm:constr type="h" for="ch" forName="accent_3" refType="h" fact="0.1923"/>
+                <dgm:constr type="w" for="ch" forName="accent_3" refType="h" refFor="ch" refForName="accent_3" op="equ"/>
+                <dgm:constr type="ctrY" for="ch" forName="accent_3" refType="h" fact="0.6154"/>
+                <dgm:constr type="ctrX" for="ch" forName="accent_3" refType="h" fact="0.215"/>
+                <dgm:constr type="l" for="ch" forName="text_3" refType="ctrX" refFor="ch" refForName="accent_3"/>
+                <dgm:constr type="r" for="ch" forName="text_3" refType="w"/>
+                <dgm:constr type="w" for="ch" forName="text_3" refType="h" refFor="ch" refForName="text_3" op="gte"/>
+                <dgm:constr type="h" for="ch" forName="text_3" refType="h" refFor="ch" refForName="accent_3" fact="0.8"/>
+                <dgm:constr type="ctrY" for="ch" forName="text_3" refType="ctrY" refFor="ch" refForName="accent_3"/>
+                <dgm:constr type="lMarg" for="ch" forName="text_3" refType="w" refFor="ch" refForName="accent_3" fact="1.8"/>
+                <dgm:constr type="h" for="ch" forName="accent_4" refType="h" fact="0.1923"/>
+                <dgm:constr type="w" for="ch" forName="accent_4" refType="h" refFor="ch" refForName="accent_4" op="equ"/>
+                <dgm:constr type="ctrY" for="ch" forName="accent_4" refType="h" fact="0.8462"/>
+                <dgm:constr type="ctrX" for="ch" forName="accent_4" refType="h" fact="0.1268"/>
+                <dgm:constr type="l" for="ch" forName="text_4" refType="ctrX" refFor="ch" refForName="accent_4"/>
+                <dgm:constr type="r" for="ch" forName="text_4" refType="w"/>
+                <dgm:constr type="w" for="ch" forName="text_4" refType="h" refFor="ch" refForName="text_4" op="gte"/>
+                <dgm:constr type="h" for="ch" forName="text_4" refType="h" refFor="ch" refForName="accent_4" fact="0.8"/>
+                <dgm:constr type="ctrY" for="ch" forName="text_4" refType="ctrY" refFor="ch" refForName="accent_4"/>
+                <dgm:constr type="lMarg" for="ch" forName="text_4" refType="w" refFor="ch" refForName="accent_4" fact="1.8"/>
+                <dgm:constr type="primFontSz" for="ch" ptType="node" op="equ" val="65"/>
+              </dgm:constrLst>
+            </dgm:if>
+            <dgm:if name="Name9" axis="ch" ptType="node" func="cnt" op="equ" val="5">
+              <dgm:constrLst>
+                <dgm:constr type="h" for="ch" forName="cycle" refType="h"/>
+                <dgm:constr type="w" for="ch" forName="cycle" refType="h" refFor="ch" refForName="cycle" fact="0.26"/>
+                <dgm:constr type="l" for="ch" forName="cycle"/>
+                <dgm:constr type="ctrY" for="ch" forName="cycle" refType="h" fact="0.5"/>
+                <dgm:constr type="diam" for="ch" forName="cycle" refType="h" fact="1.344"/>
+                <dgm:constr type="h" for="ch" forName="accent_1" refType="h" fact="0.1563"/>
+                <dgm:constr type="w" for="ch" forName="accent_1" refType="h" refFor="ch" refForName="accent_1" op="equ"/>
+                <dgm:constr type="ctrY" for="ch" forName="accent_1" refType="h" fact="0.125"/>
+                <dgm:constr type="ctrX" for="ch" forName="accent_1" refType="h" fact="0.1082"/>
+                <dgm:constr type="l" for="ch" forName="text_1" refType="ctrX" refFor="ch" refForName="accent_1"/>
+                <dgm:constr type="r" for="ch" forName="text_1" refType="w"/>
+                <dgm:constr type="w" for="ch" forName="text_1" refType="h" refFor="ch" refForName="text_1" op="gte"/>
+                <dgm:constr type="h" for="ch" forName="text_1" refType="h" refFor="ch" refForName="accent_1" fact="0.8"/>
+                <dgm:constr type="ctrY" for="ch" forName="text_1" refType="ctrY" refFor="ch" refForName="accent_1"/>
+                <dgm:constr type="lMarg" for="ch" forName="text_1" refType="w" refFor="ch" refForName="accent_1" fact="1.8"/>
+                <dgm:constr type="h" for="ch" forName="accent_2" refType="h" fact="0.1563"/>
+                <dgm:constr type="w" for="ch" forName="accent_2" refType="h" refFor="ch" refForName="accent_2" op="equ"/>
+                <dgm:constr type="ctrY" for="ch" forName="accent_2" refType="h" fact="0.3125"/>
+                <dgm:constr type="ctrX" for="ch" forName="accent_2" refType="h" fact="0.1978"/>
+                <dgm:constr type="l" for="ch" forName="text_2" refType="ctrX" refFor="ch" refForName="accent_2"/>
+                <dgm:constr type="r" for="ch" forName="text_2" refType="w"/>
+                <dgm:constr type="w" for="ch" forName="text_2" refType="h" refFor="ch" refForName="text_2" op="gte"/>
+                <dgm:constr type="h" for="ch" forName="text_2" refType="h" refFor="ch" refForName="accent_2" fact="0.8"/>
+                <dgm:constr type="ctrY" for="ch" forName="text_2" refType="ctrY" refFor="ch" refForName="accent_2"/>
+                <dgm:constr type="lMarg" for="ch" forName="text_2" refType="w" refFor="ch" refForName="accent_2" fact="1.8"/>
+                <dgm:constr type="h" for="ch" forName="accent_3" refType="h" fact="0.1563"/>
+                <dgm:constr type="w" for="ch" forName="accent_3" refType="h" refFor="ch" refForName="accent_3" op="equ"/>
+                <dgm:constr type="ctrY" for="ch" forName="accent_3" refType="h" fact="0.5"/>
+                <dgm:constr type="ctrX" for="ch" forName="accent_3" refType="h" fact="0.2253"/>
+                <dgm:constr type="l" for="ch" forName="text_3" refType="ctrX" refFor="ch" refForName="accent_3"/>
+                <dgm:constr type="r" for="ch" forName="text_3" refType="w"/>
+                <dgm:constr type="w" for="ch" forName="text_3" refType="h" refFor="ch" refForName="text_3" op="gte"/>
+                <dgm:constr type="h" for="ch" forName="text_3" refType="h" refFor="ch" refForName="accent_3" fact="0.8"/>
+                <dgm:constr type="ctrY" for="ch" forName="text_3" refType="ctrY" refFor="ch" refForName="accent_3"/>
+                <dgm:constr type="lMarg" for="ch" forName="text_3" refType="w" refFor="ch" refForName="accent_3" fact="1.8"/>
+                <dgm:constr type="h" for="ch" forName="accent_4" refType="h" fact="0.1563"/>
+                <dgm:constr type="w" for="ch" forName="accent_4" refType="h" refFor="ch" refForName="accent_4" op="equ"/>
+                <dgm:constr type="ctrY" for="ch" forName="accent_4" refType="h" fact="0.6875"/>
+                <dgm:constr type="ctrX" for="ch" forName="accent_4" refType="h" fact="0.1978"/>
+                <dgm:constr type="l" for="ch" forName="text_4" refType="ctrX" refFor="ch" refForName="accent_4"/>
+                <dgm:constr type="r" for="ch" forName="text_4" refType="w"/>
+                <dgm:constr type="w" for="ch" forName="text_4" refType="h" refFor="ch" refForName="text_4" op="gte"/>
+                <dgm:constr type="h" for="ch" forName="text_4" refType="h" refFor="ch" refForName="accent_4" fact="0.8"/>
+                <dgm:constr type="ctrY" for="ch" forName="text_4" refType="ctrY" refFor="ch" refForName="accent_4"/>
+                <dgm:constr type="lMarg" for="ch" forName="text_4" refType="w" refFor="ch" refForName="accent_4" fact="1.8"/>
+                <dgm:constr type="h" for="ch" forName="accent_5" refType="h" fact="0.1563"/>
+                <dgm:constr type="w" for="ch" forName="accent_5" refType="h" refFor="ch" refForName="accent_5" op="equ"/>
+                <dgm:constr type="ctrY" for="ch" forName="accent_5" refType="h" fact="0.875"/>
+                <dgm:constr type="ctrX" for="ch" forName="accent_5" refType="h" fact="0.1082"/>
+                <dgm:constr type="l" for="ch" forName="text_5" refType="ctrX" refFor="ch" refForName="accent_5"/>
+                <dgm:constr type="r" for="ch" forName="text_5" refType="w"/>
+                <dgm:constr type="w" for="ch" forName="text_5" refType="h" refFor="ch" refForName="text_5" op="gte"/>
+                <dgm:constr type="h" for="ch" forName="text_5" refType="h" refFor="ch" refForName="accent_5" fact="0.8"/>
+                <dgm:constr type="ctrY" for="ch" forName="text_5" refType="ctrY" refFor="ch" refForName="accent_5"/>
+                <dgm:constr type="lMarg" for="ch" forName="text_5" refType="w" refFor="ch" refForName="accent_5" fact="1.8"/>
+                <dgm:constr type="primFontSz" for="ch" ptType="node" op="equ" val="65"/>
+              </dgm:constrLst>
+            </dgm:if>
+            <dgm:if name="Name10" axis="ch" ptType="node" func="cnt" op="equ" val="6">
+              <dgm:constrLst>
+                <dgm:constr type="h" for="ch" forName="cycle" refType="h"/>
+                <dgm:constr type="w" for="ch" forName="cycle" refType="h" refFor="ch" refForName="cycle" fact="0.26"/>
+                <dgm:constr type="l" for="ch" forName="cycle"/>
+                <dgm:constr type="ctrY" for="ch" forName="cycle" refType="h" fact="0.5"/>
+                <dgm:constr type="diam" for="ch" forName="cycle" refType="h" fact="1.344"/>
+                <dgm:constr type="h" for="ch" forName="accent_1" refType="h" fact="0.1316"/>
+                <dgm:constr type="w" for="ch" forName="accent_1" refType="h" refFor="ch" refForName="accent_1" op="equ"/>
+                <dgm:constr type="ctrY" for="ch" forName="accent_1" refType="h" fact="0.1053"/>
+                <dgm:constr type="ctrX" for="ch" forName="accent_1" refType="h" fact="0.0943"/>
+                <dgm:constr type="l" for="ch" forName="text_1" refType="ctrX" refFor="ch" refForName="accent_1"/>
+                <dgm:constr type="r" for="ch" forName="text_1" refType="w"/>
+                <dgm:constr type="w" for="ch" forName="text_1" refType="h" refFor="ch" refForName="text_1" op="gte"/>
+                <dgm:constr type="h" for="ch" forName="text_1" refType="h" refFor="ch" refForName="accent_1" fact="0.8"/>
+                <dgm:constr type="ctrY" for="ch" forName="text_1" refType="ctrY" refFor="ch" refForName="accent_1"/>
+                <dgm:constr type="lMarg" for="ch" forName="text_1" refType="w" refFor="ch" refForName="accent_1" fact="1.8"/>
+                <dgm:constr type="h" for="ch" forName="accent_2" refType="h" fact="0.1316"/>
+                <dgm:constr type="w" for="ch" forName="accent_2" refType="h" refFor="ch" refForName="accent_2" op="equ"/>
+                <dgm:constr type="ctrY" for="ch" forName="accent_2" refType="h" fact="0.2632"/>
+                <dgm:constr type="ctrX" for="ch" forName="accent_2" refType="h" fact="0.1809"/>
+                <dgm:constr type="l" for="ch" forName="text_2" refType="ctrX" refFor="ch" refForName="accent_2"/>
+                <dgm:constr type="r" for="ch" forName="text_2" refType="w"/>
+                <dgm:constr type="w" for="ch" forName="text_2" refType="h" refFor="ch" refForName="text_2" op="gte"/>
+                <dgm:constr type="h" for="ch" forName="text_2" refType="h" refFor="ch" refForName="accent_2" fact="0.8"/>
+                <dgm:constr type="ctrY" for="ch" forName="text_2" refType="ctrY" refFor="ch" refForName="accent_2"/>
+                <dgm:constr type="lMarg" for="ch" forName="text_2" refType="w" refFor="ch" refForName="accent_2" fact="1.8"/>
+                <dgm:constr type="h" for="ch" forName="accent_3" refType="h" fact="0.1316"/>
+                <dgm:constr type="w" for="ch" forName="accent_3" refType="h" refFor="ch" refForName="accent_3" op="equ"/>
+                <dgm:constr type="ctrY" for="ch" forName="accent_3" refType="h" fact="0.4211"/>
+                <dgm:constr type="ctrX" for="ch" forName="accent_3" refType="h" fact="0.2205"/>
+                <dgm:constr type="l" for="ch" forName="text_3" refType="ctrX" refFor="ch" refForName="accent_3"/>
+                <dgm:constr type="r" for="ch" forName="text_3" refType="w"/>
+                <dgm:constr type="w" for="ch" forName="text_3" refType="h" refFor="ch" refForName="text_3" op="gte"/>
+                <dgm:constr type="h" for="ch" forName="text_3" refType="h" refFor="ch" refForName="accent_3" fact="0.8"/>
+                <dgm:constr type="ctrY" for="ch" forName="text_3" refType="ctrY" refFor="ch" refForName="accent_3"/>
+                <dgm:constr type="lMarg" for="ch" forName="text_3" refType="w" refFor="ch" refForName="accent_3" fact="1.8"/>
+                <dgm:constr type="h" for="ch" forName="accent_4" refType="h" fact="0.1316"/>
+                <dgm:constr type="w" for="ch" forName="accent_4" refType="h" refFor="ch" refForName="accent_4" op="equ"/>
+                <dgm:constr type="ctrY" for="ch" forName="accent_4" refType="h" fact="0.5789"/>
+                <dgm:constr type="ctrX" for="ch" forName="accent_4" refType="h" fact="0.2205"/>
+                <dgm:constr type="l" for="ch" forName="text_4" refType="ctrX" refFor="ch" refForName="accent_4"/>
+                <dgm:constr type="r" for="ch" forName="text_4" refType="w"/>
+                <dgm:constr type="w" for="ch" forName="text_4" refType="h" refFor="ch" refForName="text_4" op="gte"/>
+                <dgm:constr type="h" for="ch" forName="text_4" refType="h" refFor="ch" refForName="accent_4" fact="0.8"/>
+                <dgm:constr type="ctrY" for="ch" forName="text_4" refType="ctrY" refFor="ch" refForName="accent_4"/>
+                <dgm:constr type="lMarg" for="ch" forName="text_4" refType="w" refFor="ch" refForName="accent_4" fact="1.8"/>
+                <dgm:constr type="h" for="ch" forName="accent_5" refType="h" fact="0.1316"/>
+                <dgm:constr type="w" for="ch" forName="accent_5" refType="h" refFor="ch" refForName="accent_5" op="equ"/>
+                <dgm:constr type="ctrY" for="ch" forName="accent_5" refType="h" fact="0.7368"/>
+                <dgm:constr type="ctrX" for="ch" forName="accent_5" refType="h" fact="0.1809"/>
+                <dgm:constr type="l" for="ch" forName="text_5" refType="ctrX" refFor="ch" refForName="accent_5"/>
+                <dgm:constr type="r" for="ch" forName="text_5" refType="w"/>
+                <dgm:constr type="w" for="ch" forName="text_5" refType="h" refFor="ch" refForName="text_5" op="gte"/>
+                <dgm:constr type="h" for="ch" forName="text_5" refType="h" refFor="ch" refForName="accent_5" fact="0.8"/>
+                <dgm:constr type="ctrY" for="ch" forName="text_5" refType="ctrY" refFor="ch" refForName="accent_5"/>
+                <dgm:constr type="lMarg" for="ch" forName="text_5" refType="w" refFor="ch" refForName="accent_5" fact="1.8"/>
+                <dgm:constr type="h" for="ch" forName="accent_6" refType="h" fact="0.1316"/>
+                <dgm:constr type="w" for="ch" forName="accent_6" refType="h" refFor="ch" refForName="accent_6" op="equ"/>
+                <dgm:constr type="ctrY" for="ch" forName="accent_6" refType="h" fact="0.8947"/>
+                <dgm:constr type="ctrX" for="ch" forName="accent_6" refType="h" fact="0.0943"/>
+                <dgm:constr type="l" for="ch" forName="text_6" refType="ctrX" refFor="ch" refForName="accent_6"/>
+                <dgm:constr type="r" for="ch" forName="text_6" refType="w"/>
+                <dgm:constr type="w" for="ch" forName="text_6" refType="h" refFor="ch" refForName="text_6" op="gte"/>
+                <dgm:constr type="h" for="ch" forName="text_6" refType="h" refFor="ch" refForName="accent_6" fact="0.8"/>
+                <dgm:constr type="ctrY" for="ch" forName="text_6" refType="ctrY" refFor="ch" refForName="accent_6"/>
+                <dgm:constr type="lMarg" for="ch" forName="text_6" refType="w" refFor="ch" refForName="accent_6" fact="1.8"/>
+                <dgm:constr type="primFontSz" for="ch" ptType="node" op="equ" val="65"/>
+              </dgm:constrLst>
+            </dgm:if>
+            <dgm:else name="Name11">
+              <dgm:constrLst>
+                <dgm:constr type="h" for="ch" forName="cycle" refType="h"/>
+                <dgm:constr type="w" for="ch" forName="cycle" refType="h" refFor="ch" refForName="cycle" fact="0.26"/>
+                <dgm:constr type="l" for="ch" forName="cycle"/>
+                <dgm:constr type="ctrY" for="ch" forName="cycle" refType="h" fact="0.5"/>
+                <dgm:constr type="diam" for="ch" forName="cycle" refType="h" fact="1.344"/>
+                <dgm:constr type="h" for="ch" forName="accent_1" refType="h" fact="0.1136"/>
+                <dgm:constr type="w" for="ch" forName="accent_1" refType="h" refFor="ch" refForName="accent_1" op="equ"/>
+                <dgm:constr type="ctrY" for="ch" forName="accent_1" refType="h" fact="0.0909"/>
+                <dgm:constr type="ctrX" for="ch" forName="accent_1" refType="h" fact="0.0835"/>
+                <dgm:constr type="l" for="ch" forName="text_1" refType="ctrX" refFor="ch" refForName="accent_1"/>
+                <dgm:constr type="r" for="ch" forName="text_1" refType="w"/>
+                <dgm:constr type="w" for="ch" forName="text_1" refType="h" refFor="ch" refForName="text_1" op="gte"/>
+                <dgm:constr type="h" for="ch" forName="text_1" refType="h" refFor="ch" refForName="accent_1" fact="0.8"/>
+                <dgm:constr type="ctrY" for="ch" forName="text_1" refType="ctrY" refFor="ch" refForName="accent_1"/>
+                <dgm:constr type="lMarg" for="ch" forName="text_1" refType="w" refFor="ch" refForName="accent_1" fact="1.8"/>
+                <dgm:constr type="h" for="ch" forName="accent_2" refType="h" fact="0.1136"/>
+                <dgm:constr type="w" for="ch" forName="accent_2" refType="h" refFor="ch" refForName="accent_2" op="equ"/>
+                <dgm:constr type="ctrY" for="ch" forName="accent_2" refType="h" fact="0.2273"/>
+                <dgm:constr type="ctrX" for="ch" forName="accent_2" refType="h" fact="0.1658"/>
+                <dgm:constr type="l" for="ch" forName="text_2" refType="ctrX" refFor="ch" refForName="accent_2"/>
+                <dgm:constr type="r" for="ch" forName="text_2" refType="w"/>
+                <dgm:constr type="w" for="ch" forName="text_2" refType="h" refFor="ch" refForName="text_2" op="gte"/>
+                <dgm:constr type="h" for="ch" forName="text_2" refType="h" refFor="ch" refForName="accent_2" fact="0.8"/>
+                <dgm:constr type="ctrY" for="ch" forName="text_2" refType="ctrY" refFor="ch" refForName="accent_2"/>
+                <dgm:constr type="lMarg" for="ch" forName="text_2" refType="w" refFor="ch" refForName="accent_2" fact="1.8"/>
+                <dgm:constr type="h" for="ch" forName="accent_3" refType="h" fact="0.1136"/>
+                <dgm:constr type="w" for="ch" forName="accent_3" refType="h" refFor="ch" refForName="accent_3" op="equ"/>
+                <dgm:constr type="ctrY" for="ch" forName="accent_3" refType="h" fact="0.3636"/>
+                <dgm:constr type="ctrX" for="ch" forName="accent_3" refType="h" fact="0.2109"/>
+                <dgm:constr type="l" for="ch" forName="text_3" refType="ctrX" refFor="ch" refForName="accent_3"/>
+                <dgm:constr type="r" for="ch" forName="text_3" refType="w"/>
+                <dgm:constr type="w" for="ch" forName="text_3" refType="h" refFor="ch" refForName="text_3" op="gte"/>
+                <dgm:constr type="h" for="ch" forName="text_3" refType="h" refFor="ch" refForName="accent_3" fact="0.8"/>
+                <dgm:constr type="ctrY" for="ch" forName="text_3" refType="ctrY" refFor="ch" refForName="accent_3"/>
+                <dgm:constr type="lMarg" for="ch" forName="text_3" refType="w" refFor="ch" refForName="accent_3" fact="1.8"/>
+                <dgm:constr type="h" for="ch" forName="accent_4" refType="h" fact="0.1136"/>
+                <dgm:constr type="w" for="ch" forName="accent_4" refType="h" refFor="ch" refForName="accent_4" op="equ"/>
+                <dgm:constr type="ctrY" for="ch" forName="accent_4" refType="h" fact="0.5"/>
+                <dgm:constr type="ctrX" for="ch" forName="accent_4" refType="h" fact="0.2253"/>
+                <dgm:constr type="l" for="ch" forName="text_4" refType="ctrX" refFor="ch" refForName="accent_4"/>
+                <dgm:constr type="r" for="ch" forName="text_4" refType="w"/>
+                <dgm:constr type="w" for="ch" forName="text_4" refType="h" refFor="ch" refForName="text_4" op="gte"/>
+                <dgm:constr type="h" for="ch" forName="text_4" refType="h" refFor="ch" refForName="accent_4" fact="0.8"/>
+                <dgm:constr type="ctrY" for="ch" forName="text_4" refType="ctrY" refFor="ch" refForName="accent_4"/>
+                <dgm:constr type="lMarg" for="ch" forName="text_4" refType="w" refFor="ch" refForName="accent_4" fact="1.8"/>
+                <dgm:constr type="h" for="ch" forName="accent_5" refType="h" fact="0.1136"/>
+                <dgm:constr type="w" for="ch" forName="accent_5" refType="h" refFor="ch" refForName="accent_5" op="equ"/>
+                <dgm:constr type="ctrY" for="ch" forName="accent_5" refType="h" fact="0.6364"/>
+                <dgm:constr type="ctrX" for="ch" forName="accent_5" refType="h" fact="0.2109"/>
+                <dgm:constr type="l" for="ch" forName="text_5" refType="ctrX" refFor="ch" refForName="accent_5"/>
+                <dgm:constr type="r" for="ch" forName="text_5" refType="w"/>
+                <dgm:constr type="w" for="ch" forName="text_5" refType="h" refFor="ch" refForName="text_5" op="gte"/>
+                <dgm:constr type="h" for="ch" forName="text_5" refType="h" refFor="ch" refForName="accent_5" fact="0.8"/>
+                <dgm:constr type="ctrY" for="ch" forName="text_5" refType="ctrY" refFor="ch" refForName="accent_5"/>
+                <dgm:constr type="lMarg" for="ch" forName="text_5" refType="w" refFor="ch" refForName="accent_5" fact="1.8"/>
+                <dgm:constr type="h" for="ch" forName="accent_6" refType="h" fact="0.1136"/>
+                <dgm:constr type="w" for="ch" forName="accent_6" refType="h" refFor="ch" refForName="accent_6" op="equ"/>
+                <dgm:constr type="ctrY" for="ch" forName="accent_6" refType="h" fact="0.7727"/>
+                <dgm:constr type="ctrX" for="ch" forName="accent_6" refType="h" fact="0.1658"/>
+                <dgm:constr type="l" for="ch" forName="text_6" refType="ctrX" refFor="ch" refForName="accent_6"/>
+                <dgm:constr type="r" for="ch" forName="text_6" refType="w"/>
+                <dgm:constr type="w" for="ch" forName="text_6" refType="h" refFor="ch" refForName="text_6" op="gte"/>
+                <dgm:constr type="h" for="ch" forName="text_6" refType="h" refFor="ch" refForName="accent_6" fact="0.8"/>
+                <dgm:constr type="ctrY" for="ch" forName="text_6" refType="ctrY" refFor="ch" refForName="accent_6"/>
+                <dgm:constr type="lMarg" for="ch" forName="text_6" refType="w" refFor="ch" refForName="accent_6" fact="1.8"/>
+                <dgm:constr type="h" for="ch" forName="accent_7" refType="h" fact="0.1136"/>
+                <dgm:constr type="w" for="ch" forName="accent_7" refType="h" refFor="ch" refForName="accent_7" op="equ"/>
+                <dgm:constr type="ctrY" for="ch" forName="accent_7" refType="h" fact="0.9091"/>
+                <dgm:constr type="ctrX" for="ch" forName="accent_7" refType="h" fact="0.0835"/>
+                <dgm:constr type="l" for="ch" forName="text_7" refType="ctrX" refFor="ch" refForName="accent_7"/>
+                <dgm:constr type="r" for="ch" forName="text_7" refType="w"/>
+                <dgm:constr type="w" for="ch" forName="text_7" refType="h" refFor="ch" refForName="text_7" op="gte"/>
+                <dgm:constr type="h" for="ch" forName="text_7" refType="h" refFor="ch" refForName="accent_7" fact="0.8"/>
+                <dgm:constr type="ctrY" for="ch" forName="text_7" refType="ctrY" refFor="ch" refForName="accent_7"/>
+                <dgm:constr type="lMarg" for="ch" forName="text_7" refType="w" refFor="ch" refForName="accent_7" fact="1.8"/>
+                <dgm:constr type="primFontSz" for="ch" ptType="node" op="equ" val="65"/>
+              </dgm:constrLst>
+            </dgm:else>
+          </dgm:choose>
+        </dgm:if>
+        <dgm:else name="Name12">
+          <dgm:choose name="Name13">
+            <dgm:if name="Name14" axis="ch" ptType="node" func="cnt" op="equ" val="1">
+              <dgm:constrLst>
+                <dgm:constr type="h" for="ch" forName="cycle" refType="h"/>
+                <dgm:constr type="w" for="ch" forName="cycle" refType="h" refFor="ch" refForName="cycle" fact="0.26"/>
+                <dgm:constr type="r" for="ch" forName="cycle" refType="w"/>
+                <dgm:constr type="ctrY" for="ch" forName="cycle" refType="h" fact="0.5"/>
+                <dgm:constr type="diam" for="ch" forName="cycle" refType="h" fact="1.344"/>
+                <dgm:constr type="h" for="ch" forName="accent_1" refType="h" fact="0.625"/>
+                <dgm:constr type="w" for="ch" forName="accent_1" refType="h" refFor="ch" refForName="accent_1" op="equ"/>
+                <dgm:constr type="ctrY" for="ch" forName="accent_1" refType="h" fact="0.5"/>
+                <dgm:constr type="ctrX" for="ch" forName="accent_1" refType="w"/>
+                <dgm:constr type="ctrXOff" for="ch" forName="accent_1" refType="h" fact="-0.2253"/>
+                <dgm:constr type="r" for="ch" forName="text_1" refType="ctrX" refFor="ch" refForName="accent_1"/>
+                <dgm:constr type="rOff" for="ch" forName="text_1" refType="ctrXOff" refFor="ch" refForName="accent_1"/>
+                <dgm:constr type="l" for="ch" forName="text_1"/>
+                <dgm:constr type="w" for="ch" forName="text_1" refType="h" refFor="ch" refForName="text_1" op="gte"/>
+                <dgm:constr type="h" for="ch" forName="text_1" refType="h" refFor="ch" refForName="accent_1" fact="0.8"/>
+                <dgm:constr type="ctrY" for="ch" forName="text_1" refType="ctrY" refFor="ch" refForName="accent_1"/>
+                <dgm:constr type="rMarg" for="ch" forName="text_1" refType="w" refFor="ch" refForName="accent_1" fact="1.8"/>
+                <dgm:constr type="primFontSz" for="ch" ptType="node" op="equ" val="65"/>
+              </dgm:constrLst>
+            </dgm:if>
+            <dgm:if name="Name15" axis="ch" ptType="node" func="cnt" op="equ" val="2">
+              <dgm:constrLst>
+                <dgm:constr type="h" for="ch" forName="cycle" refType="h"/>
+                <dgm:constr type="w" for="ch" forName="cycle" refType="h" refFor="ch" refForName="cycle" fact="0.26"/>
+                <dgm:constr type="r" for="ch" forName="cycle" refType="w"/>
+                <dgm:constr type="ctrY" for="ch" forName="cycle" refType="h" fact="0.5"/>
+                <dgm:constr type="diam" for="ch" forName="cycle" refType="h" fact="1.344"/>
+                <dgm:constr type="h" for="ch" forName="accent_1" refType="h" fact="0.3571"/>
+                <dgm:constr type="w" for="ch" forName="accent_1" refType="h" refFor="ch" refForName="accent_1" op="equ"/>
+                <dgm:constr type="ctrY" for="ch" forName="accent_1" refType="h" fact="0.2857"/>
+                <dgm:constr type="ctrX" for="ch" forName="accent_1" refType="w"/>
+                <dgm:constr type="ctrXOff" for="ch" forName="accent_1" refType="h" fact="-0.1891"/>
+                <dgm:constr type="r" for="ch" forName="text_1" refType="ctrX" refFor="ch" refForName="accent_1"/>
+                <dgm:constr type="rOff" for="ch" forName="text_1" refType="ctrXOff" refFor="ch" refForName="accent_1"/>
+                <dgm:constr type="l" for="ch" forName="text_1"/>
+                <dgm:constr type="w" for="ch" forName="text_1" refType="h" refFor="ch" refForName="text_1" op="gte"/>
+                <dgm:constr type="h" for="ch" forName="text_1" refType="h" refFor="ch" refForName="accent_1" fact="0.8"/>
+                <dgm:constr type="ctrY" for="ch" forName="text_1" refType="ctrY" refFor="ch" refForName="accent_1"/>
+                <dgm:constr type="rMarg" for="ch" forName="text_1" refType="w" refFor="ch" refForName="accent_1" fact="1.8"/>
+                <dgm:constr type="h" for="ch" forName="accent_2" refType="h" fact="0.3571"/>
+                <dgm:constr type="w" for="ch" forName="accent_2" refType="h" refFor="ch" refForName="accent_2" op="equ"/>
+                <dgm:constr type="ctrY" for="ch" forName="accent_2" refType="h" fact="0.7143"/>
+                <dgm:constr type="ctrX" for="ch" forName="accent_2" refType="w"/>
+                <dgm:constr type="ctrXOff" for="ch" forName="accent_2" refType="h" fact="-0.1891"/>
+                <dgm:constr type="r" for="ch" forName="text_2" refType="ctrX" refFor="ch" refForName="accent_2"/>
+                <dgm:constr type="rOff" for="ch" forName="text_2" refType="ctrXOff" refFor="ch" refForName="accent_2"/>
+                <dgm:constr type="l" for="ch" forName="text_2"/>
+                <dgm:constr type="w" for="ch" forName="text_2" refType="h" refFor="ch" refForName="text_2" op="gte"/>
+                <dgm:constr type="h" for="ch" forName="text_2" refType="h" refFor="ch" refForName="accent_2" fact="0.8"/>
+                <dgm:constr type="ctrY" for="ch" forName="text_2" refType="ctrY" refFor="ch" refForName="accent_2"/>
+                <dgm:constr type="rMarg" for="ch" forName="text_2" refType="w" refFor="ch" refForName="accent_2" fact="1.8"/>
+                <dgm:constr type="primFontSz" for="ch" ptType="node" op="equ" val="65"/>
+              </dgm:constrLst>
+            </dgm:if>
+            <dgm:if name="Name16" axis="ch" ptType="node" func="cnt" op="equ" val="3">
+              <dgm:constrLst>
+                <dgm:constr type="h" for="ch" forName="cycle" refType="h"/>
+                <dgm:constr type="w" for="ch" forName="cycle" refType="h" refFor="ch" refForName="cycle" fact="0.26"/>
+                <dgm:constr type="r" for="ch" forName="cycle" refType="w"/>
+                <dgm:constr type="ctrY" for="ch" forName="cycle" refType="h" fact="0.5"/>
+                <dgm:constr type="diam" for="ch" forName="cycle" refType="h" fact="1.344"/>
+                <dgm:constr type="h" for="ch" forName="accent_1" refType="h" fact="0.25"/>
+                <dgm:constr type="w" for="ch" forName="accent_1" refType="h" refFor="ch" refForName="accent_1" op="equ"/>
+                <dgm:constr type="ctrY" for="ch" forName="accent_1" refType="h" fact="0.2"/>
+                <dgm:constr type="ctrX" for="ch" forName="accent_1" refType="w"/>
+                <dgm:constr type="ctrXOff" for="ch" forName="accent_1" refType="h" fact="-0.1526"/>
+                <dgm:constr type="r" for="ch" forName="text_1" refType="ctrX" refFor="ch" refForName="accent_1"/>
+                <dgm:constr type="rOff" for="ch" forName="text_1" refType="ctrXOff" refFor="ch" refForName="accent_1"/>
+                <dgm:constr type="l" for="ch" forName="text_1"/>
+                <dgm:constr type="w" for="ch" forName="text_1" refType="h" refFor="ch" refForName="text_1" op="gte"/>
+                <dgm:constr type="h" for="ch" forName="text_1" refType="h" refFor="ch" refForName="accent_1" fact="0.8"/>
+                <dgm:constr type="ctrY" for="ch" forName="text_1" refType="ctrY" refFor="ch" refForName="accent_1"/>
+                <dgm:constr type="rMarg" for="ch" forName="text_1" refType="w" refFor="ch" refForName="accent_1" fact="1.8"/>
+                <dgm:constr type="h" for="ch" forName="accent_2" refType="h" fact="0.25"/>
+                <dgm:constr type="w" for="ch" forName="accent_2" refType="h" refFor="ch" refForName="accent_2" op="equ"/>
+                <dgm:constr type="ctrY" for="ch" forName="accent_2" refType="h" fact="0.5"/>
+                <dgm:constr type="ctrX" for="ch" forName="accent_2" refType="w"/>
+                <dgm:constr type="ctrXOff" for="ch" forName="accent_2" refType="h" fact="-0.2253"/>
+                <dgm:constr type="r" for="ch" forName="text_2" refType="ctrX" refFor="ch" refForName="accent_2"/>
+                <dgm:constr type="rOff" for="ch" forName="text_2" refType="ctrXOff" refFor="ch" refForName="accent_2"/>
+                <dgm:constr type="l" for="ch" forName="text_2"/>
+                <dgm:constr type="w" for="ch" forName="text_2" refType="h" refFor="ch" refForName="text_2" op="gte"/>
+                <dgm:constr type="h" for="ch" forName="text_2" refType="h" refFor="ch" refForName="accent_2" fact="0.8"/>
+                <dgm:constr type="ctrY" for="ch" forName="text_2" refType="ctrY" refFor="ch" refForName="accent_2"/>
+                <dgm:constr type="rMarg" for="ch" forName="text_2" refType="w" refFor="ch" refForName="accent_2" fact="1.8"/>
+                <dgm:constr type="h" for="ch" forName="accent_3" refType="h" fact="0.25"/>
+                <dgm:constr type="w" for="ch" forName="accent_3" refType="h" refFor="ch" refForName="accent_3" op="equ"/>
+                <dgm:constr type="ctrY" for="ch" forName="accent_3" refType="h" fact="0.8"/>
+                <dgm:constr type="ctrX" for="ch" forName="accent_3" refType="w"/>
+                <dgm:constr type="ctrXOff" for="ch" forName="accent_3" refType="h" fact="-0.1526"/>
+                <dgm:constr type="r" for="ch" forName="text_3" refType="ctrX" refFor="ch" refForName="accent_3"/>
+                <dgm:constr type="rOff" for="ch" forName="text_3" refType="ctrXOff" refFor="ch" refForName="accent_3"/>
+                <dgm:constr type="l" for="ch" forName="text_3"/>
+                <dgm:constr type="w" for="ch" forName="text_3" refType="h" refFor="ch" refForName="text_3" op="gte"/>
+                <dgm:constr type="h" for="ch" forName="text_3" refType="h" refFor="ch" refForName="accent_3" fact="0.8"/>
+                <dgm:constr type="ctrY" for="ch" forName="text_3" refType="ctrY" refFor="ch" refForName="accent_3"/>
+                <dgm:constr type="rMarg" for="ch" forName="text_3" refType="w" refFor="ch" refForName="accent_3" fact="1.8"/>
+                <dgm:constr type="primFontSz" for="ch" ptType="node" op="equ" val="65"/>
+              </dgm:constrLst>
+            </dgm:if>
+            <dgm:if name="Name17" axis="ch" ptType="node" func="cnt" op="equ" val="4">
+              <dgm:constrLst>
+                <dgm:constr type="h" for="ch" forName="cycle" refType="h"/>
+                <dgm:constr type="w" for="ch" forName="cycle" refType="h" refFor="ch" refForName="cycle" fact="0.26"/>
+                <dgm:constr type="r" for="ch" forName="cycle" refType="w"/>
+                <dgm:constr type="ctrY" for="ch" forName="cycle" refType="h" fact="0.5"/>
+                <dgm:constr type="diam" for="ch" forName="cycle" refType="h" fact="1.344"/>
+                <dgm:constr type="h" for="ch" forName="accent_1" refType="h" fact="0.1923"/>
+                <dgm:constr type="w" for="ch" forName="accent_1" refType="h" refFor="ch" refForName="accent_1" op="equ"/>
+                <dgm:constr type="ctrY" for="ch" forName="accent_1" refType="h" fact="0.1538"/>
+                <dgm:constr type="ctrX" for="ch" forName="accent_1" refType="w"/>
+                <dgm:constr type="ctrXOff" for="ch" forName="accent_1" refType="h" fact="-0.1268"/>
+                <dgm:constr type="r" for="ch" forName="text_1" refType="ctrX" refFor="ch" refForName="accent_1"/>
+                <dgm:constr type="rOff" for="ch" forName="text_1" refType="ctrXOff" refFor="ch" refForName="accent_1"/>
+                <dgm:constr type="l" for="ch" forName="text_1"/>
+                <dgm:constr type="w" for="ch" forName="text_1" refType="h" refFor="ch" refForName="text_1" op="gte"/>
+                <dgm:constr type="h" for="ch" forName="text_1" refType="h" refFor="ch" refForName="accent_1" fact="0.8"/>
+                <dgm:constr type="ctrY" for="ch" forName="text_1" refType="ctrY" refFor="ch" refForName="accent_1"/>
+                <dgm:constr type="rMarg" for="ch" forName="text_1" refType="w" refFor="ch" refForName="accent_1" fact="1.8"/>
+                <dgm:constr type="h" for="ch" forName="accent_2" refType="h" fact="0.1923"/>
+                <dgm:constr type="w" for="ch" forName="accent_2" refType="h" refFor="ch" refForName="accent_2" op="equ"/>
+                <dgm:constr type="ctrY" for="ch" forName="accent_2" refType="h" fact="0.3846"/>
+                <dgm:constr type="ctrX" for="ch" forName="accent_2" refType="w"/>
+                <dgm:constr type="ctrXOff" for="ch" forName="accent_2" refType="h" fact="-0.215"/>
+                <dgm:constr type="r" for="ch" forName="text_2" refType="ctrX" refFor="ch" refForName="accent_2"/>
+                <dgm:constr type="rOff" for="ch" forName="text_2" refType="ctrXOff" refFor="ch" refForName="accent_2"/>
+                <dgm:constr type="l" for="ch" forName="text_2"/>
+                <dgm:constr type="w" for="ch" forName="text_2" refType="h" refFor="ch" refForName="text_2" op="gte"/>
+                <dgm:constr type="h" for="ch" forName="text_2" refType="h" refFor="ch" refForName="accent_2" fact="0.8"/>
+                <dgm:constr type="ctrY" for="ch" forName="text_2" refType="ctrY" refFor="ch" refForName="accent_2"/>
+                <dgm:constr type="rMarg" for="ch" forName="text_2" refType="w" refFor="ch" refForName="accent_2" fact="1.8"/>
+                <dgm:constr type="h" for="ch" forName="accent_3" refType="h" fact="0.1923"/>
+                <dgm:constr type="w" for="ch" forName="accent_3" refType="h" refFor="ch" refForName="accent_3" op="equ"/>
+                <dgm:constr type="ctrY" for="ch" forName="accent_3" refType="h" fact="0.6154"/>
+                <dgm:constr type="ctrX" for="ch" forName="accent_3" refType="w"/>
+                <dgm:constr type="ctrXOff" for="ch" forName="accent_3" refType="h" fact="-0.215"/>
+                <dgm:constr type="r" for="ch" forName="text_3" refType="ctrX" refFor="ch" refForName="accent_3"/>
+                <dgm:constr type="rOff" for="ch" forName="text_3" refType="ctrXOff" refFor="ch" refForName="accent_3"/>
+                <dgm:constr type="l" for="ch" forName="text_3"/>
+                <dgm:constr type="w" for="ch" forName="text_3" refType="h" refFor="ch" refForName="text_3" op="gte"/>
+                <dgm:constr type="h" for="ch" forName="text_3" refType="h" refFor="ch" refForName="accent_3" fact="0.8"/>
+                <dgm:constr type="ctrY" for="ch" forName="text_3" refType="ctrY" refFor="ch" refForName="accent_3"/>
+                <dgm:constr type="rMarg" for="ch" forName="text_3" refType="w" refFor="ch" refForName="accent_3" fact="1.8"/>
+                <dgm:constr type="h" for="ch" forName="accent_4" refType="h" fact="0.1923"/>
+                <dgm:constr type="w" for="ch" forName="accent_4" refType="h" refFor="ch" refForName="accent_4" op="equ"/>
+                <dgm:constr type="ctrY" for="ch" forName="accent_4" refType="h" fact="0.8462"/>
+                <dgm:constr type="ctrX" for="ch" forName="accent_4" refType="w"/>
+                <dgm:constr type="ctrXOff" for="ch" forName="accent_4" refType="h" fact="-0.1268"/>
+                <dgm:constr type="r" for="ch" forName="text_4" refType="ctrX" refFor="ch" refForName="accent_4"/>
+                <dgm:constr type="rOff" for="ch" forName="text_4" refType="ctrXOff" refFor="ch" refForName="accent_4"/>
+                <dgm:constr type="l" for="ch" forName="text_4"/>
+                <dgm:constr type="w" for="ch" forName="text_4" refType="h" refFor="ch" refForName="text_4" op="gte"/>
+                <dgm:constr type="h" for="ch" forName="text_4" refType="h" refFor="ch" refForName="accent_4" fact="0.8"/>
+                <dgm:constr type="ctrY" for="ch" forName="text_4" refType="ctrY" refFor="ch" refForName="accent_4"/>
+                <dgm:constr type="rMarg" for="ch" forName="text_4" refType="w" refFor="ch" refForName="accent_4" fact="1.8"/>
+                <dgm:constr type="primFontSz" for="ch" ptType="node" op="equ" val="65"/>
+              </dgm:constrLst>
+            </dgm:if>
+            <dgm:if name="Name18" axis="ch" ptType="node" func="cnt" op="equ" val="5">
+              <dgm:constrLst>
+                <dgm:constr type="h" for="ch" forName="cycle" refType="h"/>
+                <dgm:constr type="w" for="ch" forName="cycle" refType="h" refFor="ch" refForName="cycle" fact="0.26"/>
+                <dgm:constr type="r" for="ch" forName="cycle" refType="w"/>
+                <dgm:constr type="ctrY" for="ch" forName="cycle" refType="h" fact="0.5"/>
+                <dgm:constr type="diam" for="ch" forName="cycle" refType="h" fact="1.344"/>
+                <dgm:constr type="h" for="ch" forName="accent_1" refType="h" fact="0.1563"/>
+                <dgm:constr type="w" for="ch" forName="accent_1" refType="h" refFor="ch" refForName="accent_1" op="equ"/>
+                <dgm:constr type="ctrY" for="ch" forName="accent_1" refType="h" fact="0.125"/>
+                <dgm:constr type="ctrX" for="ch" forName="accent_1" refType="w"/>
+                <dgm:constr type="ctrXOff" for="ch" forName="accent_1" refType="h" fact="-0.1082"/>
+                <dgm:constr type="r" for="ch" forName="text_1" refType="ctrX" refFor="ch" refForName="accent_1"/>
+                <dgm:constr type="rOff" for="ch" forName="text_1" refType="ctrXOff" refFor="ch" refForName="accent_1"/>
+                <dgm:constr type="l" for="ch" forName="text_1"/>
+                <dgm:constr type="w" for="ch" forName="text_1" refType="h" refFor="ch" refForName="text_1" op="gte"/>
+                <dgm:constr type="h" for="ch" forName="text_1" refType="h" refFor="ch" refForName="accent_1" fact="0.8"/>
+                <dgm:constr type="ctrY" for="ch" forName="text_1" refType="ctrY" refFor="ch" refForName="accent_1"/>
+                <dgm:constr type="rMarg" for="ch" forName="text_1" refType="w" refFor="ch" refForName="accent_1" fact="1.8"/>
+                <dgm:constr type="h" for="ch" forName="accent_2" refType="h" fact="0.1563"/>
+                <dgm:constr type="w" for="ch" forName="accent_2" refType="h" refFor="ch" refForName="accent_2" op="equ"/>
+                <dgm:constr type="ctrY" for="ch" forName="accent_2" refType="h" fact="0.3125"/>
+                <dgm:constr type="ctrX" for="ch" forName="accent_2" refType="w"/>
+                <dgm:constr type="ctrXOff" for="ch" forName="accent_2" refType="h" fact="-0.1978"/>
+                <dgm:constr type="r" for="ch" forName="text_2" refType="ctrX" refFor="ch" refForName="accent_2"/>
+                <dgm:constr type="rOff" for="ch" forName="text_2" refType="ctrXOff" refFor="ch" refForName="accent_2"/>
+                <dgm:constr type="l" for="ch" forName="text_2"/>
+                <dgm:constr type="w" for="ch" forName="text_2" refType="h" refFor="ch" refForName="text_2" op="gte"/>
+                <dgm:constr type="h" for="ch" forName="text_2" refType="h" refFor="ch" refForName="accent_2" fact="0.8"/>
+                <dgm:constr type="ctrY" for="ch" forName="text_2" refType="ctrY" refFor="ch" refForName="accent_2"/>
+                <dgm:constr type="rMarg" for="ch" forName="text_2" refType="w" refFor="ch" refForName="accent_2" fact="1.8"/>
+                <dgm:constr type="h" for="ch" forName="accent_3" refType="h" fact="0.1563"/>
+                <dgm:constr type="w" for="ch" forName="accent_3" refType="h" refFor="ch" refForName="accent_3" op="equ"/>
+                <dgm:constr type="ctrY" for="ch" forName="accent_3" refType="h" fact="0.5"/>
+                <dgm:constr type="ctrX" for="ch" forName="accent_3" refType="w"/>
+                <dgm:constr type="ctrXOff" for="ch" forName="accent_3" refType="h" fact="-0.2253"/>
+                <dgm:constr type="r" for="ch" forName="text_3" refType="ctrX" refFor="ch" refForName="accent_3"/>
+                <dgm:constr type="rOff" for="ch" forName="text_3" refType="ctrXOff" refFor="ch" refForName="accent_3"/>
+                <dgm:constr type="l" for="ch" forName="text_3"/>
+                <dgm:constr type="w" for="ch" forName="text_3" refType="h" refFor="ch" refForName="text_3" op="gte"/>
+                <dgm:constr type="h" for="ch" forName="text_3" refType="h" refFor="ch" refForName="accent_3" fact="0.8"/>
+                <dgm:constr type="ctrY" for="ch" forName="text_3" refType="ctrY" refFor="ch" refForName="accent_3"/>
+                <dgm:constr type="rMarg" for="ch" forName="text_3" refType="w" refFor="ch" refForName="accent_3" fact="1.8"/>
+                <dgm:constr type="h" for="ch" forName="accent_4" refType="h" fact="0.1563"/>
+                <dgm:constr type="w" for="ch" forName="accent_4" refType="h" refFor="ch" refForName="accent_4" op="equ"/>
+                <dgm:constr type="ctrY" for="ch" forName="accent_4" refType="h" fact="0.6875"/>
+                <dgm:constr type="ctrX" for="ch" forName="accent_4" refType="w"/>
+                <dgm:constr type="ctrXOff" for="ch" forName="accent_4" refType="h" fact="-0.1978"/>
+                <dgm:constr type="r" for="ch" forName="text_4" refType="ctrX" refFor="ch" refForName="accent_4"/>
+                <dgm:constr type="rOff" for="ch" forName="text_4" refType="ctrXOff" refFor="ch" refForName="accent_4"/>
+                <dgm:constr type="l" for="ch" forName="text_4"/>
+                <dgm:constr type="w" for="ch" forName="text_4" refType="h" refFor="ch" refForName="text_4" op="gte"/>
+                <dgm:constr type="h" for="ch" forName="text_4" refType="h" refFor="ch" refForName="accent_4" fact="0.8"/>
+                <dgm:constr type="ctrY" for="ch" forName="text_4" refType="ctrY" refFor="ch" refForName="accent_4"/>
+                <dgm:constr type="rMarg" for="ch" forName="text_4" refType="w" refFor="ch" refForName="accent_4" fact="1.8"/>
+                <dgm:constr type="h" for="ch" forName="accent_5" refType="h" fact="0.1563"/>
+                <dgm:constr type="w" for="ch" forName="accent_5" refType="h" refFor="ch" refForName="accent_5" op="equ"/>
+                <dgm:constr type="ctrY" for="ch" forName="accent_5" refType="h" fact="0.875"/>
+                <dgm:constr type="ctrX" for="ch" forName="accent_5" refType="w"/>
+                <dgm:constr type="ctrXOff" for="ch" forName="accent_5" refType="h" fact="-0.1082"/>
+                <dgm:constr type="r" for="ch" forName="text_5" refType="ctrX" refFor="ch" refForName="accent_5"/>
+                <dgm:constr type="rOff" for="ch" forName="text_5" refType="ctrXOff" refFor="ch" refForName="accent_5"/>
+                <dgm:constr type="l" for="ch" forName="text_5"/>
+                <dgm:constr type="w" for="ch" forName="text_5" refType="h" refFor="ch" refForName="text_5" op="gte"/>
+                <dgm:constr type="h" for="ch" forName="text_5" refType="h" refFor="ch" refForName="accent_5" fact="0.8"/>
+                <dgm:constr type="ctrY" for="ch" forName="text_5" refType="ctrY" refFor="ch" refForName="accent_5"/>
+                <dgm:constr type="rMarg" for="ch" forName="text_5" refType="w" refFor="ch" refForName="accent_5" fact="1.8"/>
+                <dgm:constr type="primFontSz" for="ch" ptType="node" op="equ" val="65"/>
+              </dgm:constrLst>
+            </dgm:if>
+            <dgm:if name="Name19" axis="ch" ptType="node" func="cnt" op="equ" val="6">
+              <dgm:constrLst>
+                <dgm:constr type="h" for="ch" forName="cycle" refType="h"/>
+                <dgm:constr type="w" for="ch" forName="cycle" refType="h" refFor="ch" refForName="cycle" fact="0.26"/>
+                <dgm:constr type="r" for="ch" forName="cycle" refType="w"/>
+                <dgm:constr type="ctrY" for="ch" forName="cycle" refType="h" fact="0.5"/>
+                <dgm:constr type="diam" for="ch" forName="cycle" refType="h" fact="1.344"/>
+                <dgm:constr type="h" for="ch" forName="accent_1" refType="h" fact="0.1316"/>
+                <dgm:constr type="w" for="ch" forName="accent_1" refType="h" refFor="ch" refForName="accent_1" op="equ"/>
+                <dgm:constr type="ctrY" for="ch" forName="accent_1" refType="h" fact="0.1053"/>
+                <dgm:constr type="ctrX" for="ch" forName="accent_1" refType="w"/>
+                <dgm:constr type="ctrXOff" for="ch" forName="accent_1" refType="h" fact="-0.0943"/>
+                <dgm:constr type="r" for="ch" forName="text_1" refType="ctrX" refFor="ch" refForName="accent_1"/>
+                <dgm:constr type="rOff" for="ch" forName="text_1" refType="ctrXOff" refFor="ch" refForName="accent_1"/>
+                <dgm:constr type="l" for="ch" forName="text_1"/>
+                <dgm:constr type="w" for="ch" forName="text_1" refType="h" refFor="ch" refForName="text_1" op="gte"/>
+                <dgm:constr type="h" for="ch" forName="text_1" refType="h" refFor="ch" refForName="accent_1" fact="0.8"/>
+                <dgm:constr type="ctrY" for="ch" forName="text_1" refType="ctrY" refFor="ch" refForName="accent_1"/>
+                <dgm:constr type="rMarg" for="ch" forName="text_1" refType="w" refFor="ch" refForName="accent_1" fact="1.8"/>
+                <dgm:constr type="h" for="ch" forName="accent_2" refType="h" fact="0.1316"/>
+                <dgm:constr type="w" for="ch" forName="accent_2" refType="h" refFor="ch" refForName="accent_2" op="equ"/>
+                <dgm:constr type="ctrY" for="ch" forName="accent_2" refType="h" fact="0.2632"/>
+                <dgm:constr type="ctrX" for="ch" forName="accent_2" refType="w"/>
+                <dgm:constr type="ctrXOff" for="ch" forName="accent_2" refType="h" fact="-0.1809"/>
+                <dgm:constr type="r" for="ch" forName="text_2" refType="ctrX" refFor="ch" refForName="accent_2"/>
+                <dgm:constr type="rOff" for="ch" forName="text_2" refType="ctrXOff" refFor="ch" refForName="accent_2"/>
+                <dgm:constr type="l" for="ch" forName="text_2"/>
+                <dgm:constr type="w" for="ch" forName="text_2" refType="h" refFor="ch" refForName="text_2" op="gte"/>
+                <dgm:constr type="h" for="ch" forName="text_2" refType="h" refFor="ch" refForName="accent_2" fact="0.8"/>
+                <dgm:constr type="ctrY" for="ch" forName="text_2" refType="ctrY" refFor="ch" refForName="accent_2"/>
+                <dgm:constr type="rMarg" for="ch" forName="text_2" refType="w" refFor="ch" refForName="accent_2" fact="1.8"/>
+                <dgm:constr type="h" for="ch" forName="accent_3" refType="h" fact="0.1316"/>
+                <dgm:constr type="w" for="ch" forName="accent_3" refType="h" refFor="ch" refForName="accent_3" op="equ"/>
+                <dgm:constr type="ctrY" for="ch" forName="accent_3" refType="h" fact="0.4211"/>
+                <dgm:constr type="ctrX" for="ch" forName="accent_3" refType="w"/>
+                <dgm:constr type="ctrXOff" for="ch" forName="accent_3" refType="h" fact="-0.2205"/>
+                <dgm:constr type="r" for="ch" forName="text_3" refType="ctrX" refFor="ch" refForName="accent_3"/>
+                <dgm:constr type="rOff" for="ch" forName="text_3" refType="ctrXOff" refFor="ch" refForName="accent_3"/>
+                <dgm:constr type="l" for="ch" forName="text_3"/>
+                <dgm:constr type="w" for="ch" forName="text_3" refType="h" refFor="ch" refForName="text_3" op="gte"/>
+                <dgm:constr type="h" for="ch" forName="text_3" refType="h" refFor="ch" refForName="accent_3" fact="0.8"/>
+                <dgm:constr type="ctrY" for="ch" forName="text_3" refType="ctrY" refFor="ch" refForName="accent_3"/>
+                <dgm:constr type="rMarg" for="ch" forName="text_3" refType="w" refFor="ch" refForName="accent_3" fact="1.8"/>
+                <dgm:constr type="h" for="ch" forName="accent_4" refType="h" fact="0.1316"/>
+                <dgm:constr type="w" for="ch" forName="accent_4" refType="h" refFor="ch" refForName="accent_4" op="equ"/>
+                <dgm:constr type="ctrY" for="ch" forName="accent_4" refType="h" fact="0.5789"/>
+                <dgm:constr type="ctrX" for="ch" forName="accent_4" refType="w"/>
+                <dgm:constr type="ctrXOff" for="ch" forName="accent_4" refType="h" fact="-0.2205"/>
+                <dgm:constr type="r" for="ch" forName="text_4" refType="ctrX" refFor="ch" refForName="accent_4"/>
+                <dgm:constr type="rOff" for="ch" forName="text_4" refType="ctrXOff" refFor="ch" refForName="accent_4"/>
+                <dgm:constr type="l" for="ch" forName="text_4"/>
+                <dgm:constr type="w" for="ch" forName="text_4" refType="h" refFor="ch" refForName="text_4" op="gte"/>
+                <dgm:constr type="h" for="ch" forName="text_4" refType="h" refFor="ch" refForName="accent_4" fact="0.8"/>
+                <dgm:constr type="ctrY" for="ch" forName="text_4" refType="ctrY" refFor="ch" refForName="accent_4"/>
+                <dgm:constr type="rMarg" for="ch" forName="text_4" refType="w" refFor="ch" refForName="accent_4" fact="1.8"/>
+                <dgm:constr type="h" for="ch" forName="accent_5" refType="h" fact="0.1316"/>
+                <dgm:constr type="w" for="ch" forName="accent_5" refType="h" refFor="ch" refForName="accent_5" op="equ"/>
+                <dgm:constr type="ctrY" for="ch" forName="accent_5" refType="h" fact="0.7368"/>
+                <dgm:constr type="ctrX" for="ch" forName="accent_5" refType="w"/>
+                <dgm:constr type="ctrXOff" for="ch" forName="accent_5" refType="h" fact="-0.1809"/>
+                <dgm:constr type="r" for="ch" forName="text_5" refType="ctrX" refFor="ch" refForName="accent_5"/>
+                <dgm:constr type="rOff" for="ch" forName="text_5" refType="ctrXOff" refFor="ch" refForName="accent_5"/>
+                <dgm:constr type="l" for="ch" forName="text_5"/>
+                <dgm:constr type="w" for="ch" forName="text_5" refType="h" refFor="ch" refForName="text_5" op="gte"/>
+                <dgm:constr type="h" for="ch" forName="text_5" refType="h" refFor="ch" refForName="accent_5" fact="0.8"/>
+                <dgm:constr type="ctrY" for="ch" forName="text_5" refType="ctrY" refFor="ch" refForName="accent_5"/>
+                <dgm:constr type="rMarg" for="ch" forName="text_5" refType="w" refFor="ch" refForName="accent_5" fact="1.8"/>
+                <dgm:constr type="h" for="ch" forName="accent_6" refType="h" fact="0.1316"/>
+                <dgm:constr type="w" for="ch" forName="accent_6" refType="h" refFor="ch" refForName="accent_6" op="equ"/>
+                <dgm:constr type="ctrY" for="ch" forName="accent_6" refType="h" fact="0.8947"/>
+                <dgm:constr type="ctrX" for="ch" forName="accent_6" refType="w"/>
+                <dgm:constr type="ctrXOff" for="ch" forName="accent_6" refType="h" fact="-0.0943"/>
+                <dgm:constr type="r" for="ch" forName="text_6" refType="ctrX" refFor="ch" refForName="accent_6"/>
+                <dgm:constr type="rOff" for="ch" forName="text_6" refType="ctrXOff" refFor="ch" refForName="accent_6"/>
+                <dgm:constr type="l" for="ch" forName="text_6"/>
+                <dgm:constr type="w" for="ch" forName="text_6" refType="h" refFor="ch" refForName="text_6" op="gte"/>
+                <dgm:constr type="h" for="ch" forName="text_6" refType="h" refFor="ch" refForName="accent_6" fact="0.8"/>
+                <dgm:constr type="ctrY" for="ch" forName="text_6" refType="ctrY" refFor="ch" refForName="accent_6"/>
+                <dgm:constr type="rMarg" for="ch" forName="text_6" refType="w" refFor="ch" refForName="accent_6" fact="1.8"/>
+                <dgm:constr type="primFontSz" for="ch" ptType="node" op="equ" val="65"/>
+              </dgm:constrLst>
+            </dgm:if>
+            <dgm:else name="Name20">
+              <dgm:constrLst>
+                <dgm:constr type="h" for="ch" forName="cycle" refType="h"/>
+                <dgm:constr type="w" for="ch" forName="cycle" refType="h" refFor="ch" refForName="cycle" fact="0.26"/>
+                <dgm:constr type="r" for="ch" forName="cycle" refType="w"/>
+                <dgm:constr type="ctrY" for="ch" forName="cycle" refType="h" fact="0.5"/>
+                <dgm:constr type="diam" for="ch" forName="cycle" refType="h" fact="1.344"/>
+                <dgm:constr type="h" for="ch" forName="accent_1" refType="h" fact="0.1136"/>
+                <dgm:constr type="w" for="ch" forName="accent_1" refType="h" refFor="ch" refForName="accent_1" op="equ"/>
+                <dgm:constr type="ctrY" for="ch" forName="accent_1" refType="h" fact="0.0909"/>
+                <dgm:constr type="ctrX" for="ch" forName="accent_1" refType="w"/>
+                <dgm:constr type="ctrXOff" for="ch" forName="accent_1" refType="h" fact="-0.0835"/>
+                <dgm:constr type="r" for="ch" forName="text_1" refType="ctrX" refFor="ch" refForName="accent_1"/>
+                <dgm:constr type="rOff" for="ch" forName="text_1" refType="ctrXOff" refFor="ch" refForName="accent_1"/>
+                <dgm:constr type="l" for="ch" forName="text_1"/>
+                <dgm:constr type="w" for="ch" forName="text_1" refType="h" refFor="ch" refForName="text_1" op="gte"/>
+                <dgm:constr type="h" for="ch" forName="text_1" refType="h" refFor="ch" refForName="accent_1" fact="0.8"/>
+                <dgm:constr type="ctrY" for="ch" forName="text_1" refType="ctrY" refFor="ch" refForName="accent_1"/>
+                <dgm:constr type="rMarg" for="ch" forName="text_1" refType="w" refFor="ch" refForName="accent_1" fact="1.8"/>
+                <dgm:constr type="h" for="ch" forName="accent_2" refType="h" fact="0.1136"/>
+                <dgm:constr type="w" for="ch" forName="accent_2" refType="h" refFor="ch" refForName="accent_2" op="equ"/>
+                <dgm:constr type="ctrY" for="ch" forName="accent_2" refType="h" fact="0.2273"/>
+                <dgm:constr type="ctrX" for="ch" forName="accent_2" refType="w"/>
+                <dgm:constr type="ctrXOff" for="ch" forName="accent_2" refType="h" fact="-0.1658"/>
+                <dgm:constr type="r" for="ch" forName="text_2" refType="ctrX" refFor="ch" refForName="accent_2"/>
+                <dgm:constr type="rOff" for="ch" forName="text_2" refType="ctrXOff" refFor="ch" refForName="accent_2"/>
+                <dgm:constr type="l" for="ch" forName="text_2"/>
+                <dgm:constr type="w" for="ch" forName="text_2" refType="h" refFor="ch" refForName="text_2" op="gte"/>
+                <dgm:constr type="h" for="ch" forName="text_2" refType="h" refFor="ch" refForName="accent_2" fact="0.8"/>
+                <dgm:constr type="ctrY" for="ch" forName="text_2" refType="ctrY" refFor="ch" refForName="accent_2"/>
+                <dgm:constr type="rMarg" for="ch" forName="text_2" refType="w" refFor="ch" refForName="accent_2" fact="1.8"/>
+                <dgm:constr type="h" for="ch" forName="accent_3" refType="h" fact="0.1136"/>
+                <dgm:constr type="w" for="ch" forName="accent_3" refType="h" refFor="ch" refForName="accent_3" op="equ"/>
+                <dgm:constr type="ctrY" for="ch" forName="accent_3" refType="h" fact="0.3636"/>
+                <dgm:constr type="ctrX" for="ch" forName="accent_3" refType="w"/>
+                <dgm:constr type="ctrXOff" for="ch" forName="accent_3" refType="h" fact="-0.2109"/>
+                <dgm:constr type="r" for="ch" forName="text_3" refType="ctrX" refFor="ch" refForName="accent_3"/>
+                <dgm:constr type="rOff" for="ch" forName="text_3" refType="ctrXOff" refFor="ch" refForName="accent_3"/>
+                <dgm:constr type="l" for="ch" forName="text_3"/>
+                <dgm:constr type="w" for="ch" forName="text_3" refType="h" refFor="ch" refForName="text_3" op="gte"/>
+                <dgm:constr type="h" for="ch" forName="text_3" refType="h" refFor="ch" refForName="accent_3" fact="0.8"/>
+                <dgm:constr type="ctrY" for="ch" forName="text_3" refType="ctrY" refFor="ch" refForName="accent_3"/>
+                <dgm:constr type="rMarg" for="ch" forName="text_3" refType="w" refFor="ch" refForName="accent_3" fact="1.8"/>
+                <dgm:constr type="h" for="ch" forName="accent_4" refType="h" fact="0.1136"/>
+                <dgm:constr type="w" for="ch" forName="accent_4" refType="h" refFor="ch" refForName="accent_4" op="equ"/>
+                <dgm:constr type="ctrY" for="ch" forName="accent_4" refType="h" fact="0.5"/>
+                <dgm:constr type="ctrX" for="ch" forName="accent_4" refType="w"/>
+                <dgm:constr type="ctrXOff" for="ch" forName="accent_4" refType="h" fact="-0.2253"/>
+                <dgm:constr type="r" for="ch" forName="text_4" refType="ctrX" refFor="ch" refForName="accent_4"/>
+                <dgm:constr type="rOff" for="ch" forName="text_4" refType="ctrXOff" refFor="ch" refForName="accent_4"/>
+                <dgm:constr type="l" for="ch" forName="text_4"/>
+                <dgm:constr type="w" for="ch" forName="text_4" refType="h" refFor="ch" refForName="text_4" op="gte"/>
+                <dgm:constr type="h" for="ch" forName="text_4" refType="h" refFor="ch" refForName="accent_4" fact="0.8"/>
+                <dgm:constr type="ctrY" for="ch" forName="text_4" refType="ctrY" refFor="ch" refForName="accent_4"/>
+                <dgm:constr type="rMarg" for="ch" forName="text_4" refType="w" refFor="ch" refForName="accent_4" fact="1.8"/>
+                <dgm:constr type="h" for="ch" forName="accent_5" refType="h" fact="0.1136"/>
+                <dgm:constr type="w" for="ch" forName="accent_5" refType="h" refFor="ch" refForName="accent_5" op="equ"/>
+                <dgm:constr type="ctrY" for="ch" forName="accent_5" refType="h" fact="0.6364"/>
+                <dgm:constr type="ctrX" for="ch" forName="accent_5" refType="w"/>
+                <dgm:constr type="ctrXOff" for="ch" forName="accent_5" refType="h" fact="-0.2109"/>
+                <dgm:constr type="r" for="ch" forName="text_5" refType="ctrX" refFor="ch" refForName="accent_5"/>
+                <dgm:constr type="rOff" for="ch" forName="text_5" refType="ctrXOff" refFor="ch" refForName="accent_5"/>
+                <dgm:constr type="l" for="ch" forName="text_5"/>
+                <dgm:constr type="w" for="ch" forName="text_5" refType="h" refFor="ch" refForName="text_5" op="gte"/>
+                <dgm:constr type="h" for="ch" forName="text_5" refType="h" refFor="ch" refForName="accent_5" fact="0.8"/>
+                <dgm:constr type="ctrY" for="ch" forName="text_5" refType="ctrY" refFor="ch" refForName="accent_5"/>
+                <dgm:constr type="rMarg" for="ch" forName="text_5" refType="w" refFor="ch" refForName="accent_5" fact="1.8"/>
+                <dgm:constr type="h" for="ch" forName="accent_6" refType="h" fact="0.1136"/>
+                <dgm:constr type="w" for="ch" forName="accent_6" refType="h" refFor="ch" refForName="accent_6" op="equ"/>
+                <dgm:constr type="ctrY" for="ch" forName="accent_6" refType="h" fact="0.7727"/>
+                <dgm:constr type="ctrX" for="ch" forName="accent_6" refType="w"/>
+                <dgm:constr type="ctrXOff" for="ch" forName="accent_6" refType="h" fact="-0.1658"/>
+                <dgm:constr type="r" for="ch" forName="text_6" refType="ctrX" refFor="ch" refForName="accent_6"/>
+                <dgm:constr type="rOff" for="ch" forName="text_6" refType="ctrXOff" refFor="ch" refForName="accent_6"/>
+                <dgm:constr type="l" for="ch" forName="text_6"/>
+                <dgm:constr type="w" for="ch" forName="text_6" refType="h" refFor="ch" refForName="text_6" op="gte"/>
+                <dgm:constr type="h" for="ch" forName="text_6" refType="h" refFor="ch" refForName="accent_6" fact="0.8"/>
+                <dgm:constr type="ctrY" for="ch" forName="text_6" refType="ctrY" refFor="ch" refForName="accent_6"/>
+                <dgm:constr type="rMarg" for="ch" forName="text_6" refType="w" refFor="ch" refForName="accent_6" fact="1.8"/>
+                <dgm:constr type="h" for="ch" forName="accent_7" refType="h" fact="0.1136"/>
+                <dgm:constr type="w" for="ch" forName="accent_7" refType="h" refFor="ch" refForName="accent_7" op="equ"/>
+                <dgm:constr type="ctrY" for="ch" forName="accent_7" refType="h" fact="0.9091"/>
+                <dgm:constr type="ctrX" for="ch" forName="accent_7" refType="w"/>
+                <dgm:constr type="ctrXOff" for="ch" forName="accent_7" refType="h" fact="-0.0835"/>
+                <dgm:constr type="r" for="ch" forName="text_7" refType="ctrX" refFor="ch" refForName="accent_7"/>
+                <dgm:constr type="rOff" for="ch" forName="text_7" refType="ctrXOff" refFor="ch" refForName="accent_7"/>
+                <dgm:constr type="l" for="ch" forName="text_7"/>
+                <dgm:constr type="w" for="ch" forName="text_7" refType="h" refFor="ch" refForName="text_7" op="gte"/>
+                <dgm:constr type="h" for="ch" forName="text_7" refType="h" refFor="ch" refForName="accent_7" fact="0.8"/>
+                <dgm:constr type="ctrY" for="ch" forName="text_7" refType="ctrY" refFor="ch" refForName="accent_7"/>
+                <dgm:constr type="rMarg" for="ch" forName="text_7" refType="w" refFor="ch" refForName="accent_7" fact="1.8"/>
+                <dgm:constr type="primFontSz" for="ch" ptType="node" op="equ" val="65"/>
+              </dgm:constrLst>
+            </dgm:else>
+          </dgm:choose>
+        </dgm:else>
+      </dgm:choose>
+      <dgm:layoutNode name="cycle">
+        <dgm:choose name="Name21">
+          <dgm:if name="Name22" func="var" arg="dir" op="equ" val="norm">
+            <dgm:alg type="cycle">
+              <dgm:param type="stAng" val="45"/>
+              <dgm:param type="spanAng" val="90"/>
+            </dgm:alg>
+          </dgm:if>
+          <dgm:else name="Name23">
+            <dgm:alg type="cycle">
+              <dgm:param type="stAng" val="225"/>
+              <dgm:param type="spanAng" val="90"/>
+            </dgm:alg>
+          </dgm:else>
+        </dgm:choose>
+        <dgm:shape xmlns:r="http://schemas.openxmlformats.org/officeDocument/2006/relationships" r:blip="">
           <dgm:adjLst/>
         </dgm:shape>
-        <dgm:presOf axis="desOrSelf" ptType="node"/>
+        <dgm:presOf/>
         <dgm:constrLst>
-          <dgm:constr type="lMarg" refType="primFontSz" fact="0.3"/>
-          <dgm:constr type="rMarg" refType="primFontSz" fact="0.3"/>
-          <dgm:constr type="tMarg" refType="primFontSz" fact="0.3"/>
-          <dgm:constr type="bMarg" refType="primFontSz" fact="0.3"/>
+          <dgm:constr type="w" for="ch" val="1"/>
+          <dgm:constr type="h" for="ch" val="1"/>
+          <dgm:constr type="diam" for="ch" forName="conn" refType="diam"/>
         </dgm:constrLst>
-        <dgm:ruleLst>
-          <dgm:rule type="primFontSz" val="5" fact="NaN" max="NaN"/>
-        </dgm:ruleLst>
+        <dgm:layoutNode name="srcNode">
+          <dgm:alg type="sp"/>
+          <dgm:shape xmlns:r="http://schemas.openxmlformats.org/officeDocument/2006/relationships" type="rect" r:blip="" hideGeom="1">
+            <dgm:adjLst/>
+          </dgm:shape>
+          <dgm:presOf/>
+        </dgm:layoutNode>
+        <dgm:layoutNode name="conn" styleLbl="parChTrans1D2">
+          <dgm:alg type="conn">
+            <dgm:param type="connRout" val="curve"/>
+            <dgm:param type="srcNode" val="srcNode"/>
+            <dgm:param type="dstNode" val="dstNode"/>
+            <dgm:param type="begPts" val="ctr"/>
+            <dgm:param type="endPts" val="ctr"/>
+            <dgm:param type="endSty" val="noArr"/>
+          </dgm:alg>
+          <dgm:shape xmlns:r="http://schemas.openxmlformats.org/officeDocument/2006/relationships" type="conn" r:blip="">
+            <dgm:adjLst/>
+          </dgm:shape>
+          <dgm:presOf axis="desOrSelf" ptType="sibTrans" hideLastTrans="0" st="0" cnt="1"/>
+          <dgm:constrLst>
+            <dgm:constr type="begPad"/>
+            <dgm:constr type="endPad"/>
+          </dgm:constrLst>
+        </dgm:layoutNode>
+        <dgm:layoutNode name="extraNode">
+          <dgm:alg type="sp"/>
+          <dgm:shape xmlns:r="http://schemas.openxmlformats.org/officeDocument/2006/relationships" type="rect" r:blip="" hideGeom="1">
+            <dgm:adjLst/>
+          </dgm:shape>
+          <dgm:presOf/>
+        </dgm:layoutNode>
+        <dgm:layoutNode name="dstNode">
+          <dgm:alg type="sp"/>
+          <dgm:shape xmlns:r="http://schemas.openxmlformats.org/officeDocument/2006/relationships" type="rect" r:blip="" hideGeom="1">
+            <dgm:adjLst/>
+          </dgm:shape>
+          <dgm:presOf/>
+        </dgm:layoutNode>
       </dgm:layoutNode>
-      <dgm:forEach name="Name4" axis="followSib" ptType="sibTrans" cnt="1">
-        <dgm:layoutNode name="sibTrans">
+      <dgm:forEach name="wrapper" axis="self" ptType="parTrans">
+        <dgm:forEach name="wrapper2" axis="self" ptType="sibTrans" st="2">
+          <dgm:forEach name="accentRepeat" axis="self">
+            <dgm:layoutNode name="accentRepeatNode" styleLbl="solidFgAcc1">
+              <dgm:alg type="sp"/>
+              <dgm:shape xmlns:r="http://schemas.openxmlformats.org/officeDocument/2006/relationships" type="ellipse" r:blip="">
+                <dgm:adjLst/>
+              </dgm:shape>
+              <dgm:presOf/>
+            </dgm:layoutNode>
+          </dgm:forEach>
+        </dgm:forEach>
+      </dgm:forEach>
+      <dgm:forEach name="Name24" axis="ch" ptType="node" cnt="1">
+        <dgm:layoutNode name="text_1" styleLbl="node1">
+          <dgm:varLst>
+            <dgm:bulletEnabled val="1"/>
+          </dgm:varLst>
+          <dgm:choose name="Name25">
+            <dgm:if name="Name26" func="var" arg="dir" op="equ" val="norm">
+              <dgm:alg type="tx">
+                <dgm:param type="parTxLTRAlign" val="l"/>
+                <dgm:param type="shpTxLTRAlignCh" val="l"/>
+                <dgm:param type="parTxRTLAlign" val="l"/>
+                <dgm:param type="shpTxRTLAlignCh" val="l"/>
+              </dgm:alg>
+            </dgm:if>
+            <dgm:else name="Name27">
+              <dgm:alg type="tx">
+                <dgm:param type="parTxLTRAlign" val="r"/>
+                <dgm:param type="shpTxLTRAlignCh" val="r"/>
+                <dgm:param type="parTxRTLAlign" val="r"/>
+                <dgm:param type="shpTxRTLAlignCh" val="r"/>
+              </dgm:alg>
+            </dgm:else>
+          </dgm:choose>
+          <dgm:shape xmlns:r="http://schemas.openxmlformats.org/officeDocument/2006/relationships" type="rect" r:blip="">
+            <dgm:adjLst/>
+          </dgm:shape>
+          <dgm:presOf axis="desOrSelf" ptType="node"/>
+          <dgm:constrLst>
+            <dgm:constr type="primFontSz" val="65"/>
+            <dgm:constr type="lMarg" refType="primFontSz" fact="0.2"/>
+            <dgm:constr type="rMarg" refType="primFontSz" fact="0.2"/>
+            <dgm:constr type="tMarg" refType="primFontSz" fact="0.2"/>
+            <dgm:constr type="bMarg" refType="primFontSz" fact="0.2"/>
+          </dgm:constrLst>
+          <dgm:ruleLst>
+            <dgm:rule type="primFontSz" val="5" fact="NaN" max="NaN"/>
+          </dgm:ruleLst>
+        </dgm:layoutNode>
+        <dgm:layoutNode name="accent_1">
           <dgm:alg type="sp"/>
           <dgm:shape xmlns:r="http://schemas.openxmlformats.org/officeDocument/2006/relationships" r:blip="">
             <dgm:adjLst/>
           </dgm:shape>
           <dgm:presOf/>
           <dgm:constrLst/>
-          <dgm:ruleLst/>
+          <dgm:forEach name="Name28" ref="accentRepeat"/>
         </dgm:layoutNode>
       </dgm:forEach>
-    </dgm:forEach>
+      <dgm:forEach name="Name29" axis="ch" ptType="node" st="2" cnt="1">
+        <dgm:layoutNode name="text_2" styleLbl="node1">
+          <dgm:varLst>
+            <dgm:bulletEnabled val="1"/>
+          </dgm:varLst>
+          <dgm:choose name="Name30">
+            <dgm:if name="Name31" func="var" arg="dir" op="equ" val="norm">
+              <dgm:alg type="tx">
+                <dgm:param type="parTxLTRAlign" val="l"/>
+                <dgm:param type="shpTxLTRAlignCh" val="l"/>
+                <dgm:param type="parTxRTLAlign" val="l"/>
+                <dgm:param type="shpTxRTLAlignCh" val="l"/>
+              </dgm:alg>
+            </dgm:if>
+            <dgm:else name="Name32">
+              <dgm:alg type="tx">
+                <dgm:param type="parTxLTRAlign" val="r"/>
+                <dgm:param type="shpTxLTRAlignCh" val="r"/>
+                <dgm:param type="parTxRTLAlign" val="r"/>
+                <dgm:param type="shpTxRTLAlignCh" val="r"/>
+              </dgm:alg>
+            </dgm:else>
+          </dgm:choose>
+          <dgm:shape xmlns:r="http://schemas.openxmlformats.org/officeDocument/2006/relationships" type="rect" r:blip="">
+            <dgm:adjLst/>
+          </dgm:shape>
+          <dgm:presOf axis="desOrSelf" ptType="node"/>
+          <dgm:constrLst>
+            <dgm:constr type="primFontSz" val="65"/>
+            <dgm:constr type="lMarg" refType="primFontSz" fact="0.2"/>
+            <dgm:constr type="rMarg" refType="primFontSz" fact="0.2"/>
+            <dgm:constr type="tMarg" refType="primFontSz" fact="0.2"/>
+            <dgm:constr type="bMarg" refType="primFontSz" fact="0.2"/>
+          </dgm:constrLst>
+          <dgm:ruleLst>
+            <dgm:rule type="primFontSz" val="5" fact="NaN" max="NaN"/>
+          </dgm:ruleLst>
+        </dgm:layoutNode>
+        <dgm:layoutNode name="accent_2">
+          <dgm:alg type="sp"/>
+          <dgm:shape xmlns:r="http://schemas.openxmlformats.org/officeDocument/2006/relationships" r:blip="">
+            <dgm:adjLst/>
+          </dgm:shape>
+          <dgm:presOf/>
+          <dgm:constrLst/>
+          <dgm:forEach name="Name33" ref="accentRepeat"/>
+        </dgm:layoutNode>
+      </dgm:forEach>
+      <dgm:forEach name="Name34" axis="ch" ptType="node" st="3" cnt="1">
+        <dgm:layoutNode name="text_3" styleLbl="node1">
+          <dgm:varLst>
+            <dgm:bulletEnabled val="1"/>
+          </dgm:varLst>
+          <dgm:choose name="Name35">
+            <dgm:if name="Name36" func="var" arg="dir" op="equ" val="norm">
+              <dgm:alg type="tx">
+                <dgm:param type="parTxLTRAlign" val="l"/>
+                <dgm:param type="shpTxLTRAlignCh" val="l"/>
+                <dgm:param type="parTxRTLAlign" val="l"/>
+                <dgm:param type="shpTxRTLAlignCh" val="l"/>
+              </dgm:alg>
+            </dgm:if>
+            <dgm:else name="Name37">
+              <dgm:alg type="tx">
+                <dgm:param type="parTxLTRAlign" val="r"/>
+                <dgm:param type="shpTxLTRAlignCh" val="r"/>
+                <dgm:param type="parTxRTLAlign" val="r"/>
+                <dgm:param type="shpTxRTLAlignCh" val="r"/>
+              </dgm:alg>
+            </dgm:else>
+          </dgm:choose>
+          <dgm:shape xmlns:r="http://schemas.openxmlformats.org/officeDocument/2006/relationships" type="rect" r:blip="">
+            <dgm:adjLst/>
+          </dgm:shape>
+          <dgm:presOf axis="desOrSelf" ptType="node"/>
+          <dgm:constrLst>
+            <dgm:constr type="primFontSz" val="65"/>
+            <dgm:constr type="lMarg" refType="primFontSz" fact="0.2"/>
+            <dgm:constr type="rMarg" refType="primFontSz" fact="0.2"/>
+            <dgm:constr type="tMarg" refType="primFontSz" fact="0.2"/>
+            <dgm:constr type="bMarg" refType="primFontSz" fact="0.2"/>
+          </dgm:constrLst>
+          <dgm:ruleLst>
+            <dgm:rule type="primFontSz" val="5" fact="NaN" max="NaN"/>
+          </dgm:ruleLst>
+        </dgm:layoutNode>
+        <dgm:layoutNode name="accent_3">
+          <dgm:alg type="sp"/>
+          <dgm:shape xmlns:r="http://schemas.openxmlformats.org/officeDocument/2006/relationships" r:blip="">
+            <dgm:adjLst/>
+          </dgm:shape>
+          <dgm:presOf/>
+          <dgm:constrLst/>
+          <dgm:forEach name="Name38" ref="accentRepeat"/>
+        </dgm:layoutNode>
+      </dgm:forEach>
+      <dgm:forEach name="Name39" axis="ch" ptType="node" st="4" cnt="1">
+        <dgm:layoutNode name="text_4" styleLbl="node1">
+          <dgm:varLst>
+            <dgm:bulletEnabled val="1"/>
+          </dgm:varLst>
+          <dgm:choose name="Name40">
+            <dgm:if name="Name41" func="var" arg="dir" op="equ" val="norm">
+              <dgm:alg type="tx">
+                <dgm:param type="parTxLTRAlign" val="l"/>
+                <dgm:param type="shpTxLTRAlignCh" val="l"/>
+                <dgm:param type="parTxRTLAlign" val="l"/>
+                <dgm:param type="shpTxRTLAlignCh" val="l"/>
+              </dgm:alg>
+            </dgm:if>
+            <dgm:else name="Name42">
+              <dgm:alg type="tx">
+                <dgm:param type="parTxLTRAlign" val="r"/>
+                <dgm:param type="shpTxLTRAlignCh" val="r"/>
+                <dgm:param type="parTxRTLAlign" val="r"/>
+                <dgm:param type="shpTxRTLAlignCh" val="r"/>
+              </dgm:alg>
+            </dgm:else>
+          </dgm:choose>
+          <dgm:shape xmlns:r="http://schemas.openxmlformats.org/officeDocument/2006/relationships" type="rect" r:blip="">
+            <dgm:adjLst/>
+          </dgm:shape>
+          <dgm:presOf axis="desOrSelf" ptType="node"/>
+          <dgm:constrLst>
+            <dgm:constr type="primFontSz" val="65"/>
+            <dgm:constr type="lMarg" refType="primFontSz" fact="0.2"/>
+            <dgm:constr type="rMarg" refType="primFontSz" fact="0.2"/>
+            <dgm:constr type="tMarg" refType="primFontSz" fact="0.2"/>
+            <dgm:constr type="bMarg" refType="primFontSz" fact="0.2"/>
+          </dgm:constrLst>
+          <dgm:ruleLst>
+            <dgm:rule type="primFontSz" val="5" fact="NaN" max="NaN"/>
+          </dgm:ruleLst>
+        </dgm:layoutNode>
+        <dgm:layoutNode name="accent_4">
+          <dgm:alg type="sp"/>
+          <dgm:shape xmlns:r="http://schemas.openxmlformats.org/officeDocument/2006/relationships" r:blip="">
+            <dgm:adjLst/>
+          </dgm:shape>
+          <dgm:presOf/>
+          <dgm:constrLst/>
+          <dgm:forEach name="Name43" ref="accentRepeat"/>
+        </dgm:layoutNode>
+      </dgm:forEach>
+      <dgm:forEach name="Name44" axis="ch" ptType="node" st="5" cnt="1">
+        <dgm:layoutNode name="text_5" styleLbl="node1">
+          <dgm:varLst>
+            <dgm:bulletEnabled val="1"/>
+          </dgm:varLst>
+          <dgm:choose name="Name45">
+            <dgm:if name="Name46" func="var" arg="dir" op="equ" val="norm">
+              <dgm:alg type="tx">
+                <dgm:param type="parTxLTRAlign" val="l"/>
+                <dgm:param type="shpTxLTRAlignCh" val="l"/>
+                <dgm:param type="parTxRTLAlign" val="l"/>
+                <dgm:param type="shpTxRTLAlignCh" val="l"/>
+              </dgm:alg>
+            </dgm:if>
+            <dgm:else name="Name47">
+              <dgm:alg type="tx">
+                <dgm:param type="parTxLTRAlign" val="r"/>
+                <dgm:param type="shpTxLTRAlignCh" val="r"/>
+                <dgm:param type="parTxRTLAlign" val="r"/>
+                <dgm:param type="shpTxRTLAlignCh" val="r"/>
+              </dgm:alg>
+            </dgm:else>
+          </dgm:choose>
+          <dgm:shape xmlns:r="http://schemas.openxmlformats.org/officeDocument/2006/relationships" type="rect" r:blip="">
+            <dgm:adjLst/>
+          </dgm:shape>
+          <dgm:presOf axis="desOrSelf" ptType="node"/>
+          <dgm:constrLst>
+            <dgm:constr type="primFontSz" val="65"/>
+            <dgm:constr type="lMarg" refType="primFontSz" fact="0.2"/>
+            <dgm:constr type="rMarg" refType="primFontSz" fact="0.2"/>
+            <dgm:constr type="tMarg" refType="primFontSz" fact="0.2"/>
+            <dgm:constr type="bMarg" refType="primFontSz" fact="0.2"/>
+          </dgm:constrLst>
+          <dgm:ruleLst>
+            <dgm:rule type="primFontSz" val="5" fact="NaN" max="NaN"/>
+          </dgm:ruleLst>
+        </dgm:layoutNode>
+        <dgm:layoutNode name="accent_5">
+          <dgm:alg type="sp"/>
+          <dgm:shape xmlns:r="http://schemas.openxmlformats.org/officeDocument/2006/relationships" r:blip="">
+            <dgm:adjLst/>
+          </dgm:shape>
+          <dgm:presOf/>
+          <dgm:constrLst/>
+          <dgm:forEach name="Name48" ref="accentRepeat"/>
+        </dgm:layoutNode>
+      </dgm:forEach>
+      <dgm:forEach name="Name49" axis="ch" ptType="node" st="6" cnt="1">
+        <dgm:layoutNode name="text_6" styleLbl="node1">
+          <dgm:varLst>
+            <dgm:bulletEnabled val="1"/>
+          </dgm:varLst>
+          <dgm:choose name="Name50">
+            <dgm:if name="Name51" func="var" arg="dir" op="equ" val="norm">
+              <dgm:alg type="tx">
+                <dgm:param type="parTxLTRAlign" val="l"/>
+                <dgm:param type="shpTxLTRAlignCh" val="l"/>
+                <dgm:param type="parTxRTLAlign" val="l"/>
+                <dgm:param type="shpTxRTLAlignCh" val="l"/>
+              </dgm:alg>
+            </dgm:if>
+            <dgm:else name="Name52">
+              <dgm:alg type="tx">
+                <dgm:param type="parTxLTRAlign" val="r"/>
+                <dgm:param type="shpTxLTRAlignCh" val="r"/>
+                <dgm:param type="parTxRTLAlign" val="r"/>
+                <dgm:param type="shpTxRTLAlignCh" val="r"/>
+              </dgm:alg>
+            </dgm:else>
+          </dgm:choose>
+          <dgm:shape xmlns:r="http://schemas.openxmlformats.org/officeDocument/2006/relationships" type="rect" r:blip="">
+            <dgm:adjLst/>
+          </dgm:shape>
+          <dgm:presOf axis="desOrSelf" ptType="node"/>
+          <dgm:constrLst>
+            <dgm:constr type="primFontSz" val="65"/>
+            <dgm:constr type="lMarg" refType="primFontSz" fact="0.2"/>
+            <dgm:constr type="rMarg" refType="primFontSz" fact="0.2"/>
+            <dgm:constr type="tMarg" refType="primFontSz" fact="0.2"/>
+            <dgm:constr type="bMarg" refType="primFontSz" fact="0.2"/>
+          </dgm:constrLst>
+          <dgm:ruleLst>
+            <dgm:rule type="primFontSz" val="5" fact="NaN" max="NaN"/>
+          </dgm:ruleLst>
+        </dgm:layoutNode>
+        <dgm:layoutNode name="accent_6">
+          <dgm:alg type="sp"/>
+          <dgm:shape xmlns:r="http://schemas.openxmlformats.org/officeDocument/2006/relationships" r:blip="">
+            <dgm:adjLst/>
+          </dgm:shape>
+          <dgm:presOf/>
+          <dgm:constrLst/>
+          <dgm:forEach name="Name53" ref="accentRepeat"/>
+        </dgm:layoutNode>
+      </dgm:forEach>
+      <dgm:forEach name="Name54" axis="ch" ptType="node" st="7" cnt="1">
+        <dgm:layoutNode name="text_7" styleLbl="node1">
+          <dgm:varLst>
+            <dgm:bulletEnabled val="1"/>
+          </dgm:varLst>
+          <dgm:choose name="Name55">
+            <dgm:if name="Name56" func="var" arg="dir" op="equ" val="norm">
+              <dgm:alg type="tx">
+                <dgm:param type="parTxLTRAlign" val="l"/>
+                <dgm:param type="shpTxLTRAlignCh" val="l"/>
+                <dgm:param type="parTxRTLAlign" val="l"/>
+                <dgm:param type="shpTxRTLAlignCh" val="l"/>
+              </dgm:alg>
+            </dgm:if>
+            <dgm:else name="Name57">
+              <dgm:alg type="tx">
+                <dgm:param type="parTxLTRAlign" val="r"/>
+                <dgm:param type="shpTxLTRAlignCh" val="r"/>
+                <dgm:param type="parTxRTLAlign" val="r"/>
+                <dgm:param type="shpTxRTLAlignCh" val="r"/>
+              </dgm:alg>
+            </dgm:else>
+          </dgm:choose>
+          <dgm:shape xmlns:r="http://schemas.openxmlformats.org/officeDocument/2006/relationships" type="rect" r:blip="">
+            <dgm:adjLst/>
+          </dgm:shape>
+          <dgm:presOf axis="desOrSelf" ptType="node"/>
+          <dgm:constrLst>
+            <dgm:constr type="primFontSz" val="65"/>
+            <dgm:constr type="lMarg" refType="primFontSz" fact="0.2"/>
+            <dgm:constr type="rMarg" refType="primFontSz" fact="0.2"/>
+            <dgm:constr type="tMarg" refType="primFontSz" fact="0.2"/>
+            <dgm:constr type="bMarg" refType="primFontSz" fact="0.2"/>
+          </dgm:constrLst>
+          <dgm:ruleLst>
+            <dgm:rule type="primFontSz" val="5" fact="NaN" max="NaN"/>
+          </dgm:ruleLst>
+        </dgm:layoutNode>
+        <dgm:layoutNode name="accent_7">
+          <dgm:alg type="sp"/>
+          <dgm:shape xmlns:r="http://schemas.openxmlformats.org/officeDocument/2006/relationships" r:blip="">
+            <dgm:adjLst/>
+          </dgm:shape>
+          <dgm:presOf/>
+          <dgm:constrLst/>
+          <dgm:forEach name="Name58" ref="accentRepeat"/>
+        </dgm:layoutNode>
+      </dgm:forEach>
+    </dgm:layoutNode>
   </dgm:layoutNode>
 </dgm:layoutDef>
 </file>
@@ -9317,174 +10524,6 @@
 </p:notes>
 </file>
 
-<file path=ppt/notesSlides/notesSlide10.xml><?xml version="1.0" encoding="utf-8"?>
-<p:notes xmlns:a="http://schemas.openxmlformats.org/drawingml/2006/main" xmlns:r="http://schemas.openxmlformats.org/officeDocument/2006/relationships" xmlns:p="http://schemas.openxmlformats.org/presentationml/2006/main">
-  <p:cSld>
-    <p:spTree>
-      <p:nvGrpSpPr>
-        <p:cNvPr id="1" name=""/>
-        <p:cNvGrpSpPr/>
-        <p:nvPr/>
-      </p:nvGrpSpPr>
-      <p:grpSpPr>
-        <a:xfrm>
-          <a:off x="0" y="0"/>
-          <a:ext cx="0" cy="0"/>
-          <a:chOff x="0" y="0"/>
-          <a:chExt cx="0" cy="0"/>
-        </a:xfrm>
-      </p:grpSpPr>
-      <p:sp>
-        <p:nvSpPr>
-          <p:cNvPr id="2" name="Espace réservé de l'image des diapositives 1"/>
-          <p:cNvSpPr>
-            <a:spLocks noGrp="1" noRot="1" noChangeAspect="1"/>
-          </p:cNvSpPr>
-          <p:nvPr>
-            <p:ph type="sldImg"/>
-          </p:nvPr>
-        </p:nvSpPr>
-        <p:spPr/>
-      </p:sp>
-      <p:sp>
-        <p:nvSpPr>
-          <p:cNvPr id="3" name="Espace réservé des notes 2"/>
-          <p:cNvSpPr>
-            <a:spLocks noGrp="1"/>
-          </p:cNvSpPr>
-          <p:nvPr>
-            <p:ph type="body" idx="1"/>
-          </p:nvPr>
-        </p:nvSpPr>
-        <p:spPr/>
-        <p:txBody>
-          <a:bodyPr/>
-          <a:lstStyle/>
-          <a:p>
-            <a:endParaRPr lang="fr-FR"/>
-          </a:p>
-        </p:txBody>
-      </p:sp>
-      <p:sp>
-        <p:nvSpPr>
-          <p:cNvPr id="4" name="Espace réservé du numéro de diapositive 3"/>
-          <p:cNvSpPr>
-            <a:spLocks noGrp="1"/>
-          </p:cNvSpPr>
-          <p:nvPr>
-            <p:ph type="sldNum" sz="quarter" idx="5"/>
-          </p:nvPr>
-        </p:nvSpPr>
-        <p:spPr/>
-        <p:txBody>
-          <a:bodyPr/>
-          <a:lstStyle/>
-          <a:p>
-            <a:fld id="{70F27F89-030F-4CE8-8EB0-6B8718F1EF45}" type="slidenum">
-              <a:rPr lang="fr-FR" smtClean="0"/>
-              <a:t>10</a:t>
-            </a:fld>
-            <a:endParaRPr lang="fr-FR"/>
-          </a:p>
-        </p:txBody>
-      </p:sp>
-    </p:spTree>
-    <p:extLst>
-      <p:ext uri="{BB962C8B-B14F-4D97-AF65-F5344CB8AC3E}">
-        <p14:creationId xmlns:p14="http://schemas.microsoft.com/office/powerpoint/2010/main" val="4178484635"/>
-      </p:ext>
-    </p:extLst>
-  </p:cSld>
-  <p:clrMapOvr>
-    <a:masterClrMapping/>
-  </p:clrMapOvr>
-</p:notes>
-</file>
-
-<file path=ppt/notesSlides/notesSlide11.xml><?xml version="1.0" encoding="utf-8"?>
-<p:notes xmlns:a="http://schemas.openxmlformats.org/drawingml/2006/main" xmlns:r="http://schemas.openxmlformats.org/officeDocument/2006/relationships" xmlns:p="http://schemas.openxmlformats.org/presentationml/2006/main">
-  <p:cSld>
-    <p:spTree>
-      <p:nvGrpSpPr>
-        <p:cNvPr id="1" name=""/>
-        <p:cNvGrpSpPr/>
-        <p:nvPr/>
-      </p:nvGrpSpPr>
-      <p:grpSpPr>
-        <a:xfrm>
-          <a:off x="0" y="0"/>
-          <a:ext cx="0" cy="0"/>
-          <a:chOff x="0" y="0"/>
-          <a:chExt cx="0" cy="0"/>
-        </a:xfrm>
-      </p:grpSpPr>
-      <p:sp>
-        <p:nvSpPr>
-          <p:cNvPr id="2" name="Espace réservé de l'image des diapositives 1"/>
-          <p:cNvSpPr>
-            <a:spLocks noGrp="1" noRot="1" noChangeAspect="1"/>
-          </p:cNvSpPr>
-          <p:nvPr>
-            <p:ph type="sldImg"/>
-          </p:nvPr>
-        </p:nvSpPr>
-        <p:spPr/>
-      </p:sp>
-      <p:sp>
-        <p:nvSpPr>
-          <p:cNvPr id="3" name="Espace réservé des notes 2"/>
-          <p:cNvSpPr>
-            <a:spLocks noGrp="1"/>
-          </p:cNvSpPr>
-          <p:nvPr>
-            <p:ph type="body" idx="1"/>
-          </p:nvPr>
-        </p:nvSpPr>
-        <p:spPr/>
-        <p:txBody>
-          <a:bodyPr/>
-          <a:lstStyle/>
-          <a:p>
-            <a:endParaRPr lang="fr-FR"/>
-          </a:p>
-        </p:txBody>
-      </p:sp>
-      <p:sp>
-        <p:nvSpPr>
-          <p:cNvPr id="4" name="Espace réservé du numéro de diapositive 3"/>
-          <p:cNvSpPr>
-            <a:spLocks noGrp="1"/>
-          </p:cNvSpPr>
-          <p:nvPr>
-            <p:ph type="sldNum" sz="quarter" idx="5"/>
-          </p:nvPr>
-        </p:nvSpPr>
-        <p:spPr/>
-        <p:txBody>
-          <a:bodyPr/>
-          <a:lstStyle/>
-          <a:p>
-            <a:fld id="{70F27F89-030F-4CE8-8EB0-6B8718F1EF45}" type="slidenum">
-              <a:rPr lang="fr-FR" smtClean="0"/>
-              <a:t>11</a:t>
-            </a:fld>
-            <a:endParaRPr lang="fr-FR"/>
-          </a:p>
-        </p:txBody>
-      </p:sp>
-    </p:spTree>
-    <p:extLst>
-      <p:ext uri="{BB962C8B-B14F-4D97-AF65-F5344CB8AC3E}">
-        <p14:creationId xmlns:p14="http://schemas.microsoft.com/office/powerpoint/2010/main" val="1456007794"/>
-      </p:ext>
-    </p:extLst>
-  </p:cSld>
-  <p:clrMapOvr>
-    <a:masterClrMapping/>
-  </p:clrMapOvr>
-</p:notes>
-</file>
-
 <file path=ppt/notesSlides/notesSlide2.xml><?xml version="1.0" encoding="utf-8"?>
 <p:notes xmlns:a="http://schemas.openxmlformats.org/drawingml/2006/main" xmlns:r="http://schemas.openxmlformats.org/officeDocument/2006/relationships" xmlns:p="http://schemas.openxmlformats.org/presentationml/2006/main">
   <p:cSld>
@@ -9895,7 +10934,7 @@
     </p:spTree>
     <p:extLst>
       <p:ext uri="{BB962C8B-B14F-4D97-AF65-F5344CB8AC3E}">
-        <p14:creationId xmlns:p14="http://schemas.microsoft.com/office/powerpoint/2010/main" val="1218969181"/>
+        <p14:creationId xmlns:p14="http://schemas.microsoft.com/office/powerpoint/2010/main" val="3182837286"/>
       </p:ext>
     </p:extLst>
   </p:cSld>
@@ -9979,7 +11018,7 @@
     </p:spTree>
     <p:extLst>
       <p:ext uri="{BB962C8B-B14F-4D97-AF65-F5344CB8AC3E}">
-        <p14:creationId xmlns:p14="http://schemas.microsoft.com/office/powerpoint/2010/main" val="2417363213"/>
+        <p14:creationId xmlns:p14="http://schemas.microsoft.com/office/powerpoint/2010/main" val="3501550586"/>
       </p:ext>
     </p:extLst>
   </p:cSld>
@@ -10063,7 +11102,7 @@
     </p:spTree>
     <p:extLst>
       <p:ext uri="{BB962C8B-B14F-4D97-AF65-F5344CB8AC3E}">
-        <p14:creationId xmlns:p14="http://schemas.microsoft.com/office/powerpoint/2010/main" val="3182837286"/>
+        <p14:creationId xmlns:p14="http://schemas.microsoft.com/office/powerpoint/2010/main" val="4178484635"/>
       </p:ext>
     </p:extLst>
   </p:cSld>
@@ -10117,7 +11156,14 @@
           <a:bodyPr/>
           <a:lstStyle/>
           <a:p>
-            <a:endParaRPr lang="fr-FR"/>
+            <a:r>
+              <a:rPr lang="fr-FR" dirty="0" err="1"/>
+              <a:t>SchoolBoard</a:t>
+            </a:r>
+            <a:r>
+              <a:rPr lang="fr-FR" dirty="0"/>
+              <a:t> et tout se concorde</a:t>
+            </a:r>
           </a:p>
         </p:txBody>
       </p:sp>
@@ -10147,7 +11193,7 @@
     </p:spTree>
     <p:extLst>
       <p:ext uri="{BB962C8B-B14F-4D97-AF65-F5344CB8AC3E}">
-        <p14:creationId xmlns:p14="http://schemas.microsoft.com/office/powerpoint/2010/main" val="3501550586"/>
+        <p14:creationId xmlns:p14="http://schemas.microsoft.com/office/powerpoint/2010/main" val="1456007794"/>
       </p:ext>
     </p:extLst>
   </p:cSld>
@@ -14089,820 +15135,6 @@
 </p:sld>
 </file>
 
-<file path=ppt/slides/slide10.xml><?xml version="1.0" encoding="utf-8"?>
-<p:sld xmlns:a="http://schemas.openxmlformats.org/drawingml/2006/main" xmlns:r="http://schemas.openxmlformats.org/officeDocument/2006/relationships" xmlns:p="http://schemas.openxmlformats.org/presentationml/2006/main">
-  <p:cSld>
-    <p:spTree>
-      <p:nvGrpSpPr>
-        <p:cNvPr id="1" name=""/>
-        <p:cNvGrpSpPr/>
-        <p:nvPr/>
-      </p:nvGrpSpPr>
-      <p:grpSpPr>
-        <a:xfrm>
-          <a:off x="0" y="0"/>
-          <a:ext cx="0" cy="0"/>
-          <a:chOff x="0" y="0"/>
-          <a:chExt cx="0" cy="0"/>
-        </a:xfrm>
-      </p:grpSpPr>
-      <p:sp>
-        <p:nvSpPr>
-          <p:cNvPr id="2" name="Titre 1">
-            <a:extLst>
-              <a:ext uri="{FF2B5EF4-FFF2-40B4-BE49-F238E27FC236}">
-                <a16:creationId xmlns:a16="http://schemas.microsoft.com/office/drawing/2014/main" id="{10742257-3980-4551-868A-26DC3CB821EE}"/>
-              </a:ext>
-            </a:extLst>
-          </p:cNvPr>
-          <p:cNvSpPr>
-            <a:spLocks noGrp="1"/>
-          </p:cNvSpPr>
-          <p:nvPr>
-            <p:ph type="title"/>
-          </p:nvPr>
-        </p:nvSpPr>
-        <p:spPr>
-          <a:xfrm>
-            <a:off x="521284" y="542807"/>
-            <a:ext cx="8607131" cy="1027257"/>
-          </a:xfrm>
-        </p:spPr>
-        <p:txBody>
-          <a:bodyPr rtlCol="0">
-            <a:normAutofit/>
-          </a:bodyPr>
-          <a:lstStyle/>
-          <a:p>
-            <a:r>
-              <a:rPr lang="fr-FR" dirty="0">
-                <a:solidFill>
-                  <a:schemeClr val="accent5">
-                    <a:lumMod val="50000"/>
-                  </a:schemeClr>
-                </a:solidFill>
-                <a:latin typeface="Rockwell" panose="02060603020205020403" pitchFamily="18" charset="0"/>
-              </a:rPr>
-              <a:t>Perspectives et suites du projet</a:t>
-            </a:r>
-          </a:p>
-        </p:txBody>
-      </p:sp>
-      <p:grpSp>
-        <p:nvGrpSpPr>
-          <p:cNvPr id="9" name="Groupe 8">
-            <a:extLst>
-              <a:ext uri="{FF2B5EF4-FFF2-40B4-BE49-F238E27FC236}">
-                <a16:creationId xmlns:a16="http://schemas.microsoft.com/office/drawing/2014/main" id="{AEA098C1-E19E-4D03-9A35-14569BC7C142}"/>
-              </a:ext>
-              <a:ext uri="{C183D7F6-B498-43B3-948B-1728B52AA6E4}">
-                <adec:decorative xmlns:adec="http://schemas.microsoft.com/office/drawing/2017/decorative" val="1"/>
-              </a:ext>
-            </a:extLst>
-          </p:cNvPr>
-          <p:cNvGrpSpPr/>
-          <p:nvPr/>
-        </p:nvGrpSpPr>
-        <p:grpSpPr>
-          <a:xfrm>
-            <a:off x="9055676" y="0"/>
-            <a:ext cx="3403025" cy="6858000"/>
-            <a:chOff x="9055676" y="0"/>
-            <a:chExt cx="3403025" cy="6858000"/>
-          </a:xfrm>
-        </p:grpSpPr>
-        <p:grpSp>
-          <p:nvGrpSpPr>
-            <p:cNvPr id="10" name="Groupe 9">
-              <a:extLst>
-                <a:ext uri="{FF2B5EF4-FFF2-40B4-BE49-F238E27FC236}">
-                  <a16:creationId xmlns:a16="http://schemas.microsoft.com/office/drawing/2014/main" id="{D4EF09CF-3362-453A-9463-F6669A9D3E01}"/>
-                </a:ext>
-              </a:extLst>
-            </p:cNvPr>
-            <p:cNvGrpSpPr/>
-            <p:nvPr/>
-          </p:nvGrpSpPr>
-          <p:grpSpPr>
-            <a:xfrm>
-              <a:off x="9055676" y="0"/>
-              <a:ext cx="3136324" cy="6858000"/>
-              <a:chOff x="9055676" y="0"/>
-              <a:chExt cx="3136324" cy="6858000"/>
-            </a:xfrm>
-          </p:grpSpPr>
-          <p:sp>
-            <p:nvSpPr>
-              <p:cNvPr id="4" name="Rectangle 3">
-                <a:extLst>
-                  <a:ext uri="{FF2B5EF4-FFF2-40B4-BE49-F238E27FC236}">
-                    <a16:creationId xmlns:a16="http://schemas.microsoft.com/office/drawing/2014/main" id="{403AE892-EBD6-40F1-851B-FEADBD59429F}"/>
-                  </a:ext>
-                </a:extLst>
-              </p:cNvPr>
-              <p:cNvSpPr/>
-              <p:nvPr/>
-            </p:nvSpPr>
-            <p:spPr>
-              <a:xfrm>
-                <a:off x="9221932" y="0"/>
-                <a:ext cx="2970068" cy="6858000"/>
-              </a:xfrm>
-              <a:prstGeom prst="rect">
-                <a:avLst/>
-              </a:prstGeom>
-              <a:solidFill>
-                <a:schemeClr val="accent5">
-                  <a:lumMod val="50000"/>
-                </a:schemeClr>
-              </a:solidFill>
-              <a:ln>
-                <a:noFill/>
-              </a:ln>
-            </p:spPr>
-            <p:style>
-              <a:lnRef idx="2">
-                <a:schemeClr val="accent1">
-                  <a:shade val="50000"/>
-                </a:schemeClr>
-              </a:lnRef>
-              <a:fillRef idx="1">
-                <a:schemeClr val="accent1"/>
-              </a:fillRef>
-              <a:effectRef idx="0">
-                <a:schemeClr val="accent1"/>
-              </a:effectRef>
-              <a:fontRef idx="minor">
-                <a:schemeClr val="lt1"/>
-              </a:fontRef>
-            </p:style>
-            <p:txBody>
-              <a:bodyPr rtlCol="0" anchor="ctr"/>
-              <a:lstStyle/>
-              <a:p>
-                <a:pPr algn="ctr" rtl="0"/>
-                <a:endParaRPr lang="fr-FR" dirty="0"/>
-              </a:p>
-            </p:txBody>
-          </p:sp>
-          <p:sp>
-            <p:nvSpPr>
-              <p:cNvPr id="5" name="Rectangle 4">
-                <a:extLst>
-                  <a:ext uri="{FF2B5EF4-FFF2-40B4-BE49-F238E27FC236}">
-                    <a16:creationId xmlns:a16="http://schemas.microsoft.com/office/drawing/2014/main" id="{54318653-1A38-442C-BA0F-F2C51149BCFF}"/>
-                  </a:ext>
-                </a:extLst>
-              </p:cNvPr>
-              <p:cNvSpPr/>
-              <p:nvPr/>
-            </p:nvSpPr>
-            <p:spPr>
-              <a:xfrm>
-                <a:off x="9055676" y="0"/>
-                <a:ext cx="166255" cy="6858000"/>
-              </a:xfrm>
-              <a:prstGeom prst="rect">
-                <a:avLst/>
-              </a:prstGeom>
-              <a:solidFill>
-                <a:schemeClr val="accent2"/>
-              </a:solidFill>
-              <a:ln>
-                <a:noFill/>
-              </a:ln>
-            </p:spPr>
-            <p:style>
-              <a:lnRef idx="2">
-                <a:schemeClr val="accent1">
-                  <a:shade val="50000"/>
-                </a:schemeClr>
-              </a:lnRef>
-              <a:fillRef idx="1">
-                <a:schemeClr val="accent1"/>
-              </a:fillRef>
-              <a:effectRef idx="0">
-                <a:schemeClr val="accent1"/>
-              </a:effectRef>
-              <a:fontRef idx="minor">
-                <a:schemeClr val="lt1"/>
-              </a:fontRef>
-            </p:style>
-            <p:txBody>
-              <a:bodyPr rtlCol="0" anchor="ctr"/>
-              <a:lstStyle/>
-              <a:p>
-                <a:pPr algn="ctr" rtl="0"/>
-                <a:endParaRPr lang="fr-FR" dirty="0"/>
-              </a:p>
-            </p:txBody>
-          </p:sp>
-          <p:sp>
-            <p:nvSpPr>
-              <p:cNvPr id="6" name="Rectangle 5">
-                <a:extLst>
-                  <a:ext uri="{FF2B5EF4-FFF2-40B4-BE49-F238E27FC236}">
-                    <a16:creationId xmlns:a16="http://schemas.microsoft.com/office/drawing/2014/main" id="{C25D63D1-E9CE-42BF-BD4D-374FD0293155}"/>
-                  </a:ext>
-                </a:extLst>
-              </p:cNvPr>
-              <p:cNvSpPr/>
-              <p:nvPr/>
-            </p:nvSpPr>
-            <p:spPr>
-              <a:xfrm>
-                <a:off x="9221932" y="0"/>
-                <a:ext cx="114301" cy="6858000"/>
-              </a:xfrm>
-              <a:prstGeom prst="rect">
-                <a:avLst/>
-              </a:prstGeom>
-              <a:solidFill>
-                <a:srgbClr val="FFD347"/>
-              </a:solidFill>
-              <a:ln>
-                <a:noFill/>
-              </a:ln>
-            </p:spPr>
-            <p:style>
-              <a:lnRef idx="2">
-                <a:schemeClr val="accent1">
-                  <a:shade val="50000"/>
-                </a:schemeClr>
-              </a:lnRef>
-              <a:fillRef idx="1">
-                <a:schemeClr val="accent1"/>
-              </a:fillRef>
-              <a:effectRef idx="0">
-                <a:schemeClr val="accent1"/>
-              </a:effectRef>
-              <a:fontRef idx="minor">
-                <a:schemeClr val="lt1"/>
-              </a:fontRef>
-            </p:style>
-            <p:txBody>
-              <a:bodyPr rtlCol="0" anchor="ctr"/>
-              <a:lstStyle/>
-              <a:p>
-                <a:pPr algn="ctr" rtl="0"/>
-                <a:endParaRPr lang="fr-FR" dirty="0"/>
-              </a:p>
-            </p:txBody>
-          </p:sp>
-          <p:sp>
-            <p:nvSpPr>
-              <p:cNvPr id="7" name="Rectangle 6">
-                <a:extLst>
-                  <a:ext uri="{FF2B5EF4-FFF2-40B4-BE49-F238E27FC236}">
-                    <a16:creationId xmlns:a16="http://schemas.microsoft.com/office/drawing/2014/main" id="{BA4EE865-9F0D-4531-A737-E13A557C0277}"/>
-                  </a:ext>
-                </a:extLst>
-              </p:cNvPr>
-              <p:cNvSpPr/>
-              <p:nvPr/>
-            </p:nvSpPr>
-            <p:spPr>
-              <a:xfrm>
-                <a:off x="9336233" y="0"/>
-                <a:ext cx="150667" cy="6858000"/>
-              </a:xfrm>
-              <a:prstGeom prst="rect">
-                <a:avLst/>
-              </a:prstGeom>
-              <a:solidFill>
-                <a:schemeClr val="accent6"/>
-              </a:solidFill>
-              <a:ln>
-                <a:noFill/>
-              </a:ln>
-            </p:spPr>
-            <p:style>
-              <a:lnRef idx="2">
-                <a:schemeClr val="accent1">
-                  <a:shade val="50000"/>
-                </a:schemeClr>
-              </a:lnRef>
-              <a:fillRef idx="1">
-                <a:schemeClr val="accent1"/>
-              </a:fillRef>
-              <a:effectRef idx="0">
-                <a:schemeClr val="accent1"/>
-              </a:effectRef>
-              <a:fontRef idx="minor">
-                <a:schemeClr val="lt1"/>
-              </a:fontRef>
-            </p:style>
-            <p:txBody>
-              <a:bodyPr rtlCol="0" anchor="ctr"/>
-              <a:lstStyle/>
-              <a:p>
-                <a:pPr algn="ctr" rtl="0"/>
-                <a:endParaRPr lang="fr-FR" dirty="0"/>
-              </a:p>
-            </p:txBody>
-          </p:sp>
-          <p:sp>
-            <p:nvSpPr>
-              <p:cNvPr id="8" name="Rectangle 7">
-                <a:extLst>
-                  <a:ext uri="{FF2B5EF4-FFF2-40B4-BE49-F238E27FC236}">
-                    <a16:creationId xmlns:a16="http://schemas.microsoft.com/office/drawing/2014/main" id="{6A1183CB-C5B0-498A-A49C-4180134C74B0}"/>
-                  </a:ext>
-                </a:extLst>
-              </p:cNvPr>
-              <p:cNvSpPr/>
-              <p:nvPr/>
-            </p:nvSpPr>
-            <p:spPr>
-              <a:xfrm>
-                <a:off x="9336233" y="0"/>
-                <a:ext cx="57150" cy="6858000"/>
-              </a:xfrm>
-              <a:prstGeom prst="rect">
-                <a:avLst/>
-              </a:prstGeom>
-              <a:solidFill>
-                <a:schemeClr val="bg1"/>
-              </a:solidFill>
-              <a:ln>
-                <a:noFill/>
-              </a:ln>
-            </p:spPr>
-            <p:style>
-              <a:lnRef idx="2">
-                <a:schemeClr val="accent1">
-                  <a:shade val="50000"/>
-                </a:schemeClr>
-              </a:lnRef>
-              <a:fillRef idx="1">
-                <a:schemeClr val="accent1"/>
-              </a:fillRef>
-              <a:effectRef idx="0">
-                <a:schemeClr val="accent1"/>
-              </a:effectRef>
-              <a:fontRef idx="minor">
-                <a:schemeClr val="lt1"/>
-              </a:fontRef>
-            </p:style>
-            <p:txBody>
-              <a:bodyPr rtlCol="0" anchor="ctr"/>
-              <a:lstStyle/>
-              <a:p>
-                <a:pPr algn="ctr" rtl="0"/>
-                <a:endParaRPr lang="fr-FR" dirty="0"/>
-              </a:p>
-            </p:txBody>
-          </p:sp>
-        </p:grpSp>
-        <p:pic>
-          <p:nvPicPr>
-            <p:cNvPr id="13" name="Graphisme 12" descr="Livres">
-              <a:extLst>
-                <a:ext uri="{FF2B5EF4-FFF2-40B4-BE49-F238E27FC236}">
-                  <a16:creationId xmlns:a16="http://schemas.microsoft.com/office/drawing/2014/main" id="{BF2CC76A-FBA9-49E0-9F1C-2C5299495F4C}"/>
-                </a:ext>
-              </a:extLst>
-            </p:cNvPr>
-            <p:cNvPicPr>
-              <a:picLocks noChangeAspect="1"/>
-            </p:cNvPicPr>
-            <p:nvPr/>
-          </p:nvPicPr>
-          <p:blipFill>
-            <a:blip r:embed="rId3">
-              <a:extLst>
-                <a:ext uri="{28A0092B-C50C-407E-A947-70E740481C1C}">
-                  <a14:useLocalDpi xmlns:a14="http://schemas.microsoft.com/office/drawing/2010/main" val="0"/>
-                </a:ext>
-                <a:ext uri="{96DAC541-7B7A-43D3-8B79-37D633B846F1}">
-                  <asvg:svgBlip xmlns:asvg="http://schemas.microsoft.com/office/drawing/2016/SVG/main" r:embed="rId4"/>
-                </a:ext>
-              </a:extLst>
-            </a:blip>
-            <a:srcRect/>
-            <a:stretch/>
-          </p:blipFill>
-          <p:spPr>
-            <a:xfrm>
-              <a:off x="9336233" y="3735532"/>
-              <a:ext cx="3122468" cy="3122468"/>
-            </a:xfrm>
-            <a:prstGeom prst="rect">
-              <a:avLst/>
-            </a:prstGeom>
-          </p:spPr>
-        </p:pic>
-      </p:grpSp>
-      <p:graphicFrame>
-        <p:nvGraphicFramePr>
-          <p:cNvPr id="11" name="Diagramme 10">
-            <a:extLst>
-              <a:ext uri="{FF2B5EF4-FFF2-40B4-BE49-F238E27FC236}">
-                <a16:creationId xmlns:a16="http://schemas.microsoft.com/office/drawing/2014/main" id="{D32CE14B-3BA1-4454-827F-251611057F3E}"/>
-              </a:ext>
-              <a:ext uri="{C183D7F6-B498-43B3-948B-1728B52AA6E4}">
-                <adec:decorative xmlns:adec="http://schemas.microsoft.com/office/drawing/2017/decorative" val="1"/>
-              </a:ext>
-            </a:extLst>
-          </p:cNvPr>
-          <p:cNvGraphicFramePr/>
-          <p:nvPr>
-            <p:extLst>
-              <p:ext uri="{D42A27DB-BD31-4B8C-83A1-F6EECF244321}">
-                <p14:modId xmlns:p14="http://schemas.microsoft.com/office/powerpoint/2010/main" val="3888073570"/>
-              </p:ext>
-            </p:extLst>
-          </p:nvPr>
-        </p:nvGraphicFramePr>
-        <p:xfrm>
-          <a:off x="521283" y="1608089"/>
-          <a:ext cx="7210716" cy="4943379"/>
-        </p:xfrm>
-        <a:graphic>
-          <a:graphicData uri="http://schemas.openxmlformats.org/drawingml/2006/diagram">
-            <dgm:relIds xmlns:dgm="http://schemas.openxmlformats.org/drawingml/2006/diagram" xmlns:r="http://schemas.openxmlformats.org/officeDocument/2006/relationships" r:dm="rId5" r:lo="rId6" r:qs="rId7" r:cs="rId8"/>
-          </a:graphicData>
-        </a:graphic>
-      </p:graphicFrame>
-    </p:spTree>
-    <p:extLst>
-      <p:ext uri="{BB962C8B-B14F-4D97-AF65-F5344CB8AC3E}">
-        <p14:creationId xmlns:p14="http://schemas.microsoft.com/office/powerpoint/2010/main" val="2264719954"/>
-      </p:ext>
-    </p:extLst>
-  </p:cSld>
-  <p:clrMapOvr>
-    <a:masterClrMapping/>
-  </p:clrMapOvr>
-</p:sld>
-</file>
-
-<file path=ppt/slides/slide11.xml><?xml version="1.0" encoding="utf-8"?>
-<p:sld xmlns:a="http://schemas.openxmlformats.org/drawingml/2006/main" xmlns:r="http://schemas.openxmlformats.org/officeDocument/2006/relationships" xmlns:p="http://schemas.openxmlformats.org/presentationml/2006/main">
-  <p:cSld>
-    <p:bg>
-      <p:bgPr>
-        <a:solidFill>
-          <a:schemeClr val="accent5">
-            <a:lumMod val="50000"/>
-          </a:schemeClr>
-        </a:solidFill>
-        <a:effectLst/>
-      </p:bgPr>
-    </p:bg>
-    <p:spTree>
-      <p:nvGrpSpPr>
-        <p:cNvPr id="1" name=""/>
-        <p:cNvGrpSpPr/>
-        <p:nvPr/>
-      </p:nvGrpSpPr>
-      <p:grpSpPr>
-        <a:xfrm>
-          <a:off x="0" y="0"/>
-          <a:ext cx="0" cy="0"/>
-          <a:chOff x="0" y="0"/>
-          <a:chExt cx="0" cy="0"/>
-        </a:xfrm>
-      </p:grpSpPr>
-      <p:pic>
-        <p:nvPicPr>
-          <p:cNvPr id="15" name="Graphisme 14" descr="Presse-papiers">
-            <a:extLst>
-              <a:ext uri="{FF2B5EF4-FFF2-40B4-BE49-F238E27FC236}">
-                <a16:creationId xmlns:a16="http://schemas.microsoft.com/office/drawing/2014/main" id="{2A123BD8-A09C-49C0-98E8-54B55610A928}"/>
-              </a:ext>
-            </a:extLst>
-          </p:cNvPr>
-          <p:cNvPicPr>
-            <a:picLocks noChangeAspect="1"/>
-          </p:cNvPicPr>
-          <p:nvPr/>
-        </p:nvPicPr>
-        <p:blipFill>
-          <a:blip r:embed="rId3">
-            <a:extLst>
-              <a:ext uri="{28A0092B-C50C-407E-A947-70E740481C1C}">
-                <a14:useLocalDpi xmlns:a14="http://schemas.microsoft.com/office/drawing/2010/main" val="0"/>
-              </a:ext>
-              <a:ext uri="{96DAC541-7B7A-43D3-8B79-37D633B846F1}">
-                <asvg:svgBlip xmlns:asvg="http://schemas.microsoft.com/office/drawing/2016/SVG/main" r:embed="rId4"/>
-              </a:ext>
-            </a:extLst>
-          </a:blip>
-          <a:stretch>
-            <a:fillRect/>
-          </a:stretch>
-        </p:blipFill>
-        <p:spPr>
-          <a:xfrm rot="631394">
-            <a:off x="3787948" y="5260935"/>
-            <a:ext cx="3194131" cy="3194131"/>
-          </a:xfrm>
-          <a:prstGeom prst="rect">
-            <a:avLst/>
-          </a:prstGeom>
-        </p:spPr>
-      </p:pic>
-      <p:sp>
-        <p:nvSpPr>
-          <p:cNvPr id="2" name="Titre 1">
-            <a:extLst>
-              <a:ext uri="{FF2B5EF4-FFF2-40B4-BE49-F238E27FC236}">
-                <a16:creationId xmlns:a16="http://schemas.microsoft.com/office/drawing/2014/main" id="{F4B5F415-7490-4054-85B4-10F7AE6D3385}"/>
-              </a:ext>
-            </a:extLst>
-          </p:cNvPr>
-          <p:cNvSpPr>
-            <a:spLocks noGrp="1"/>
-          </p:cNvSpPr>
-          <p:nvPr>
-            <p:ph type="ctrTitle"/>
-          </p:nvPr>
-        </p:nvSpPr>
-        <p:spPr>
-          <a:xfrm>
-            <a:off x="1019531" y="1245579"/>
-            <a:ext cx="9265415" cy="3723767"/>
-          </a:xfrm>
-        </p:spPr>
-        <p:txBody>
-          <a:bodyPr rtlCol="0">
-            <a:noAutofit/>
-          </a:bodyPr>
-          <a:lstStyle/>
-          <a:p>
-            <a:pPr rtl="0"/>
-            <a:r>
-              <a:rPr lang="fr-FR" sz="6600" dirty="0">
-                <a:solidFill>
-                  <a:schemeClr val="bg1"/>
-                </a:solidFill>
-                <a:latin typeface="Rockwell" panose="02060603020205020403" pitchFamily="18" charset="0"/>
-              </a:rPr>
-              <a:t>Vous avez </a:t>
-            </a:r>
-            <a:r>
-              <a:rPr lang="fr-FR" sz="6600" dirty="0" err="1">
-                <a:solidFill>
-                  <a:schemeClr val="bg1"/>
-                </a:solidFill>
-                <a:latin typeface="Rockwell" panose="02060603020205020403" pitchFamily="18" charset="0"/>
-              </a:rPr>
-              <a:t>SchoolBoards</a:t>
-            </a:r>
-            <a:r>
-              <a:rPr lang="fr-FR" sz="6600" dirty="0">
-                <a:solidFill>
-                  <a:schemeClr val="bg1"/>
-                </a:solidFill>
-                <a:latin typeface="Rockwell" panose="02060603020205020403" pitchFamily="18" charset="0"/>
-              </a:rPr>
-              <a:t> ?</a:t>
-            </a:r>
-            <a:br>
-              <a:rPr lang="fr-FR" sz="6600" dirty="0">
-                <a:solidFill>
-                  <a:schemeClr val="bg1"/>
-                </a:solidFill>
-                <a:latin typeface="Rockwell" panose="02060603020205020403" pitchFamily="18" charset="0"/>
-              </a:rPr>
-            </a:br>
-            <a:r>
-              <a:rPr lang="fr-FR" sz="6600" dirty="0">
-                <a:solidFill>
-                  <a:schemeClr val="bg1"/>
-                </a:solidFill>
-                <a:latin typeface="Rockwell" panose="02060603020205020403" pitchFamily="18" charset="0"/>
-              </a:rPr>
-              <a:t> Vous avez un </a:t>
-            </a:r>
-            <a:r>
-              <a:rPr lang="fr-FR" sz="6600" dirty="0" err="1">
-                <a:solidFill>
-                  <a:schemeClr val="bg1"/>
-                </a:solidFill>
-                <a:latin typeface="Rockwell" panose="02060603020205020403" pitchFamily="18" charset="0"/>
-              </a:rPr>
-              <a:t>better</a:t>
-            </a:r>
-            <a:r>
-              <a:rPr lang="fr-FR" sz="6600" dirty="0">
-                <a:solidFill>
-                  <a:schemeClr val="bg1"/>
-                </a:solidFill>
-                <a:latin typeface="Rockwell" panose="02060603020205020403" pitchFamily="18" charset="0"/>
-              </a:rPr>
-              <a:t> world</a:t>
-            </a:r>
-          </a:p>
-        </p:txBody>
-      </p:sp>
-      <p:pic>
-        <p:nvPicPr>
-          <p:cNvPr id="7" name="Graphique 6" descr="Sac à dos">
-            <a:extLst>
-              <a:ext uri="{FF2B5EF4-FFF2-40B4-BE49-F238E27FC236}">
-                <a16:creationId xmlns:a16="http://schemas.microsoft.com/office/drawing/2014/main" id="{88D22565-F42F-439B-A6A4-CF161165E6B6}"/>
-              </a:ext>
-            </a:extLst>
-          </p:cNvPr>
-          <p:cNvPicPr>
-            <a:picLocks noChangeAspect="1"/>
-          </p:cNvPicPr>
-          <p:nvPr/>
-        </p:nvPicPr>
-        <p:blipFill>
-          <a:blip r:embed="rId5">
-            <a:extLst>
-              <a:ext uri="{28A0092B-C50C-407E-A947-70E740481C1C}">
-                <a14:useLocalDpi xmlns:a14="http://schemas.microsoft.com/office/drawing/2010/main" val="0"/>
-              </a:ext>
-              <a:ext uri="{96DAC541-7B7A-43D3-8B79-37D633B846F1}">
-                <asvg:svgBlip xmlns:asvg="http://schemas.microsoft.com/office/drawing/2016/SVG/main" r:embed="rId6"/>
-              </a:ext>
-            </a:extLst>
-          </a:blip>
-          <a:srcRect/>
-          <a:stretch/>
-        </p:blipFill>
-        <p:spPr>
-          <a:xfrm rot="1213697">
-            <a:off x="-491837" y="3688628"/>
-            <a:ext cx="3245427" cy="3245427"/>
-          </a:xfrm>
-          <a:prstGeom prst="rect">
-            <a:avLst/>
-          </a:prstGeom>
-        </p:spPr>
-      </p:pic>
-      <p:pic>
-        <p:nvPicPr>
-          <p:cNvPr id="9" name="Graphisme 8" descr="Flacon">
-            <a:extLst>
-              <a:ext uri="{FF2B5EF4-FFF2-40B4-BE49-F238E27FC236}">
-                <a16:creationId xmlns:a16="http://schemas.microsoft.com/office/drawing/2014/main" id="{B46E3E84-D1E6-4422-AA93-3EE98A821B98}"/>
-              </a:ext>
-            </a:extLst>
-          </p:cNvPr>
-          <p:cNvPicPr>
-            <a:picLocks noChangeAspect="1"/>
-          </p:cNvPicPr>
-          <p:nvPr/>
-        </p:nvPicPr>
-        <p:blipFill>
-          <a:blip r:embed="rId7">
-            <a:extLst>
-              <a:ext uri="{28A0092B-C50C-407E-A947-70E740481C1C}">
-                <a14:useLocalDpi xmlns:a14="http://schemas.microsoft.com/office/drawing/2010/main" val="0"/>
-              </a:ext>
-              <a:ext uri="{96DAC541-7B7A-43D3-8B79-37D633B846F1}">
-                <asvg:svgBlip xmlns:asvg="http://schemas.microsoft.com/office/drawing/2016/SVG/main" r:embed="rId8"/>
-              </a:ext>
-            </a:extLst>
-          </a:blip>
-          <a:stretch>
-            <a:fillRect/>
-          </a:stretch>
-        </p:blipFill>
-        <p:spPr>
-          <a:xfrm rot="20451125">
-            <a:off x="8514237" y="-118161"/>
-            <a:ext cx="3005286" cy="3005286"/>
-          </a:xfrm>
-          <a:prstGeom prst="rect">
-            <a:avLst/>
-          </a:prstGeom>
-        </p:spPr>
-      </p:pic>
-      <p:pic>
-        <p:nvPicPr>
-          <p:cNvPr id="13" name="Graphisme 12" descr="Réveil">
-            <a:extLst>
-              <a:ext uri="{FF2B5EF4-FFF2-40B4-BE49-F238E27FC236}">
-                <a16:creationId xmlns:a16="http://schemas.microsoft.com/office/drawing/2014/main" id="{6A56DF0C-1331-406E-AEE6-06E0E59FB9A8}"/>
-              </a:ext>
-            </a:extLst>
-          </p:cNvPr>
-          <p:cNvPicPr>
-            <a:picLocks noChangeAspect="1"/>
-          </p:cNvPicPr>
-          <p:nvPr/>
-        </p:nvPicPr>
-        <p:blipFill>
-          <a:blip r:embed="rId9">
-            <a:extLst>
-              <a:ext uri="{28A0092B-C50C-407E-A947-70E740481C1C}">
-                <a14:useLocalDpi xmlns:a14="http://schemas.microsoft.com/office/drawing/2010/main" val="0"/>
-              </a:ext>
-              <a:ext uri="{96DAC541-7B7A-43D3-8B79-37D633B846F1}">
-                <asvg:svgBlip xmlns:asvg="http://schemas.microsoft.com/office/drawing/2016/SVG/main" r:embed="rId10"/>
-              </a:ext>
-            </a:extLst>
-          </a:blip>
-          <a:srcRect/>
-          <a:stretch/>
-        </p:blipFill>
-        <p:spPr>
-          <a:xfrm rot="21078969">
-            <a:off x="1920309" y="4797205"/>
-            <a:ext cx="2453456" cy="2453456"/>
-          </a:xfrm>
-          <a:prstGeom prst="rect">
-            <a:avLst/>
-          </a:prstGeom>
-        </p:spPr>
-      </p:pic>
-      <p:pic>
-        <p:nvPicPr>
-          <p:cNvPr id="19" name="Graphique 18" descr="Règle">
-            <a:extLst>
-              <a:ext uri="{FF2B5EF4-FFF2-40B4-BE49-F238E27FC236}">
-                <a16:creationId xmlns:a16="http://schemas.microsoft.com/office/drawing/2014/main" id="{39130E3C-1E93-4315-AE76-13C55147DCF2}"/>
-              </a:ext>
-            </a:extLst>
-          </p:cNvPr>
-          <p:cNvPicPr>
-            <a:picLocks noChangeAspect="1"/>
-          </p:cNvPicPr>
-          <p:nvPr/>
-        </p:nvPicPr>
-        <p:blipFill>
-          <a:blip r:embed="rId11">
-            <a:extLst>
-              <a:ext uri="{28A0092B-C50C-407E-A947-70E740481C1C}">
-                <a14:useLocalDpi xmlns:a14="http://schemas.microsoft.com/office/drawing/2010/main" val="0"/>
-              </a:ext>
-              <a:ext uri="{96DAC541-7B7A-43D3-8B79-37D633B846F1}">
-                <asvg:svgBlip xmlns:asvg="http://schemas.microsoft.com/office/drawing/2016/SVG/main" r:embed="rId12"/>
-              </a:ext>
-            </a:extLst>
-          </a:blip>
-          <a:stretch>
-            <a:fillRect/>
-          </a:stretch>
-        </p:blipFill>
-        <p:spPr>
-          <a:xfrm rot="18889495">
-            <a:off x="10171718" y="145767"/>
-            <a:ext cx="1574403" cy="1574403"/>
-          </a:xfrm>
-          <a:prstGeom prst="rect">
-            <a:avLst/>
-          </a:prstGeom>
-        </p:spPr>
-      </p:pic>
-      <p:pic>
-        <p:nvPicPr>
-          <p:cNvPr id="21" name="Graphisme 20" descr="Crayon">
-            <a:extLst>
-              <a:ext uri="{FF2B5EF4-FFF2-40B4-BE49-F238E27FC236}">
-                <a16:creationId xmlns:a16="http://schemas.microsoft.com/office/drawing/2014/main" id="{FFEC1660-205F-490E-800A-0D57D250BAE4}"/>
-              </a:ext>
-            </a:extLst>
-          </p:cNvPr>
-          <p:cNvPicPr>
-            <a:picLocks noChangeAspect="1"/>
-          </p:cNvPicPr>
-          <p:nvPr/>
-        </p:nvPicPr>
-        <p:blipFill>
-          <a:blip r:embed="rId13">
-            <a:extLst>
-              <a:ext uri="{28A0092B-C50C-407E-A947-70E740481C1C}">
-                <a14:useLocalDpi xmlns:a14="http://schemas.microsoft.com/office/drawing/2010/main" val="0"/>
-              </a:ext>
-              <a:ext uri="{96DAC541-7B7A-43D3-8B79-37D633B846F1}">
-                <asvg:svgBlip xmlns:asvg="http://schemas.microsoft.com/office/drawing/2016/SVG/main" r:embed="rId14"/>
-              </a:ext>
-            </a:extLst>
-          </a:blip>
-          <a:stretch>
-            <a:fillRect/>
-          </a:stretch>
-        </p:blipFill>
-        <p:spPr>
-          <a:xfrm rot="20520790">
-            <a:off x="10917677" y="783939"/>
-            <a:ext cx="1488402" cy="1488402"/>
-          </a:xfrm>
-          <a:prstGeom prst="rect">
-            <a:avLst/>
-          </a:prstGeom>
-        </p:spPr>
-      </p:pic>
-    </p:spTree>
-    <p:extLst>
-      <p:ext uri="{BB962C8B-B14F-4D97-AF65-F5344CB8AC3E}">
-        <p14:creationId xmlns:p14="http://schemas.microsoft.com/office/powerpoint/2010/main" val="3889313593"/>
-      </p:ext>
-    </p:extLst>
-  </p:cSld>
-  <p:clrMapOvr>
-    <a:masterClrMapping/>
-  </p:clrMapOvr>
-</p:sld>
-</file>
-
 <file path=ppt/slides/slide2.xml><?xml version="1.0" encoding="utf-8"?>
 <p:sld xmlns:a="http://schemas.openxmlformats.org/drawingml/2006/main" xmlns:r="http://schemas.openxmlformats.org/officeDocument/2006/relationships" xmlns:p="http://schemas.openxmlformats.org/presentationml/2006/main">
   <p:cSld>
@@ -16489,34 +16721,282 @@
           </p:spPr>
         </p:pic>
       </p:grpSp>
-      <p:graphicFrame>
-        <p:nvGraphicFramePr>
-          <p:cNvPr id="9" name="Diagramme 8">
+      <p:sp>
+        <p:nvSpPr>
+          <p:cNvPr id="16" name="Rectangle : coins arrondis 15">
             <a:extLst>
               <a:ext uri="{FF2B5EF4-FFF2-40B4-BE49-F238E27FC236}">
-                <a16:creationId xmlns:a16="http://schemas.microsoft.com/office/drawing/2014/main" id="{EC8D02E7-CC9A-449E-9711-286D22E9ED30}"/>
+                <a16:creationId xmlns:a16="http://schemas.microsoft.com/office/drawing/2014/main" id="{55FBDEB4-6E56-4157-9F1A-4FB9D2FF69BF}"/>
               </a:ext>
             </a:extLst>
           </p:cNvPr>
-          <p:cNvGraphicFramePr/>
-          <p:nvPr>
-            <p:extLst>
-              <p:ext uri="{D42A27DB-BD31-4B8C-83A1-F6EECF244321}">
-                <p14:modId xmlns:p14="http://schemas.microsoft.com/office/powerpoint/2010/main" val="1524713138"/>
-              </p:ext>
-            </p:extLst>
-          </p:nvPr>
-        </p:nvGraphicFramePr>
-        <p:xfrm>
-          <a:off x="1115582" y="1590261"/>
-          <a:ext cx="7189931" cy="4548072"/>
-        </p:xfrm>
-        <a:graphic>
-          <a:graphicData uri="http://schemas.openxmlformats.org/drawingml/2006/diagram">
-            <dgm:relIds xmlns:dgm="http://schemas.openxmlformats.org/drawingml/2006/diagram" xmlns:r="http://schemas.openxmlformats.org/officeDocument/2006/relationships" r:dm="rId5" r:lo="rId6" r:qs="rId7" r:cs="rId8"/>
-          </a:graphicData>
-        </a:graphic>
-      </p:graphicFrame>
+          <p:cNvSpPr/>
+          <p:nvPr/>
+        </p:nvSpPr>
+        <p:spPr>
+          <a:xfrm>
+            <a:off x="4983337" y="1786914"/>
+            <a:ext cx="3377591" cy="1905806"/>
+          </a:xfrm>
+          <a:prstGeom prst="roundRect">
+            <a:avLst/>
+          </a:prstGeom>
+        </p:spPr>
+        <p:style>
+          <a:lnRef idx="2">
+            <a:schemeClr val="accent1">
+              <a:shade val="50000"/>
+            </a:schemeClr>
+          </a:lnRef>
+          <a:fillRef idx="1">
+            <a:schemeClr val="accent1"/>
+          </a:fillRef>
+          <a:effectRef idx="0">
+            <a:schemeClr val="accent1"/>
+          </a:effectRef>
+          <a:fontRef idx="minor">
+            <a:schemeClr val="lt1"/>
+          </a:fontRef>
+        </p:style>
+        <p:txBody>
+          <a:bodyPr rtlCol="0" anchor="ctr"/>
+          <a:lstStyle/>
+          <a:p>
+            <a:pPr algn="ctr"/>
+            <a:r>
+              <a:rPr lang="fr-FR" sz="2800" dirty="0">
+                <a:solidFill>
+                  <a:schemeClr val="bg1">
+                    <a:lumMod val="95000"/>
+                  </a:schemeClr>
+                </a:solidFill>
+                <a:latin typeface="Tahoma" panose="020B0604030504040204" pitchFamily="34" charset="0"/>
+                <a:ea typeface="Tahoma" panose="020B0604030504040204" pitchFamily="34" charset="0"/>
+                <a:cs typeface="Tahoma" panose="020B0604030504040204" pitchFamily="34" charset="0"/>
+              </a:rPr>
+              <a:t>Utilisation simple et intuitive de l’application web</a:t>
+            </a:r>
+            <a:endParaRPr lang="fr-FR" sz="2800" dirty="0">
+              <a:solidFill>
+                <a:schemeClr val="bg1">
+                  <a:lumMod val="95000"/>
+                </a:schemeClr>
+              </a:solidFill>
+            </a:endParaRPr>
+          </a:p>
+          <a:p>
+            <a:pPr algn="ctr"/>
+            <a:endParaRPr lang="fr-FR" dirty="0"/>
+          </a:p>
+        </p:txBody>
+      </p:sp>
+      <p:sp>
+        <p:nvSpPr>
+          <p:cNvPr id="17" name="Rectangle : coins arrondis 16">
+            <a:extLst>
+              <a:ext uri="{FF2B5EF4-FFF2-40B4-BE49-F238E27FC236}">
+                <a16:creationId xmlns:a16="http://schemas.microsoft.com/office/drawing/2014/main" id="{17D4A51A-F8C5-4A2E-AEE4-ECF0E485E43C}"/>
+              </a:ext>
+            </a:extLst>
+          </p:cNvPr>
+          <p:cNvSpPr/>
+          <p:nvPr/>
+        </p:nvSpPr>
+        <p:spPr>
+          <a:xfrm>
+            <a:off x="910999" y="1753746"/>
+            <a:ext cx="3377591" cy="1905806"/>
+          </a:xfrm>
+          <a:prstGeom prst="roundRect">
+            <a:avLst/>
+          </a:prstGeom>
+        </p:spPr>
+        <p:style>
+          <a:lnRef idx="2">
+            <a:schemeClr val="accent1">
+              <a:shade val="50000"/>
+            </a:schemeClr>
+          </a:lnRef>
+          <a:fillRef idx="1">
+            <a:schemeClr val="accent1"/>
+          </a:fillRef>
+          <a:effectRef idx="0">
+            <a:schemeClr val="accent1"/>
+          </a:effectRef>
+          <a:fontRef idx="minor">
+            <a:schemeClr val="lt1"/>
+          </a:fontRef>
+        </p:style>
+        <p:txBody>
+          <a:bodyPr rtlCol="0" anchor="ctr"/>
+          <a:lstStyle/>
+          <a:p>
+            <a:pPr lvl="0" algn="ctr"/>
+            <a:r>
+              <a:rPr lang="fr-FR" sz="2800" dirty="0">
+                <a:solidFill>
+                  <a:schemeClr val="bg1">
+                    <a:lumMod val="95000"/>
+                  </a:schemeClr>
+                </a:solidFill>
+                <a:latin typeface="Tahoma" panose="020B0604030504040204" pitchFamily="34" charset="0"/>
+                <a:ea typeface="Tahoma" panose="020B0604030504040204" pitchFamily="34" charset="0"/>
+                <a:cs typeface="Tahoma" panose="020B0604030504040204" pitchFamily="34" charset="0"/>
+              </a:rPr>
+              <a:t>Accès possible à partir de plusieurs appareils</a:t>
+            </a:r>
+            <a:endParaRPr lang="fr-FR" sz="2800" dirty="0">
+              <a:solidFill>
+                <a:schemeClr val="bg1">
+                  <a:lumMod val="95000"/>
+                </a:schemeClr>
+              </a:solidFill>
+            </a:endParaRPr>
+          </a:p>
+          <a:p>
+            <a:pPr algn="ctr"/>
+            <a:endParaRPr lang="fr-FR" dirty="0"/>
+          </a:p>
+        </p:txBody>
+      </p:sp>
+      <p:sp>
+        <p:nvSpPr>
+          <p:cNvPr id="18" name="Rectangle : coins arrondis 17">
+            <a:extLst>
+              <a:ext uri="{FF2B5EF4-FFF2-40B4-BE49-F238E27FC236}">
+                <a16:creationId xmlns:a16="http://schemas.microsoft.com/office/drawing/2014/main" id="{4D9CD003-EFF3-47B8-AD12-AAB961136D14}"/>
+              </a:ext>
+            </a:extLst>
+          </p:cNvPr>
+          <p:cNvSpPr/>
+          <p:nvPr/>
+        </p:nvSpPr>
+        <p:spPr>
+          <a:xfrm>
+            <a:off x="910999" y="4047421"/>
+            <a:ext cx="3377591" cy="1905806"/>
+          </a:xfrm>
+          <a:prstGeom prst="roundRect">
+            <a:avLst/>
+          </a:prstGeom>
+        </p:spPr>
+        <p:style>
+          <a:lnRef idx="2">
+            <a:schemeClr val="accent1">
+              <a:shade val="50000"/>
+            </a:schemeClr>
+          </a:lnRef>
+          <a:fillRef idx="1">
+            <a:schemeClr val="accent1"/>
+          </a:fillRef>
+          <a:effectRef idx="0">
+            <a:schemeClr val="accent1"/>
+          </a:effectRef>
+          <a:fontRef idx="minor">
+            <a:schemeClr val="lt1"/>
+          </a:fontRef>
+        </p:style>
+        <p:txBody>
+          <a:bodyPr rtlCol="0" anchor="ctr"/>
+          <a:lstStyle/>
+          <a:p>
+            <a:pPr lvl="0" algn="ctr"/>
+            <a:r>
+              <a:rPr lang="fr-FR" sz="2800" dirty="0">
+                <a:solidFill>
+                  <a:schemeClr val="bg1">
+                    <a:lumMod val="95000"/>
+                  </a:schemeClr>
+                </a:solidFill>
+                <a:latin typeface="Tahoma" panose="020B0604030504040204" pitchFamily="34" charset="0"/>
+                <a:ea typeface="Tahoma" panose="020B0604030504040204" pitchFamily="34" charset="0"/>
+                <a:cs typeface="Tahoma" panose="020B0604030504040204" pitchFamily="34" charset="0"/>
+              </a:rPr>
+              <a:t>Moins de gaspillage papiers</a:t>
+            </a:r>
+            <a:endParaRPr lang="fr-FR" sz="2800" dirty="0">
+              <a:solidFill>
+                <a:schemeClr val="bg1">
+                  <a:lumMod val="95000"/>
+                </a:schemeClr>
+              </a:solidFill>
+            </a:endParaRPr>
+          </a:p>
+          <a:p>
+            <a:pPr algn="ctr"/>
+            <a:endParaRPr lang="fr-FR" dirty="0"/>
+          </a:p>
+        </p:txBody>
+      </p:sp>
+      <p:sp>
+        <p:nvSpPr>
+          <p:cNvPr id="19" name="Rectangle : coins arrondis 18">
+            <a:extLst>
+              <a:ext uri="{FF2B5EF4-FFF2-40B4-BE49-F238E27FC236}">
+                <a16:creationId xmlns:a16="http://schemas.microsoft.com/office/drawing/2014/main" id="{5D2014CC-2545-4413-BC02-9384688D16D2}"/>
+              </a:ext>
+            </a:extLst>
+          </p:cNvPr>
+          <p:cNvSpPr/>
+          <p:nvPr/>
+        </p:nvSpPr>
+        <p:spPr>
+          <a:xfrm>
+            <a:off x="4879771" y="4056733"/>
+            <a:ext cx="3377591" cy="1905806"/>
+          </a:xfrm>
+          <a:prstGeom prst="roundRect">
+            <a:avLst/>
+          </a:prstGeom>
+        </p:spPr>
+        <p:style>
+          <a:lnRef idx="2">
+            <a:schemeClr val="accent1">
+              <a:shade val="50000"/>
+            </a:schemeClr>
+          </a:lnRef>
+          <a:fillRef idx="1">
+            <a:schemeClr val="accent1"/>
+          </a:fillRef>
+          <a:effectRef idx="0">
+            <a:schemeClr val="accent1"/>
+          </a:effectRef>
+          <a:fontRef idx="minor">
+            <a:schemeClr val="lt1"/>
+          </a:fontRef>
+        </p:style>
+        <p:txBody>
+          <a:bodyPr rtlCol="0" anchor="ctr"/>
+          <a:lstStyle/>
+          <a:p>
+            <a:pPr lvl="0"/>
+            <a:r>
+              <a:rPr lang="fr-FR" sz="2800" dirty="0">
+                <a:solidFill>
+                  <a:schemeClr val="bg1">
+                    <a:lumMod val="95000"/>
+                  </a:schemeClr>
+                </a:solidFill>
+                <a:latin typeface="Tahoma" panose="020B0604030504040204" pitchFamily="34" charset="0"/>
+                <a:ea typeface="Tahoma" panose="020B0604030504040204" pitchFamily="34" charset="0"/>
+                <a:cs typeface="Tahoma" panose="020B0604030504040204" pitchFamily="34" charset="0"/>
+              </a:rPr>
+              <a:t>Eviter la perte des notes manuscrites</a:t>
+            </a:r>
+            <a:endParaRPr lang="fr-FR" sz="2800" dirty="0">
+              <a:solidFill>
+                <a:schemeClr val="bg1">
+                  <a:lumMod val="95000"/>
+                </a:schemeClr>
+              </a:solidFill>
+            </a:endParaRPr>
+          </a:p>
+          <a:p>
+            <a:pPr algn="ctr"/>
+            <a:endParaRPr lang="fr-FR" dirty="0"/>
+          </a:p>
+        </p:txBody>
+      </p:sp>
     </p:spTree>
     <p:extLst>
       <p:ext uri="{BB962C8B-B14F-4D97-AF65-F5344CB8AC3E}">
@@ -16615,27 +17095,6 @@
         <p:txBody>
           <a:bodyPr rtlCol="0"/>
           <a:lstStyle/>
-          <a:p>
-            <a:pPr marL="0" indent="0" rtl="0">
-              <a:lnSpc>
-                <a:spcPct val="100000"/>
-              </a:lnSpc>
-              <a:buNone/>
-            </a:pPr>
-            <a:r>
-              <a:rPr lang="fr-FR" sz="2400" dirty="0">
-                <a:solidFill>
-                  <a:schemeClr val="accent5">
-                    <a:lumMod val="50000"/>
-                  </a:schemeClr>
-                </a:solidFill>
-                <a:latin typeface="Tahoma" panose="020B0604030504040204" pitchFamily="34" charset="0"/>
-                <a:ea typeface="Tahoma" panose="020B0604030504040204" pitchFamily="34" charset="0"/>
-                <a:cs typeface="Tahoma" panose="020B0604030504040204" pitchFamily="34" charset="0"/>
-              </a:rPr>
-              <a:t>  Page principale : plan de classe</a:t>
-            </a:r>
-          </a:p>
           <a:p>
             <a:pPr rtl="0">
               <a:lnSpc>
@@ -17015,42 +17474,34 @@
           </p:spPr>
         </p:pic>
       </p:grpSp>
-      <p:pic>
-        <p:nvPicPr>
-          <p:cNvPr id="13" name="Image 12" descr="Une image contenant intérieur, ordinateur, différent, table&#10;&#10;Description générée automatiquement">
+      <p:graphicFrame>
+        <p:nvGraphicFramePr>
+          <p:cNvPr id="14" name="Diagramme 13">
             <a:extLst>
               <a:ext uri="{FF2B5EF4-FFF2-40B4-BE49-F238E27FC236}">
-                <a16:creationId xmlns:a16="http://schemas.microsoft.com/office/drawing/2014/main" id="{7A4F74CB-6153-43B7-9BDF-A6AA717CEBA5}"/>
+                <a16:creationId xmlns:a16="http://schemas.microsoft.com/office/drawing/2014/main" id="{ACDE2F78-2201-42D7-92F6-EABE631DE9C6}"/>
               </a:ext>
             </a:extLst>
           </p:cNvPr>
-          <p:cNvPicPr>
-            <a:picLocks noChangeAspect="1"/>
-          </p:cNvPicPr>
-          <p:nvPr/>
-        </p:nvPicPr>
-        <p:blipFill>
-          <a:blip r:embed="rId5">
-            <a:extLst>
-              <a:ext uri="{28A0092B-C50C-407E-A947-70E740481C1C}">
-                <a14:useLocalDpi xmlns:a14="http://schemas.microsoft.com/office/drawing/2010/main" val="0"/>
-              </a:ext>
-            </a:extLst>
-          </a:blip>
-          <a:stretch>
-            <a:fillRect/>
-          </a:stretch>
-        </p:blipFill>
-        <p:spPr>
-          <a:xfrm>
-            <a:off x="758741" y="2226365"/>
-            <a:ext cx="7662201" cy="4384482"/>
-          </a:xfrm>
-          <a:prstGeom prst="rect">
-            <a:avLst/>
-          </a:prstGeom>
-        </p:spPr>
-      </p:pic>
+          <p:cNvGraphicFramePr/>
+          <p:nvPr>
+            <p:extLst>
+              <p:ext uri="{D42A27DB-BD31-4B8C-83A1-F6EECF244321}">
+                <p14:modId xmlns:p14="http://schemas.microsoft.com/office/powerpoint/2010/main" val="3977749613"/>
+              </p:ext>
+            </p:extLst>
+          </p:nvPr>
+        </p:nvGraphicFramePr>
+        <p:xfrm>
+          <a:off x="822014" y="1392382"/>
+          <a:ext cx="7304233" cy="4892857"/>
+        </p:xfrm>
+        <a:graphic>
+          <a:graphicData uri="http://schemas.openxmlformats.org/drawingml/2006/diagram">
+            <dgm:relIds xmlns:dgm="http://schemas.openxmlformats.org/drawingml/2006/diagram" xmlns:r="http://schemas.openxmlformats.org/officeDocument/2006/relationships" r:dm="rId5" r:lo="rId6" r:qs="rId7" r:cs="rId8"/>
+          </a:graphicData>
+        </a:graphic>
+      </p:graphicFrame>
     </p:spTree>
     <p:extLst>
       <p:ext uri="{BB962C8B-B14F-4D97-AF65-F5344CB8AC3E}">
@@ -17065,1073 +17516,6 @@
 </file>
 
 <file path=ppt/slides/slide6.xml><?xml version="1.0" encoding="utf-8"?>
-<p:sld xmlns:a="http://schemas.openxmlformats.org/drawingml/2006/main" xmlns:r="http://schemas.openxmlformats.org/officeDocument/2006/relationships" xmlns:p="http://schemas.openxmlformats.org/presentationml/2006/main">
-  <p:cSld>
-    <p:spTree>
-      <p:nvGrpSpPr>
-        <p:cNvPr id="1" name=""/>
-        <p:cNvGrpSpPr/>
-        <p:nvPr/>
-      </p:nvGrpSpPr>
-      <p:grpSpPr>
-        <a:xfrm>
-          <a:off x="0" y="0"/>
-          <a:ext cx="0" cy="0"/>
-          <a:chOff x="0" y="0"/>
-          <a:chExt cx="0" cy="0"/>
-        </a:xfrm>
-      </p:grpSpPr>
-      <p:sp>
-        <p:nvSpPr>
-          <p:cNvPr id="2" name="Titre 1">
-            <a:extLst>
-              <a:ext uri="{FF2B5EF4-FFF2-40B4-BE49-F238E27FC236}">
-                <a16:creationId xmlns:a16="http://schemas.microsoft.com/office/drawing/2014/main" id="{10742257-3980-4551-868A-26DC3CB821EE}"/>
-              </a:ext>
-            </a:extLst>
-          </p:cNvPr>
-          <p:cNvSpPr>
-            <a:spLocks noGrp="1"/>
-          </p:cNvSpPr>
-          <p:nvPr>
-            <p:ph type="title"/>
-          </p:nvPr>
-        </p:nvSpPr>
-        <p:spPr>
-          <a:xfrm>
-            <a:off x="521284" y="365125"/>
-            <a:ext cx="8378529" cy="1027257"/>
-          </a:xfrm>
-        </p:spPr>
-        <p:txBody>
-          <a:bodyPr rtlCol="0">
-            <a:normAutofit/>
-          </a:bodyPr>
-          <a:lstStyle/>
-          <a:p>
-            <a:pPr rtl="0"/>
-            <a:r>
-              <a:rPr lang="fr-FR" dirty="0">
-                <a:solidFill>
-                  <a:schemeClr val="accent5">
-                    <a:lumMod val="50000"/>
-                  </a:schemeClr>
-                </a:solidFill>
-                <a:latin typeface="Rockwell" panose="02060603020205020403" pitchFamily="18" charset="0"/>
-              </a:rPr>
-              <a:t>Contenu du site</a:t>
-            </a:r>
-          </a:p>
-        </p:txBody>
-      </p:sp>
-      <p:sp>
-        <p:nvSpPr>
-          <p:cNvPr id="3" name="Espace réservé du contenu 2">
-            <a:extLst>
-              <a:ext uri="{FF2B5EF4-FFF2-40B4-BE49-F238E27FC236}">
-                <a16:creationId xmlns:a16="http://schemas.microsoft.com/office/drawing/2014/main" id="{B57E0B0F-4D29-4786-B2AB-B84D9F8B5429}"/>
-              </a:ext>
-            </a:extLst>
-          </p:cNvPr>
-          <p:cNvSpPr>
-            <a:spLocks noGrp="1"/>
-          </p:cNvSpPr>
-          <p:nvPr>
-            <p:ph idx="1"/>
-          </p:nvPr>
-        </p:nvSpPr>
-        <p:spPr>
-          <a:xfrm>
-            <a:off x="521284" y="1641764"/>
-            <a:ext cx="8378529" cy="4351338"/>
-          </a:xfrm>
-        </p:spPr>
-        <p:txBody>
-          <a:bodyPr rtlCol="0"/>
-          <a:lstStyle/>
-          <a:p>
-            <a:pPr marL="0" indent="0" rtl="0">
-              <a:lnSpc>
-                <a:spcPct val="100000"/>
-              </a:lnSpc>
-              <a:buNone/>
-            </a:pPr>
-            <a:r>
-              <a:rPr lang="fr-FR" sz="2400" dirty="0">
-                <a:solidFill>
-                  <a:schemeClr val="accent5">
-                    <a:lumMod val="50000"/>
-                  </a:schemeClr>
-                </a:solidFill>
-                <a:latin typeface="Tahoma" panose="020B0604030504040204" pitchFamily="34" charset="0"/>
-                <a:ea typeface="Tahoma" panose="020B0604030504040204" pitchFamily="34" charset="0"/>
-                <a:cs typeface="Tahoma" panose="020B0604030504040204" pitchFamily="34" charset="0"/>
-              </a:rPr>
-              <a:t>  Page de création de classe</a:t>
-            </a:r>
-          </a:p>
-          <a:p>
-            <a:pPr rtl="0">
-              <a:lnSpc>
-                <a:spcPct val="100000"/>
-              </a:lnSpc>
-            </a:pPr>
-            <a:endParaRPr lang="fr-FR" sz="2400" dirty="0">
-              <a:solidFill>
-                <a:schemeClr val="accent5">
-                  <a:lumMod val="50000"/>
-                </a:schemeClr>
-              </a:solidFill>
-              <a:latin typeface="Tahoma" panose="020B0604030504040204" pitchFamily="34" charset="0"/>
-              <a:ea typeface="Tahoma" panose="020B0604030504040204" pitchFamily="34" charset="0"/>
-              <a:cs typeface="Tahoma" panose="020B0604030504040204" pitchFamily="34" charset="0"/>
-            </a:endParaRPr>
-          </a:p>
-          <a:p>
-            <a:pPr rtl="0">
-              <a:lnSpc>
-                <a:spcPct val="100000"/>
-              </a:lnSpc>
-            </a:pPr>
-            <a:endParaRPr lang="fr-FR" dirty="0">
-              <a:solidFill>
-                <a:schemeClr val="accent5">
-                  <a:lumMod val="50000"/>
-                </a:schemeClr>
-              </a:solidFill>
-            </a:endParaRPr>
-          </a:p>
-        </p:txBody>
-      </p:sp>
-      <p:grpSp>
-        <p:nvGrpSpPr>
-          <p:cNvPr id="9" name="Groupe 8">
-            <a:extLst>
-              <a:ext uri="{FF2B5EF4-FFF2-40B4-BE49-F238E27FC236}">
-                <a16:creationId xmlns:a16="http://schemas.microsoft.com/office/drawing/2014/main" id="{5EB226A9-D9EE-4576-B6BE-BA2E94C1613A}"/>
-              </a:ext>
-              <a:ext uri="{C183D7F6-B498-43B3-948B-1728B52AA6E4}">
-                <adec:decorative xmlns:adec="http://schemas.microsoft.com/office/drawing/2017/decorative" val="1"/>
-              </a:ext>
-            </a:extLst>
-          </p:cNvPr>
-          <p:cNvGrpSpPr/>
-          <p:nvPr/>
-        </p:nvGrpSpPr>
-        <p:grpSpPr>
-          <a:xfrm>
-            <a:off x="8936181" y="0"/>
-            <a:ext cx="3890553" cy="6904758"/>
-            <a:chOff x="8936181" y="0"/>
-            <a:chExt cx="3890553" cy="6904758"/>
-          </a:xfrm>
-        </p:grpSpPr>
-        <p:grpSp>
-          <p:nvGrpSpPr>
-            <p:cNvPr id="10" name="Groupe 9">
-              <a:extLst>
-                <a:ext uri="{FF2B5EF4-FFF2-40B4-BE49-F238E27FC236}">
-                  <a16:creationId xmlns:a16="http://schemas.microsoft.com/office/drawing/2014/main" id="{D4EF09CF-3362-453A-9463-F6669A9D3E01}"/>
-                </a:ext>
-              </a:extLst>
-            </p:cNvPr>
-            <p:cNvGrpSpPr/>
-            <p:nvPr/>
-          </p:nvGrpSpPr>
-          <p:grpSpPr>
-            <a:xfrm>
-              <a:off x="9055676" y="0"/>
-              <a:ext cx="3136324" cy="6858000"/>
-              <a:chOff x="9055676" y="0"/>
-              <a:chExt cx="3136324" cy="6858000"/>
-            </a:xfrm>
-          </p:grpSpPr>
-          <p:sp>
-            <p:nvSpPr>
-              <p:cNvPr id="4" name="Rectangle 3">
-                <a:extLst>
-                  <a:ext uri="{FF2B5EF4-FFF2-40B4-BE49-F238E27FC236}">
-                    <a16:creationId xmlns:a16="http://schemas.microsoft.com/office/drawing/2014/main" id="{403AE892-EBD6-40F1-851B-FEADBD59429F}"/>
-                  </a:ext>
-                </a:extLst>
-              </p:cNvPr>
-              <p:cNvSpPr/>
-              <p:nvPr/>
-            </p:nvSpPr>
-            <p:spPr>
-              <a:xfrm>
-                <a:off x="9221932" y="0"/>
-                <a:ext cx="2970068" cy="6858000"/>
-              </a:xfrm>
-              <a:prstGeom prst="rect">
-                <a:avLst/>
-              </a:prstGeom>
-              <a:solidFill>
-                <a:schemeClr val="accent5">
-                  <a:lumMod val="50000"/>
-                </a:schemeClr>
-              </a:solidFill>
-              <a:ln>
-                <a:noFill/>
-              </a:ln>
-            </p:spPr>
-            <p:style>
-              <a:lnRef idx="2">
-                <a:schemeClr val="accent1">
-                  <a:shade val="50000"/>
-                </a:schemeClr>
-              </a:lnRef>
-              <a:fillRef idx="1">
-                <a:schemeClr val="accent1"/>
-              </a:fillRef>
-              <a:effectRef idx="0">
-                <a:schemeClr val="accent1"/>
-              </a:effectRef>
-              <a:fontRef idx="minor">
-                <a:schemeClr val="lt1"/>
-              </a:fontRef>
-            </p:style>
-            <p:txBody>
-              <a:bodyPr rtlCol="0" anchor="ctr"/>
-              <a:lstStyle/>
-              <a:p>
-                <a:pPr algn="ctr" rtl="0"/>
-                <a:endParaRPr lang="fr-FR"/>
-              </a:p>
-            </p:txBody>
-          </p:sp>
-          <p:sp>
-            <p:nvSpPr>
-              <p:cNvPr id="5" name="Rectangle 4">
-                <a:extLst>
-                  <a:ext uri="{FF2B5EF4-FFF2-40B4-BE49-F238E27FC236}">
-                    <a16:creationId xmlns:a16="http://schemas.microsoft.com/office/drawing/2014/main" id="{54318653-1A38-442C-BA0F-F2C51149BCFF}"/>
-                  </a:ext>
-                </a:extLst>
-              </p:cNvPr>
-              <p:cNvSpPr/>
-              <p:nvPr/>
-            </p:nvSpPr>
-            <p:spPr>
-              <a:xfrm>
-                <a:off x="9055676" y="0"/>
-                <a:ext cx="166255" cy="6858000"/>
-              </a:xfrm>
-              <a:prstGeom prst="rect">
-                <a:avLst/>
-              </a:prstGeom>
-              <a:solidFill>
-                <a:schemeClr val="accent2"/>
-              </a:solidFill>
-              <a:ln>
-                <a:noFill/>
-              </a:ln>
-            </p:spPr>
-            <p:style>
-              <a:lnRef idx="2">
-                <a:schemeClr val="accent1">
-                  <a:shade val="50000"/>
-                </a:schemeClr>
-              </a:lnRef>
-              <a:fillRef idx="1">
-                <a:schemeClr val="accent1"/>
-              </a:fillRef>
-              <a:effectRef idx="0">
-                <a:schemeClr val="accent1"/>
-              </a:effectRef>
-              <a:fontRef idx="minor">
-                <a:schemeClr val="lt1"/>
-              </a:fontRef>
-            </p:style>
-            <p:txBody>
-              <a:bodyPr rtlCol="0" anchor="ctr"/>
-              <a:lstStyle/>
-              <a:p>
-                <a:pPr algn="ctr" rtl="0"/>
-                <a:endParaRPr lang="fr-FR"/>
-              </a:p>
-            </p:txBody>
-          </p:sp>
-          <p:sp>
-            <p:nvSpPr>
-              <p:cNvPr id="6" name="Rectangle 5">
-                <a:extLst>
-                  <a:ext uri="{FF2B5EF4-FFF2-40B4-BE49-F238E27FC236}">
-                    <a16:creationId xmlns:a16="http://schemas.microsoft.com/office/drawing/2014/main" id="{C25D63D1-E9CE-42BF-BD4D-374FD0293155}"/>
-                  </a:ext>
-                </a:extLst>
-              </p:cNvPr>
-              <p:cNvSpPr/>
-              <p:nvPr/>
-            </p:nvSpPr>
-            <p:spPr>
-              <a:xfrm>
-                <a:off x="9221932" y="0"/>
-                <a:ext cx="114301" cy="6858000"/>
-              </a:xfrm>
-              <a:prstGeom prst="rect">
-                <a:avLst/>
-              </a:prstGeom>
-              <a:solidFill>
-                <a:srgbClr val="FFD347"/>
-              </a:solidFill>
-              <a:ln>
-                <a:noFill/>
-              </a:ln>
-            </p:spPr>
-            <p:style>
-              <a:lnRef idx="2">
-                <a:schemeClr val="accent1">
-                  <a:shade val="50000"/>
-                </a:schemeClr>
-              </a:lnRef>
-              <a:fillRef idx="1">
-                <a:schemeClr val="accent1"/>
-              </a:fillRef>
-              <a:effectRef idx="0">
-                <a:schemeClr val="accent1"/>
-              </a:effectRef>
-              <a:fontRef idx="minor">
-                <a:schemeClr val="lt1"/>
-              </a:fontRef>
-            </p:style>
-            <p:txBody>
-              <a:bodyPr rtlCol="0" anchor="ctr"/>
-              <a:lstStyle/>
-              <a:p>
-                <a:pPr algn="ctr" rtl="0"/>
-                <a:endParaRPr lang="fr-FR"/>
-              </a:p>
-            </p:txBody>
-          </p:sp>
-          <p:sp>
-            <p:nvSpPr>
-              <p:cNvPr id="7" name="Rectangle 6">
-                <a:extLst>
-                  <a:ext uri="{FF2B5EF4-FFF2-40B4-BE49-F238E27FC236}">
-                    <a16:creationId xmlns:a16="http://schemas.microsoft.com/office/drawing/2014/main" id="{BA4EE865-9F0D-4531-A737-E13A557C0277}"/>
-                  </a:ext>
-                </a:extLst>
-              </p:cNvPr>
-              <p:cNvSpPr/>
-              <p:nvPr/>
-            </p:nvSpPr>
-            <p:spPr>
-              <a:xfrm>
-                <a:off x="9336233" y="0"/>
-                <a:ext cx="150667" cy="6858000"/>
-              </a:xfrm>
-              <a:prstGeom prst="rect">
-                <a:avLst/>
-              </a:prstGeom>
-              <a:solidFill>
-                <a:schemeClr val="accent6"/>
-              </a:solidFill>
-              <a:ln>
-                <a:noFill/>
-              </a:ln>
-            </p:spPr>
-            <p:style>
-              <a:lnRef idx="2">
-                <a:schemeClr val="accent1">
-                  <a:shade val="50000"/>
-                </a:schemeClr>
-              </a:lnRef>
-              <a:fillRef idx="1">
-                <a:schemeClr val="accent1"/>
-              </a:fillRef>
-              <a:effectRef idx="0">
-                <a:schemeClr val="accent1"/>
-              </a:effectRef>
-              <a:fontRef idx="minor">
-                <a:schemeClr val="lt1"/>
-              </a:fontRef>
-            </p:style>
-            <p:txBody>
-              <a:bodyPr rtlCol="0" anchor="ctr"/>
-              <a:lstStyle/>
-              <a:p>
-                <a:pPr algn="ctr" rtl="0"/>
-                <a:endParaRPr lang="fr-FR"/>
-              </a:p>
-            </p:txBody>
-          </p:sp>
-          <p:sp>
-            <p:nvSpPr>
-              <p:cNvPr id="8" name="Rectangle 7">
-                <a:extLst>
-                  <a:ext uri="{FF2B5EF4-FFF2-40B4-BE49-F238E27FC236}">
-                    <a16:creationId xmlns:a16="http://schemas.microsoft.com/office/drawing/2014/main" id="{6A1183CB-C5B0-498A-A49C-4180134C74B0}"/>
-                  </a:ext>
-                </a:extLst>
-              </p:cNvPr>
-              <p:cNvSpPr/>
-              <p:nvPr/>
-            </p:nvSpPr>
-            <p:spPr>
-              <a:xfrm>
-                <a:off x="9336233" y="0"/>
-                <a:ext cx="57150" cy="6858000"/>
-              </a:xfrm>
-              <a:prstGeom prst="rect">
-                <a:avLst/>
-              </a:prstGeom>
-              <a:solidFill>
-                <a:schemeClr val="bg1"/>
-              </a:solidFill>
-              <a:ln>
-                <a:noFill/>
-              </a:ln>
-            </p:spPr>
-            <p:style>
-              <a:lnRef idx="2">
-                <a:schemeClr val="accent1">
-                  <a:shade val="50000"/>
-                </a:schemeClr>
-              </a:lnRef>
-              <a:fillRef idx="1">
-                <a:schemeClr val="accent1"/>
-              </a:fillRef>
-              <a:effectRef idx="0">
-                <a:schemeClr val="accent1"/>
-              </a:effectRef>
-              <a:fontRef idx="minor">
-                <a:schemeClr val="lt1"/>
-              </a:fontRef>
-            </p:style>
-            <p:txBody>
-              <a:bodyPr rtlCol="0" anchor="ctr"/>
-              <a:lstStyle/>
-              <a:p>
-                <a:pPr algn="ctr" rtl="0"/>
-                <a:endParaRPr lang="fr-FR"/>
-              </a:p>
-            </p:txBody>
-          </p:sp>
-        </p:grpSp>
-        <p:pic>
-          <p:nvPicPr>
-            <p:cNvPr id="11" name="Graphique 10" descr="Microscope">
-              <a:extLst>
-                <a:ext uri="{FF2B5EF4-FFF2-40B4-BE49-F238E27FC236}">
-                  <a16:creationId xmlns:a16="http://schemas.microsoft.com/office/drawing/2014/main" id="{A9B090FE-5998-4BAC-AB8D-6F40D44C8133}"/>
-                </a:ext>
-              </a:extLst>
-            </p:cNvPr>
-            <p:cNvPicPr>
-              <a:picLocks noChangeAspect="1"/>
-            </p:cNvPicPr>
-            <p:nvPr/>
-          </p:nvPicPr>
-          <p:blipFill>
-            <a:blip r:embed="rId3">
-              <a:extLst>
-                <a:ext uri="{28A0092B-C50C-407E-A947-70E740481C1C}">
-                  <a14:useLocalDpi xmlns:a14="http://schemas.microsoft.com/office/drawing/2010/main" val="0"/>
-                </a:ext>
-                <a:ext uri="{96DAC541-7B7A-43D3-8B79-37D633B846F1}">
-                  <asvg:svgBlip xmlns:asvg="http://schemas.microsoft.com/office/drawing/2016/SVG/main" r:embed="rId4"/>
-                </a:ext>
-              </a:extLst>
-            </a:blip>
-            <a:stretch>
-              <a:fillRect/>
-            </a:stretch>
-          </p:blipFill>
-          <p:spPr>
-            <a:xfrm flipH="1">
-              <a:off x="8936181" y="3014205"/>
-              <a:ext cx="3890553" cy="3890553"/>
-            </a:xfrm>
-            <a:prstGeom prst="rect">
-              <a:avLst/>
-            </a:prstGeom>
-          </p:spPr>
-        </p:pic>
-      </p:grpSp>
-      <p:pic>
-        <p:nvPicPr>
-          <p:cNvPr id="14" name="Image 13" descr="Une image contenant assis, ordinateur, guichet, table&#10;&#10;Description générée automatiquement">
-            <a:extLst>
-              <a:ext uri="{FF2B5EF4-FFF2-40B4-BE49-F238E27FC236}">
-                <a16:creationId xmlns:a16="http://schemas.microsoft.com/office/drawing/2014/main" id="{2AC86E2C-40AE-46E8-8813-529C2A55428F}"/>
-              </a:ext>
-            </a:extLst>
-          </p:cNvPr>
-          <p:cNvPicPr>
-            <a:picLocks noChangeAspect="1"/>
-          </p:cNvPicPr>
-          <p:nvPr/>
-        </p:nvPicPr>
-        <p:blipFill>
-          <a:blip r:embed="rId5">
-            <a:extLst>
-              <a:ext uri="{28A0092B-C50C-407E-A947-70E740481C1C}">
-                <a14:useLocalDpi xmlns:a14="http://schemas.microsoft.com/office/drawing/2010/main" val="0"/>
-              </a:ext>
-            </a:extLst>
-          </a:blip>
-          <a:stretch>
-            <a:fillRect/>
-          </a:stretch>
-        </p:blipFill>
-        <p:spPr>
-          <a:xfrm>
-            <a:off x="974769" y="2208015"/>
-            <a:ext cx="7497204" cy="4284860"/>
-          </a:xfrm>
-          <a:prstGeom prst="rect">
-            <a:avLst/>
-          </a:prstGeom>
-        </p:spPr>
-      </p:pic>
-    </p:spTree>
-    <p:extLst>
-      <p:ext uri="{BB962C8B-B14F-4D97-AF65-F5344CB8AC3E}">
-        <p14:creationId xmlns:p14="http://schemas.microsoft.com/office/powerpoint/2010/main" val="2132816246"/>
-      </p:ext>
-    </p:extLst>
-  </p:cSld>
-  <p:clrMapOvr>
-    <a:masterClrMapping/>
-  </p:clrMapOvr>
-</p:sld>
-</file>
-
-<file path=ppt/slides/slide7.xml><?xml version="1.0" encoding="utf-8"?>
-<p:sld xmlns:a="http://schemas.openxmlformats.org/drawingml/2006/main" xmlns:r="http://schemas.openxmlformats.org/officeDocument/2006/relationships" xmlns:p="http://schemas.openxmlformats.org/presentationml/2006/main">
-  <p:cSld>
-    <p:spTree>
-      <p:nvGrpSpPr>
-        <p:cNvPr id="1" name=""/>
-        <p:cNvGrpSpPr/>
-        <p:nvPr/>
-      </p:nvGrpSpPr>
-      <p:grpSpPr>
-        <a:xfrm>
-          <a:off x="0" y="0"/>
-          <a:ext cx="0" cy="0"/>
-          <a:chOff x="0" y="0"/>
-          <a:chExt cx="0" cy="0"/>
-        </a:xfrm>
-      </p:grpSpPr>
-      <p:sp>
-        <p:nvSpPr>
-          <p:cNvPr id="2" name="Titre 1">
-            <a:extLst>
-              <a:ext uri="{FF2B5EF4-FFF2-40B4-BE49-F238E27FC236}">
-                <a16:creationId xmlns:a16="http://schemas.microsoft.com/office/drawing/2014/main" id="{10742257-3980-4551-868A-26DC3CB821EE}"/>
-              </a:ext>
-            </a:extLst>
-          </p:cNvPr>
-          <p:cNvSpPr>
-            <a:spLocks noGrp="1"/>
-          </p:cNvSpPr>
-          <p:nvPr>
-            <p:ph type="title"/>
-          </p:nvPr>
-        </p:nvSpPr>
-        <p:spPr>
-          <a:xfrm>
-            <a:off x="521284" y="365125"/>
-            <a:ext cx="8378529" cy="1027257"/>
-          </a:xfrm>
-        </p:spPr>
-        <p:txBody>
-          <a:bodyPr rtlCol="0">
-            <a:normAutofit/>
-          </a:bodyPr>
-          <a:lstStyle/>
-          <a:p>
-            <a:pPr rtl="0"/>
-            <a:r>
-              <a:rPr lang="fr-FR" dirty="0">
-                <a:solidFill>
-                  <a:schemeClr val="accent5">
-                    <a:lumMod val="50000"/>
-                  </a:schemeClr>
-                </a:solidFill>
-                <a:latin typeface="Rockwell" panose="02060603020205020403" pitchFamily="18" charset="0"/>
-              </a:rPr>
-              <a:t>Contenu du site</a:t>
-            </a:r>
-          </a:p>
-        </p:txBody>
-      </p:sp>
-      <p:sp>
-        <p:nvSpPr>
-          <p:cNvPr id="3" name="Espace réservé du contenu 2">
-            <a:extLst>
-              <a:ext uri="{FF2B5EF4-FFF2-40B4-BE49-F238E27FC236}">
-                <a16:creationId xmlns:a16="http://schemas.microsoft.com/office/drawing/2014/main" id="{B57E0B0F-4D29-4786-B2AB-B84D9F8B5429}"/>
-              </a:ext>
-            </a:extLst>
-          </p:cNvPr>
-          <p:cNvSpPr>
-            <a:spLocks noGrp="1"/>
-          </p:cNvSpPr>
-          <p:nvPr>
-            <p:ph idx="1"/>
-          </p:nvPr>
-        </p:nvSpPr>
-        <p:spPr>
-          <a:xfrm>
-            <a:off x="521284" y="1641764"/>
-            <a:ext cx="8378529" cy="4351338"/>
-          </a:xfrm>
-        </p:spPr>
-        <p:txBody>
-          <a:bodyPr rtlCol="0"/>
-          <a:lstStyle/>
-          <a:p>
-            <a:pPr marL="0" indent="0" rtl="0">
-              <a:lnSpc>
-                <a:spcPct val="100000"/>
-              </a:lnSpc>
-              <a:buNone/>
-            </a:pPr>
-            <a:r>
-              <a:rPr lang="fr-FR" sz="2400" dirty="0">
-                <a:solidFill>
-                  <a:schemeClr val="accent5">
-                    <a:lumMod val="50000"/>
-                  </a:schemeClr>
-                </a:solidFill>
-                <a:latin typeface="Tahoma" panose="020B0604030504040204" pitchFamily="34" charset="0"/>
-                <a:ea typeface="Tahoma" panose="020B0604030504040204" pitchFamily="34" charset="0"/>
-                <a:cs typeface="Tahoma" panose="020B0604030504040204" pitchFamily="34" charset="0"/>
-              </a:rPr>
-              <a:t>  Page de modification de classe</a:t>
-            </a:r>
-          </a:p>
-          <a:p>
-            <a:pPr rtl="0">
-              <a:lnSpc>
-                <a:spcPct val="100000"/>
-              </a:lnSpc>
-            </a:pPr>
-            <a:endParaRPr lang="fr-FR" sz="2400" dirty="0">
-              <a:solidFill>
-                <a:schemeClr val="accent5">
-                  <a:lumMod val="50000"/>
-                </a:schemeClr>
-              </a:solidFill>
-              <a:latin typeface="Tahoma" panose="020B0604030504040204" pitchFamily="34" charset="0"/>
-              <a:ea typeface="Tahoma" panose="020B0604030504040204" pitchFamily="34" charset="0"/>
-              <a:cs typeface="Tahoma" panose="020B0604030504040204" pitchFamily="34" charset="0"/>
-            </a:endParaRPr>
-          </a:p>
-          <a:p>
-            <a:pPr rtl="0">
-              <a:lnSpc>
-                <a:spcPct val="100000"/>
-              </a:lnSpc>
-            </a:pPr>
-            <a:endParaRPr lang="fr-FR" dirty="0">
-              <a:solidFill>
-                <a:schemeClr val="accent5">
-                  <a:lumMod val="50000"/>
-                </a:schemeClr>
-              </a:solidFill>
-            </a:endParaRPr>
-          </a:p>
-        </p:txBody>
-      </p:sp>
-      <p:grpSp>
-        <p:nvGrpSpPr>
-          <p:cNvPr id="9" name="Groupe 8">
-            <a:extLst>
-              <a:ext uri="{FF2B5EF4-FFF2-40B4-BE49-F238E27FC236}">
-                <a16:creationId xmlns:a16="http://schemas.microsoft.com/office/drawing/2014/main" id="{5EB226A9-D9EE-4576-B6BE-BA2E94C1613A}"/>
-              </a:ext>
-              <a:ext uri="{C183D7F6-B498-43B3-948B-1728B52AA6E4}">
-                <adec:decorative xmlns:adec="http://schemas.microsoft.com/office/drawing/2017/decorative" val="1"/>
-              </a:ext>
-            </a:extLst>
-          </p:cNvPr>
-          <p:cNvGrpSpPr/>
-          <p:nvPr/>
-        </p:nvGrpSpPr>
-        <p:grpSpPr>
-          <a:xfrm>
-            <a:off x="8936181" y="0"/>
-            <a:ext cx="3890553" cy="6904758"/>
-            <a:chOff x="8936181" y="0"/>
-            <a:chExt cx="3890553" cy="6904758"/>
-          </a:xfrm>
-        </p:grpSpPr>
-        <p:grpSp>
-          <p:nvGrpSpPr>
-            <p:cNvPr id="10" name="Groupe 9">
-              <a:extLst>
-                <a:ext uri="{FF2B5EF4-FFF2-40B4-BE49-F238E27FC236}">
-                  <a16:creationId xmlns:a16="http://schemas.microsoft.com/office/drawing/2014/main" id="{D4EF09CF-3362-453A-9463-F6669A9D3E01}"/>
-                </a:ext>
-              </a:extLst>
-            </p:cNvPr>
-            <p:cNvGrpSpPr/>
-            <p:nvPr/>
-          </p:nvGrpSpPr>
-          <p:grpSpPr>
-            <a:xfrm>
-              <a:off x="9055676" y="0"/>
-              <a:ext cx="3136324" cy="6858000"/>
-              <a:chOff x="9055676" y="0"/>
-              <a:chExt cx="3136324" cy="6858000"/>
-            </a:xfrm>
-          </p:grpSpPr>
-          <p:sp>
-            <p:nvSpPr>
-              <p:cNvPr id="4" name="Rectangle 3">
-                <a:extLst>
-                  <a:ext uri="{FF2B5EF4-FFF2-40B4-BE49-F238E27FC236}">
-                    <a16:creationId xmlns:a16="http://schemas.microsoft.com/office/drawing/2014/main" id="{403AE892-EBD6-40F1-851B-FEADBD59429F}"/>
-                  </a:ext>
-                </a:extLst>
-              </p:cNvPr>
-              <p:cNvSpPr/>
-              <p:nvPr/>
-            </p:nvSpPr>
-            <p:spPr>
-              <a:xfrm>
-                <a:off x="9221932" y="0"/>
-                <a:ext cx="2970068" cy="6858000"/>
-              </a:xfrm>
-              <a:prstGeom prst="rect">
-                <a:avLst/>
-              </a:prstGeom>
-              <a:solidFill>
-                <a:schemeClr val="accent5">
-                  <a:lumMod val="50000"/>
-                </a:schemeClr>
-              </a:solidFill>
-              <a:ln>
-                <a:noFill/>
-              </a:ln>
-            </p:spPr>
-            <p:style>
-              <a:lnRef idx="2">
-                <a:schemeClr val="accent1">
-                  <a:shade val="50000"/>
-                </a:schemeClr>
-              </a:lnRef>
-              <a:fillRef idx="1">
-                <a:schemeClr val="accent1"/>
-              </a:fillRef>
-              <a:effectRef idx="0">
-                <a:schemeClr val="accent1"/>
-              </a:effectRef>
-              <a:fontRef idx="minor">
-                <a:schemeClr val="lt1"/>
-              </a:fontRef>
-            </p:style>
-            <p:txBody>
-              <a:bodyPr rtlCol="0" anchor="ctr"/>
-              <a:lstStyle/>
-              <a:p>
-                <a:pPr algn="ctr" rtl="0"/>
-                <a:endParaRPr lang="fr-FR"/>
-              </a:p>
-            </p:txBody>
-          </p:sp>
-          <p:sp>
-            <p:nvSpPr>
-              <p:cNvPr id="5" name="Rectangle 4">
-                <a:extLst>
-                  <a:ext uri="{FF2B5EF4-FFF2-40B4-BE49-F238E27FC236}">
-                    <a16:creationId xmlns:a16="http://schemas.microsoft.com/office/drawing/2014/main" id="{54318653-1A38-442C-BA0F-F2C51149BCFF}"/>
-                  </a:ext>
-                </a:extLst>
-              </p:cNvPr>
-              <p:cNvSpPr/>
-              <p:nvPr/>
-            </p:nvSpPr>
-            <p:spPr>
-              <a:xfrm>
-                <a:off x="9055676" y="0"/>
-                <a:ext cx="166255" cy="6858000"/>
-              </a:xfrm>
-              <a:prstGeom prst="rect">
-                <a:avLst/>
-              </a:prstGeom>
-              <a:solidFill>
-                <a:schemeClr val="accent2"/>
-              </a:solidFill>
-              <a:ln>
-                <a:noFill/>
-              </a:ln>
-            </p:spPr>
-            <p:style>
-              <a:lnRef idx="2">
-                <a:schemeClr val="accent1">
-                  <a:shade val="50000"/>
-                </a:schemeClr>
-              </a:lnRef>
-              <a:fillRef idx="1">
-                <a:schemeClr val="accent1"/>
-              </a:fillRef>
-              <a:effectRef idx="0">
-                <a:schemeClr val="accent1"/>
-              </a:effectRef>
-              <a:fontRef idx="minor">
-                <a:schemeClr val="lt1"/>
-              </a:fontRef>
-            </p:style>
-            <p:txBody>
-              <a:bodyPr rtlCol="0" anchor="ctr"/>
-              <a:lstStyle/>
-              <a:p>
-                <a:pPr algn="ctr" rtl="0"/>
-                <a:endParaRPr lang="fr-FR"/>
-              </a:p>
-            </p:txBody>
-          </p:sp>
-          <p:sp>
-            <p:nvSpPr>
-              <p:cNvPr id="6" name="Rectangle 5">
-                <a:extLst>
-                  <a:ext uri="{FF2B5EF4-FFF2-40B4-BE49-F238E27FC236}">
-                    <a16:creationId xmlns:a16="http://schemas.microsoft.com/office/drawing/2014/main" id="{C25D63D1-E9CE-42BF-BD4D-374FD0293155}"/>
-                  </a:ext>
-                </a:extLst>
-              </p:cNvPr>
-              <p:cNvSpPr/>
-              <p:nvPr/>
-            </p:nvSpPr>
-            <p:spPr>
-              <a:xfrm>
-                <a:off x="9221932" y="0"/>
-                <a:ext cx="114301" cy="6858000"/>
-              </a:xfrm>
-              <a:prstGeom prst="rect">
-                <a:avLst/>
-              </a:prstGeom>
-              <a:solidFill>
-                <a:srgbClr val="FFD347"/>
-              </a:solidFill>
-              <a:ln>
-                <a:noFill/>
-              </a:ln>
-            </p:spPr>
-            <p:style>
-              <a:lnRef idx="2">
-                <a:schemeClr val="accent1">
-                  <a:shade val="50000"/>
-                </a:schemeClr>
-              </a:lnRef>
-              <a:fillRef idx="1">
-                <a:schemeClr val="accent1"/>
-              </a:fillRef>
-              <a:effectRef idx="0">
-                <a:schemeClr val="accent1"/>
-              </a:effectRef>
-              <a:fontRef idx="minor">
-                <a:schemeClr val="lt1"/>
-              </a:fontRef>
-            </p:style>
-            <p:txBody>
-              <a:bodyPr rtlCol="0" anchor="ctr"/>
-              <a:lstStyle/>
-              <a:p>
-                <a:pPr algn="ctr" rtl="0"/>
-                <a:endParaRPr lang="fr-FR"/>
-              </a:p>
-            </p:txBody>
-          </p:sp>
-          <p:sp>
-            <p:nvSpPr>
-              <p:cNvPr id="7" name="Rectangle 6">
-                <a:extLst>
-                  <a:ext uri="{FF2B5EF4-FFF2-40B4-BE49-F238E27FC236}">
-                    <a16:creationId xmlns:a16="http://schemas.microsoft.com/office/drawing/2014/main" id="{BA4EE865-9F0D-4531-A737-E13A557C0277}"/>
-                  </a:ext>
-                </a:extLst>
-              </p:cNvPr>
-              <p:cNvSpPr/>
-              <p:nvPr/>
-            </p:nvSpPr>
-            <p:spPr>
-              <a:xfrm>
-                <a:off x="9336233" y="0"/>
-                <a:ext cx="150667" cy="6858000"/>
-              </a:xfrm>
-              <a:prstGeom prst="rect">
-                <a:avLst/>
-              </a:prstGeom>
-              <a:solidFill>
-                <a:schemeClr val="accent6"/>
-              </a:solidFill>
-              <a:ln>
-                <a:noFill/>
-              </a:ln>
-            </p:spPr>
-            <p:style>
-              <a:lnRef idx="2">
-                <a:schemeClr val="accent1">
-                  <a:shade val="50000"/>
-                </a:schemeClr>
-              </a:lnRef>
-              <a:fillRef idx="1">
-                <a:schemeClr val="accent1"/>
-              </a:fillRef>
-              <a:effectRef idx="0">
-                <a:schemeClr val="accent1"/>
-              </a:effectRef>
-              <a:fontRef idx="minor">
-                <a:schemeClr val="lt1"/>
-              </a:fontRef>
-            </p:style>
-            <p:txBody>
-              <a:bodyPr rtlCol="0" anchor="ctr"/>
-              <a:lstStyle/>
-              <a:p>
-                <a:pPr algn="ctr" rtl="0"/>
-                <a:endParaRPr lang="fr-FR"/>
-              </a:p>
-            </p:txBody>
-          </p:sp>
-          <p:sp>
-            <p:nvSpPr>
-              <p:cNvPr id="8" name="Rectangle 7">
-                <a:extLst>
-                  <a:ext uri="{FF2B5EF4-FFF2-40B4-BE49-F238E27FC236}">
-                    <a16:creationId xmlns:a16="http://schemas.microsoft.com/office/drawing/2014/main" id="{6A1183CB-C5B0-498A-A49C-4180134C74B0}"/>
-                  </a:ext>
-                </a:extLst>
-              </p:cNvPr>
-              <p:cNvSpPr/>
-              <p:nvPr/>
-            </p:nvSpPr>
-            <p:spPr>
-              <a:xfrm>
-                <a:off x="9336233" y="0"/>
-                <a:ext cx="57150" cy="6858000"/>
-              </a:xfrm>
-              <a:prstGeom prst="rect">
-                <a:avLst/>
-              </a:prstGeom>
-              <a:solidFill>
-                <a:schemeClr val="bg1"/>
-              </a:solidFill>
-              <a:ln>
-                <a:noFill/>
-              </a:ln>
-            </p:spPr>
-            <p:style>
-              <a:lnRef idx="2">
-                <a:schemeClr val="accent1">
-                  <a:shade val="50000"/>
-                </a:schemeClr>
-              </a:lnRef>
-              <a:fillRef idx="1">
-                <a:schemeClr val="accent1"/>
-              </a:fillRef>
-              <a:effectRef idx="0">
-                <a:schemeClr val="accent1"/>
-              </a:effectRef>
-              <a:fontRef idx="minor">
-                <a:schemeClr val="lt1"/>
-              </a:fontRef>
-            </p:style>
-            <p:txBody>
-              <a:bodyPr rtlCol="0" anchor="ctr"/>
-              <a:lstStyle/>
-              <a:p>
-                <a:pPr algn="ctr" rtl="0"/>
-                <a:endParaRPr lang="fr-FR"/>
-              </a:p>
-            </p:txBody>
-          </p:sp>
-        </p:grpSp>
-        <p:pic>
-          <p:nvPicPr>
-            <p:cNvPr id="11" name="Graphique 10" descr="Microscope">
-              <a:extLst>
-                <a:ext uri="{FF2B5EF4-FFF2-40B4-BE49-F238E27FC236}">
-                  <a16:creationId xmlns:a16="http://schemas.microsoft.com/office/drawing/2014/main" id="{A9B090FE-5998-4BAC-AB8D-6F40D44C8133}"/>
-                </a:ext>
-              </a:extLst>
-            </p:cNvPr>
-            <p:cNvPicPr>
-              <a:picLocks noChangeAspect="1"/>
-            </p:cNvPicPr>
-            <p:nvPr/>
-          </p:nvPicPr>
-          <p:blipFill>
-            <a:blip r:embed="rId3">
-              <a:extLst>
-                <a:ext uri="{28A0092B-C50C-407E-A947-70E740481C1C}">
-                  <a14:useLocalDpi xmlns:a14="http://schemas.microsoft.com/office/drawing/2010/main" val="0"/>
-                </a:ext>
-                <a:ext uri="{96DAC541-7B7A-43D3-8B79-37D633B846F1}">
-                  <asvg:svgBlip xmlns:asvg="http://schemas.microsoft.com/office/drawing/2016/SVG/main" r:embed="rId4"/>
-                </a:ext>
-              </a:extLst>
-            </a:blip>
-            <a:stretch>
-              <a:fillRect/>
-            </a:stretch>
-          </p:blipFill>
-          <p:spPr>
-            <a:xfrm flipH="1">
-              <a:off x="8936181" y="3014205"/>
-              <a:ext cx="3890553" cy="3890553"/>
-            </a:xfrm>
-            <a:prstGeom prst="rect">
-              <a:avLst/>
-            </a:prstGeom>
-          </p:spPr>
-        </p:pic>
-      </p:grpSp>
-      <p:pic>
-        <p:nvPicPr>
-          <p:cNvPr id="14" name="Image 13">
-            <a:extLst>
-              <a:ext uri="{FF2B5EF4-FFF2-40B4-BE49-F238E27FC236}">
-                <a16:creationId xmlns:a16="http://schemas.microsoft.com/office/drawing/2014/main" id="{2AC86E2C-40AE-46E8-8813-529C2A55428F}"/>
-              </a:ext>
-            </a:extLst>
-          </p:cNvPr>
-          <p:cNvPicPr>
-            <a:picLocks noChangeAspect="1"/>
-          </p:cNvPicPr>
-          <p:nvPr/>
-        </p:nvPicPr>
-        <p:blipFill>
-          <a:blip r:embed="rId5">
-            <a:extLst>
-              <a:ext uri="{28A0092B-C50C-407E-A947-70E740481C1C}">
-                <a14:useLocalDpi xmlns:a14="http://schemas.microsoft.com/office/drawing/2010/main" val="0"/>
-              </a:ext>
-            </a:extLst>
-          </a:blip>
-          <a:srcRect/>
-          <a:stretch/>
-        </p:blipFill>
-        <p:spPr>
-          <a:xfrm>
-            <a:off x="974769" y="2208015"/>
-            <a:ext cx="7497203" cy="4284860"/>
-          </a:xfrm>
-          <a:prstGeom prst="rect">
-            <a:avLst/>
-          </a:prstGeom>
-        </p:spPr>
-      </p:pic>
-    </p:spTree>
-    <p:extLst>
-      <p:ext uri="{BB962C8B-B14F-4D97-AF65-F5344CB8AC3E}">
-        <p14:creationId xmlns:p14="http://schemas.microsoft.com/office/powerpoint/2010/main" val="3959155435"/>
-      </p:ext>
-    </p:extLst>
-  </p:cSld>
-  <p:clrMapOvr>
-    <a:masterClrMapping/>
-  </p:clrMapOvr>
-</p:sld>
-</file>
-
-<file path=ppt/slides/slide8.xml><?xml version="1.0" encoding="utf-8"?>
 <p:sld xmlns:a="http://schemas.openxmlformats.org/drawingml/2006/main" xmlns:r="http://schemas.openxmlformats.org/officeDocument/2006/relationships" xmlns:p="http://schemas.openxmlformats.org/presentationml/2006/main">
   <p:cSld>
     <p:spTree>
@@ -18702,7 +18086,7 @@
 </p:sld>
 </file>
 
-<file path=ppt/slides/slide9.xml><?xml version="1.0" encoding="utf-8"?>
+<file path=ppt/slides/slide7.xml><?xml version="1.0" encoding="utf-8"?>
 <p:sld xmlns:a="http://schemas.openxmlformats.org/drawingml/2006/main" xmlns:r="http://schemas.openxmlformats.org/officeDocument/2006/relationships" xmlns:p="http://schemas.openxmlformats.org/presentationml/2006/main">
   <p:cSld>
     <p:spTree>
@@ -19142,6 +18526,807 @@
     <p:extLst>
       <p:ext uri="{BB962C8B-B14F-4D97-AF65-F5344CB8AC3E}">
         <p14:creationId xmlns:p14="http://schemas.microsoft.com/office/powerpoint/2010/main" val="1521282177"/>
+      </p:ext>
+    </p:extLst>
+  </p:cSld>
+  <p:clrMapOvr>
+    <a:masterClrMapping/>
+  </p:clrMapOvr>
+</p:sld>
+</file>
+
+<file path=ppt/slides/slide8.xml><?xml version="1.0" encoding="utf-8"?>
+<p:sld xmlns:a="http://schemas.openxmlformats.org/drawingml/2006/main" xmlns:r="http://schemas.openxmlformats.org/officeDocument/2006/relationships" xmlns:p="http://schemas.openxmlformats.org/presentationml/2006/main">
+  <p:cSld>
+    <p:spTree>
+      <p:nvGrpSpPr>
+        <p:cNvPr id="1" name=""/>
+        <p:cNvGrpSpPr/>
+        <p:nvPr/>
+      </p:nvGrpSpPr>
+      <p:grpSpPr>
+        <a:xfrm>
+          <a:off x="0" y="0"/>
+          <a:ext cx="0" cy="0"/>
+          <a:chOff x="0" y="0"/>
+          <a:chExt cx="0" cy="0"/>
+        </a:xfrm>
+      </p:grpSpPr>
+      <p:sp>
+        <p:nvSpPr>
+          <p:cNvPr id="2" name="Titre 1">
+            <a:extLst>
+              <a:ext uri="{FF2B5EF4-FFF2-40B4-BE49-F238E27FC236}">
+                <a16:creationId xmlns:a16="http://schemas.microsoft.com/office/drawing/2014/main" id="{10742257-3980-4551-868A-26DC3CB821EE}"/>
+              </a:ext>
+            </a:extLst>
+          </p:cNvPr>
+          <p:cNvSpPr>
+            <a:spLocks noGrp="1"/>
+          </p:cNvSpPr>
+          <p:nvPr>
+            <p:ph type="title"/>
+          </p:nvPr>
+        </p:nvSpPr>
+        <p:spPr>
+          <a:xfrm>
+            <a:off x="521284" y="542807"/>
+            <a:ext cx="8607131" cy="1027257"/>
+          </a:xfrm>
+        </p:spPr>
+        <p:txBody>
+          <a:bodyPr rtlCol="0">
+            <a:normAutofit/>
+          </a:bodyPr>
+          <a:lstStyle/>
+          <a:p>
+            <a:r>
+              <a:rPr lang="fr-FR" dirty="0">
+                <a:solidFill>
+                  <a:schemeClr val="accent5">
+                    <a:lumMod val="50000"/>
+                  </a:schemeClr>
+                </a:solidFill>
+                <a:latin typeface="Rockwell" panose="02060603020205020403" pitchFamily="18" charset="0"/>
+              </a:rPr>
+              <a:t>Perspectives et suites du projet</a:t>
+            </a:r>
+          </a:p>
+        </p:txBody>
+      </p:sp>
+      <p:grpSp>
+        <p:nvGrpSpPr>
+          <p:cNvPr id="9" name="Groupe 8">
+            <a:extLst>
+              <a:ext uri="{FF2B5EF4-FFF2-40B4-BE49-F238E27FC236}">
+                <a16:creationId xmlns:a16="http://schemas.microsoft.com/office/drawing/2014/main" id="{AEA098C1-E19E-4D03-9A35-14569BC7C142}"/>
+              </a:ext>
+              <a:ext uri="{C183D7F6-B498-43B3-948B-1728B52AA6E4}">
+                <adec:decorative xmlns:adec="http://schemas.microsoft.com/office/drawing/2017/decorative" val="1"/>
+              </a:ext>
+            </a:extLst>
+          </p:cNvPr>
+          <p:cNvGrpSpPr/>
+          <p:nvPr/>
+        </p:nvGrpSpPr>
+        <p:grpSpPr>
+          <a:xfrm>
+            <a:off x="9055676" y="0"/>
+            <a:ext cx="3403025" cy="6858000"/>
+            <a:chOff x="9055676" y="0"/>
+            <a:chExt cx="3403025" cy="6858000"/>
+          </a:xfrm>
+        </p:grpSpPr>
+        <p:grpSp>
+          <p:nvGrpSpPr>
+            <p:cNvPr id="10" name="Groupe 9">
+              <a:extLst>
+                <a:ext uri="{FF2B5EF4-FFF2-40B4-BE49-F238E27FC236}">
+                  <a16:creationId xmlns:a16="http://schemas.microsoft.com/office/drawing/2014/main" id="{D4EF09CF-3362-453A-9463-F6669A9D3E01}"/>
+                </a:ext>
+              </a:extLst>
+            </p:cNvPr>
+            <p:cNvGrpSpPr/>
+            <p:nvPr/>
+          </p:nvGrpSpPr>
+          <p:grpSpPr>
+            <a:xfrm>
+              <a:off x="9055676" y="0"/>
+              <a:ext cx="3136324" cy="6858000"/>
+              <a:chOff x="9055676" y="0"/>
+              <a:chExt cx="3136324" cy="6858000"/>
+            </a:xfrm>
+          </p:grpSpPr>
+          <p:sp>
+            <p:nvSpPr>
+              <p:cNvPr id="4" name="Rectangle 3">
+                <a:extLst>
+                  <a:ext uri="{FF2B5EF4-FFF2-40B4-BE49-F238E27FC236}">
+                    <a16:creationId xmlns:a16="http://schemas.microsoft.com/office/drawing/2014/main" id="{403AE892-EBD6-40F1-851B-FEADBD59429F}"/>
+                  </a:ext>
+                </a:extLst>
+              </p:cNvPr>
+              <p:cNvSpPr/>
+              <p:nvPr/>
+            </p:nvSpPr>
+            <p:spPr>
+              <a:xfrm>
+                <a:off x="9221932" y="0"/>
+                <a:ext cx="2970068" cy="6858000"/>
+              </a:xfrm>
+              <a:prstGeom prst="rect">
+                <a:avLst/>
+              </a:prstGeom>
+              <a:solidFill>
+                <a:schemeClr val="accent5">
+                  <a:lumMod val="50000"/>
+                </a:schemeClr>
+              </a:solidFill>
+              <a:ln>
+                <a:noFill/>
+              </a:ln>
+            </p:spPr>
+            <p:style>
+              <a:lnRef idx="2">
+                <a:schemeClr val="accent1">
+                  <a:shade val="50000"/>
+                </a:schemeClr>
+              </a:lnRef>
+              <a:fillRef idx="1">
+                <a:schemeClr val="accent1"/>
+              </a:fillRef>
+              <a:effectRef idx="0">
+                <a:schemeClr val="accent1"/>
+              </a:effectRef>
+              <a:fontRef idx="minor">
+                <a:schemeClr val="lt1"/>
+              </a:fontRef>
+            </p:style>
+            <p:txBody>
+              <a:bodyPr rtlCol="0" anchor="ctr"/>
+              <a:lstStyle/>
+              <a:p>
+                <a:pPr algn="ctr" rtl="0"/>
+                <a:endParaRPr lang="fr-FR" dirty="0"/>
+              </a:p>
+            </p:txBody>
+          </p:sp>
+          <p:sp>
+            <p:nvSpPr>
+              <p:cNvPr id="5" name="Rectangle 4">
+                <a:extLst>
+                  <a:ext uri="{FF2B5EF4-FFF2-40B4-BE49-F238E27FC236}">
+                    <a16:creationId xmlns:a16="http://schemas.microsoft.com/office/drawing/2014/main" id="{54318653-1A38-442C-BA0F-F2C51149BCFF}"/>
+                  </a:ext>
+                </a:extLst>
+              </p:cNvPr>
+              <p:cNvSpPr/>
+              <p:nvPr/>
+            </p:nvSpPr>
+            <p:spPr>
+              <a:xfrm>
+                <a:off x="9055676" y="0"/>
+                <a:ext cx="166255" cy="6858000"/>
+              </a:xfrm>
+              <a:prstGeom prst="rect">
+                <a:avLst/>
+              </a:prstGeom>
+              <a:solidFill>
+                <a:schemeClr val="accent2"/>
+              </a:solidFill>
+              <a:ln>
+                <a:noFill/>
+              </a:ln>
+            </p:spPr>
+            <p:style>
+              <a:lnRef idx="2">
+                <a:schemeClr val="accent1">
+                  <a:shade val="50000"/>
+                </a:schemeClr>
+              </a:lnRef>
+              <a:fillRef idx="1">
+                <a:schemeClr val="accent1"/>
+              </a:fillRef>
+              <a:effectRef idx="0">
+                <a:schemeClr val="accent1"/>
+              </a:effectRef>
+              <a:fontRef idx="minor">
+                <a:schemeClr val="lt1"/>
+              </a:fontRef>
+            </p:style>
+            <p:txBody>
+              <a:bodyPr rtlCol="0" anchor="ctr"/>
+              <a:lstStyle/>
+              <a:p>
+                <a:pPr algn="ctr" rtl="0"/>
+                <a:endParaRPr lang="fr-FR" dirty="0"/>
+              </a:p>
+            </p:txBody>
+          </p:sp>
+          <p:sp>
+            <p:nvSpPr>
+              <p:cNvPr id="6" name="Rectangle 5">
+                <a:extLst>
+                  <a:ext uri="{FF2B5EF4-FFF2-40B4-BE49-F238E27FC236}">
+                    <a16:creationId xmlns:a16="http://schemas.microsoft.com/office/drawing/2014/main" id="{C25D63D1-E9CE-42BF-BD4D-374FD0293155}"/>
+                  </a:ext>
+                </a:extLst>
+              </p:cNvPr>
+              <p:cNvSpPr/>
+              <p:nvPr/>
+            </p:nvSpPr>
+            <p:spPr>
+              <a:xfrm>
+                <a:off x="9221932" y="0"/>
+                <a:ext cx="114301" cy="6858000"/>
+              </a:xfrm>
+              <a:prstGeom prst="rect">
+                <a:avLst/>
+              </a:prstGeom>
+              <a:solidFill>
+                <a:srgbClr val="FFD347"/>
+              </a:solidFill>
+              <a:ln>
+                <a:noFill/>
+              </a:ln>
+            </p:spPr>
+            <p:style>
+              <a:lnRef idx="2">
+                <a:schemeClr val="accent1">
+                  <a:shade val="50000"/>
+                </a:schemeClr>
+              </a:lnRef>
+              <a:fillRef idx="1">
+                <a:schemeClr val="accent1"/>
+              </a:fillRef>
+              <a:effectRef idx="0">
+                <a:schemeClr val="accent1"/>
+              </a:effectRef>
+              <a:fontRef idx="minor">
+                <a:schemeClr val="lt1"/>
+              </a:fontRef>
+            </p:style>
+            <p:txBody>
+              <a:bodyPr rtlCol="0" anchor="ctr"/>
+              <a:lstStyle/>
+              <a:p>
+                <a:pPr algn="ctr" rtl="0"/>
+                <a:endParaRPr lang="fr-FR" dirty="0"/>
+              </a:p>
+            </p:txBody>
+          </p:sp>
+          <p:sp>
+            <p:nvSpPr>
+              <p:cNvPr id="7" name="Rectangle 6">
+                <a:extLst>
+                  <a:ext uri="{FF2B5EF4-FFF2-40B4-BE49-F238E27FC236}">
+                    <a16:creationId xmlns:a16="http://schemas.microsoft.com/office/drawing/2014/main" id="{BA4EE865-9F0D-4531-A737-E13A557C0277}"/>
+                  </a:ext>
+                </a:extLst>
+              </p:cNvPr>
+              <p:cNvSpPr/>
+              <p:nvPr/>
+            </p:nvSpPr>
+            <p:spPr>
+              <a:xfrm>
+                <a:off x="9336233" y="0"/>
+                <a:ext cx="150667" cy="6858000"/>
+              </a:xfrm>
+              <a:prstGeom prst="rect">
+                <a:avLst/>
+              </a:prstGeom>
+              <a:solidFill>
+                <a:schemeClr val="accent6"/>
+              </a:solidFill>
+              <a:ln>
+                <a:noFill/>
+              </a:ln>
+            </p:spPr>
+            <p:style>
+              <a:lnRef idx="2">
+                <a:schemeClr val="accent1">
+                  <a:shade val="50000"/>
+                </a:schemeClr>
+              </a:lnRef>
+              <a:fillRef idx="1">
+                <a:schemeClr val="accent1"/>
+              </a:fillRef>
+              <a:effectRef idx="0">
+                <a:schemeClr val="accent1"/>
+              </a:effectRef>
+              <a:fontRef idx="minor">
+                <a:schemeClr val="lt1"/>
+              </a:fontRef>
+            </p:style>
+            <p:txBody>
+              <a:bodyPr rtlCol="0" anchor="ctr"/>
+              <a:lstStyle/>
+              <a:p>
+                <a:pPr algn="ctr" rtl="0"/>
+                <a:endParaRPr lang="fr-FR" dirty="0"/>
+              </a:p>
+            </p:txBody>
+          </p:sp>
+          <p:sp>
+            <p:nvSpPr>
+              <p:cNvPr id="8" name="Rectangle 7">
+                <a:extLst>
+                  <a:ext uri="{FF2B5EF4-FFF2-40B4-BE49-F238E27FC236}">
+                    <a16:creationId xmlns:a16="http://schemas.microsoft.com/office/drawing/2014/main" id="{6A1183CB-C5B0-498A-A49C-4180134C74B0}"/>
+                  </a:ext>
+                </a:extLst>
+              </p:cNvPr>
+              <p:cNvSpPr/>
+              <p:nvPr/>
+            </p:nvSpPr>
+            <p:spPr>
+              <a:xfrm>
+                <a:off x="9336233" y="0"/>
+                <a:ext cx="57150" cy="6858000"/>
+              </a:xfrm>
+              <a:prstGeom prst="rect">
+                <a:avLst/>
+              </a:prstGeom>
+              <a:solidFill>
+                <a:schemeClr val="bg1"/>
+              </a:solidFill>
+              <a:ln>
+                <a:noFill/>
+              </a:ln>
+            </p:spPr>
+            <p:style>
+              <a:lnRef idx="2">
+                <a:schemeClr val="accent1">
+                  <a:shade val="50000"/>
+                </a:schemeClr>
+              </a:lnRef>
+              <a:fillRef idx="1">
+                <a:schemeClr val="accent1"/>
+              </a:fillRef>
+              <a:effectRef idx="0">
+                <a:schemeClr val="accent1"/>
+              </a:effectRef>
+              <a:fontRef idx="minor">
+                <a:schemeClr val="lt1"/>
+              </a:fontRef>
+            </p:style>
+            <p:txBody>
+              <a:bodyPr rtlCol="0" anchor="ctr"/>
+              <a:lstStyle/>
+              <a:p>
+                <a:pPr algn="ctr" rtl="0"/>
+                <a:endParaRPr lang="fr-FR" dirty="0"/>
+              </a:p>
+            </p:txBody>
+          </p:sp>
+        </p:grpSp>
+        <p:pic>
+          <p:nvPicPr>
+            <p:cNvPr id="13" name="Graphisme 12" descr="Livres">
+              <a:extLst>
+                <a:ext uri="{FF2B5EF4-FFF2-40B4-BE49-F238E27FC236}">
+                  <a16:creationId xmlns:a16="http://schemas.microsoft.com/office/drawing/2014/main" id="{BF2CC76A-FBA9-49E0-9F1C-2C5299495F4C}"/>
+                </a:ext>
+              </a:extLst>
+            </p:cNvPr>
+            <p:cNvPicPr>
+              <a:picLocks noChangeAspect="1"/>
+            </p:cNvPicPr>
+            <p:nvPr/>
+          </p:nvPicPr>
+          <p:blipFill>
+            <a:blip r:embed="rId3">
+              <a:extLst>
+                <a:ext uri="{28A0092B-C50C-407E-A947-70E740481C1C}">
+                  <a14:useLocalDpi xmlns:a14="http://schemas.microsoft.com/office/drawing/2010/main" val="0"/>
+                </a:ext>
+                <a:ext uri="{96DAC541-7B7A-43D3-8B79-37D633B846F1}">
+                  <asvg:svgBlip xmlns:asvg="http://schemas.microsoft.com/office/drawing/2016/SVG/main" r:embed="rId4"/>
+                </a:ext>
+              </a:extLst>
+            </a:blip>
+            <a:srcRect/>
+            <a:stretch/>
+          </p:blipFill>
+          <p:spPr>
+            <a:xfrm>
+              <a:off x="9336233" y="3735532"/>
+              <a:ext cx="3122468" cy="3122468"/>
+            </a:xfrm>
+            <a:prstGeom prst="rect">
+              <a:avLst/>
+            </a:prstGeom>
+          </p:spPr>
+        </p:pic>
+      </p:grpSp>
+      <p:graphicFrame>
+        <p:nvGraphicFramePr>
+          <p:cNvPr id="11" name="Diagramme 10">
+            <a:extLst>
+              <a:ext uri="{FF2B5EF4-FFF2-40B4-BE49-F238E27FC236}">
+                <a16:creationId xmlns:a16="http://schemas.microsoft.com/office/drawing/2014/main" id="{D32CE14B-3BA1-4454-827F-251611057F3E}"/>
+              </a:ext>
+              <a:ext uri="{C183D7F6-B498-43B3-948B-1728B52AA6E4}">
+                <adec:decorative xmlns:adec="http://schemas.microsoft.com/office/drawing/2017/decorative" val="1"/>
+              </a:ext>
+            </a:extLst>
+          </p:cNvPr>
+          <p:cNvGraphicFramePr/>
+          <p:nvPr>
+            <p:extLst>
+              <p:ext uri="{D42A27DB-BD31-4B8C-83A1-F6EECF244321}">
+                <p14:modId xmlns:p14="http://schemas.microsoft.com/office/powerpoint/2010/main" val="3888073570"/>
+              </p:ext>
+            </p:extLst>
+          </p:nvPr>
+        </p:nvGraphicFramePr>
+        <p:xfrm>
+          <a:off x="521283" y="1608089"/>
+          <a:ext cx="7210716" cy="4943379"/>
+        </p:xfrm>
+        <a:graphic>
+          <a:graphicData uri="http://schemas.openxmlformats.org/drawingml/2006/diagram">
+            <dgm:relIds xmlns:dgm="http://schemas.openxmlformats.org/drawingml/2006/diagram" xmlns:r="http://schemas.openxmlformats.org/officeDocument/2006/relationships" r:dm="rId5" r:lo="rId6" r:qs="rId7" r:cs="rId8"/>
+          </a:graphicData>
+        </a:graphic>
+      </p:graphicFrame>
+    </p:spTree>
+    <p:extLst>
+      <p:ext uri="{BB962C8B-B14F-4D97-AF65-F5344CB8AC3E}">
+        <p14:creationId xmlns:p14="http://schemas.microsoft.com/office/powerpoint/2010/main" val="2264719954"/>
+      </p:ext>
+    </p:extLst>
+  </p:cSld>
+  <p:clrMapOvr>
+    <a:masterClrMapping/>
+  </p:clrMapOvr>
+</p:sld>
+</file>
+
+<file path=ppt/slides/slide9.xml><?xml version="1.0" encoding="utf-8"?>
+<p:sld xmlns:a="http://schemas.openxmlformats.org/drawingml/2006/main" xmlns:r="http://schemas.openxmlformats.org/officeDocument/2006/relationships" xmlns:p="http://schemas.openxmlformats.org/presentationml/2006/main">
+  <p:cSld>
+    <p:bg>
+      <p:bgPr>
+        <a:solidFill>
+          <a:schemeClr val="accent5">
+            <a:lumMod val="50000"/>
+          </a:schemeClr>
+        </a:solidFill>
+        <a:effectLst/>
+      </p:bgPr>
+    </p:bg>
+    <p:spTree>
+      <p:nvGrpSpPr>
+        <p:cNvPr id="1" name=""/>
+        <p:cNvGrpSpPr/>
+        <p:nvPr/>
+      </p:nvGrpSpPr>
+      <p:grpSpPr>
+        <a:xfrm>
+          <a:off x="0" y="0"/>
+          <a:ext cx="0" cy="0"/>
+          <a:chOff x="0" y="0"/>
+          <a:chExt cx="0" cy="0"/>
+        </a:xfrm>
+      </p:grpSpPr>
+      <p:pic>
+        <p:nvPicPr>
+          <p:cNvPr id="15" name="Graphisme 14" descr="Presse-papiers">
+            <a:extLst>
+              <a:ext uri="{FF2B5EF4-FFF2-40B4-BE49-F238E27FC236}">
+                <a16:creationId xmlns:a16="http://schemas.microsoft.com/office/drawing/2014/main" id="{2A123BD8-A09C-49C0-98E8-54B55610A928}"/>
+              </a:ext>
+            </a:extLst>
+          </p:cNvPr>
+          <p:cNvPicPr>
+            <a:picLocks noChangeAspect="1"/>
+          </p:cNvPicPr>
+          <p:nvPr/>
+        </p:nvPicPr>
+        <p:blipFill>
+          <a:blip r:embed="rId3">
+            <a:extLst>
+              <a:ext uri="{28A0092B-C50C-407E-A947-70E740481C1C}">
+                <a14:useLocalDpi xmlns:a14="http://schemas.microsoft.com/office/drawing/2010/main" val="0"/>
+              </a:ext>
+              <a:ext uri="{96DAC541-7B7A-43D3-8B79-37D633B846F1}">
+                <asvg:svgBlip xmlns:asvg="http://schemas.microsoft.com/office/drawing/2016/SVG/main" r:embed="rId4"/>
+              </a:ext>
+            </a:extLst>
+          </a:blip>
+          <a:stretch>
+            <a:fillRect/>
+          </a:stretch>
+        </p:blipFill>
+        <p:spPr>
+          <a:xfrm rot="631394">
+            <a:off x="3787948" y="5260935"/>
+            <a:ext cx="3194131" cy="3194131"/>
+          </a:xfrm>
+          <a:prstGeom prst="rect">
+            <a:avLst/>
+          </a:prstGeom>
+        </p:spPr>
+      </p:pic>
+      <p:sp>
+        <p:nvSpPr>
+          <p:cNvPr id="2" name="Titre 1">
+            <a:extLst>
+              <a:ext uri="{FF2B5EF4-FFF2-40B4-BE49-F238E27FC236}">
+                <a16:creationId xmlns:a16="http://schemas.microsoft.com/office/drawing/2014/main" id="{F4B5F415-7490-4054-85B4-10F7AE6D3385}"/>
+              </a:ext>
+            </a:extLst>
+          </p:cNvPr>
+          <p:cNvSpPr>
+            <a:spLocks noGrp="1"/>
+          </p:cNvSpPr>
+          <p:nvPr>
+            <p:ph type="ctrTitle"/>
+          </p:nvPr>
+        </p:nvSpPr>
+        <p:spPr>
+          <a:xfrm>
+            <a:off x="942355" y="1861883"/>
+            <a:ext cx="9265415" cy="2226533"/>
+          </a:xfrm>
+        </p:spPr>
+        <p:txBody>
+          <a:bodyPr rtlCol="0">
+            <a:noAutofit/>
+          </a:bodyPr>
+          <a:lstStyle/>
+          <a:p>
+            <a:br>
+              <a:rPr lang="fr-FR" sz="6600" dirty="0">
+                <a:solidFill>
+                  <a:schemeClr val="bg1"/>
+                </a:solidFill>
+                <a:latin typeface="Rockwell" panose="02060603020205020403" pitchFamily="18" charset="0"/>
+              </a:rPr>
+            </a:br>
+            <a:r>
+              <a:rPr lang="fr-FR" sz="6600" dirty="0">
+                <a:solidFill>
+                  <a:schemeClr val="bg1"/>
+                </a:solidFill>
+                <a:latin typeface="Rockwell" panose="02060603020205020403" pitchFamily="18" charset="0"/>
+              </a:rPr>
+              <a:t> For a </a:t>
+            </a:r>
+            <a:r>
+              <a:rPr lang="fr-FR" sz="6600" dirty="0" err="1">
+                <a:solidFill>
+                  <a:schemeClr val="bg1"/>
+                </a:solidFill>
+                <a:latin typeface="Rockwell" panose="02060603020205020403" pitchFamily="18" charset="0"/>
+              </a:rPr>
+              <a:t>better</a:t>
+            </a:r>
+            <a:r>
+              <a:rPr lang="fr-FR" sz="6600" dirty="0">
+                <a:solidFill>
+                  <a:schemeClr val="bg1"/>
+                </a:solidFill>
+                <a:latin typeface="Rockwell" panose="02060603020205020403" pitchFamily="18" charset="0"/>
+              </a:rPr>
+              <a:t> world : </a:t>
+            </a:r>
+            <a:r>
+              <a:rPr lang="fr-FR" sz="6600" dirty="0" err="1">
+                <a:solidFill>
+                  <a:schemeClr val="bg1"/>
+                </a:solidFill>
+                <a:latin typeface="Rockwell" panose="02060603020205020403" pitchFamily="18" charset="0"/>
+              </a:rPr>
+              <a:t>SchoolBoards</a:t>
+            </a:r>
+            <a:endParaRPr lang="fr-FR" sz="6600" dirty="0">
+              <a:solidFill>
+                <a:schemeClr val="bg1"/>
+              </a:solidFill>
+              <a:latin typeface="Rockwell" panose="02060603020205020403" pitchFamily="18" charset="0"/>
+            </a:endParaRPr>
+          </a:p>
+        </p:txBody>
+      </p:sp>
+      <p:pic>
+        <p:nvPicPr>
+          <p:cNvPr id="7" name="Graphique 6" descr="Sac à dos">
+            <a:extLst>
+              <a:ext uri="{FF2B5EF4-FFF2-40B4-BE49-F238E27FC236}">
+                <a16:creationId xmlns:a16="http://schemas.microsoft.com/office/drawing/2014/main" id="{88D22565-F42F-439B-A6A4-CF161165E6B6}"/>
+              </a:ext>
+            </a:extLst>
+          </p:cNvPr>
+          <p:cNvPicPr>
+            <a:picLocks noChangeAspect="1"/>
+          </p:cNvPicPr>
+          <p:nvPr/>
+        </p:nvPicPr>
+        <p:blipFill>
+          <a:blip r:embed="rId5">
+            <a:extLst>
+              <a:ext uri="{28A0092B-C50C-407E-A947-70E740481C1C}">
+                <a14:useLocalDpi xmlns:a14="http://schemas.microsoft.com/office/drawing/2010/main" val="0"/>
+              </a:ext>
+              <a:ext uri="{96DAC541-7B7A-43D3-8B79-37D633B846F1}">
+                <asvg:svgBlip xmlns:asvg="http://schemas.microsoft.com/office/drawing/2016/SVG/main" r:embed="rId6"/>
+              </a:ext>
+            </a:extLst>
+          </a:blip>
+          <a:srcRect/>
+          <a:stretch/>
+        </p:blipFill>
+        <p:spPr>
+          <a:xfrm rot="1213697">
+            <a:off x="-491837" y="3688628"/>
+            <a:ext cx="3245427" cy="3245427"/>
+          </a:xfrm>
+          <a:prstGeom prst="rect">
+            <a:avLst/>
+          </a:prstGeom>
+        </p:spPr>
+      </p:pic>
+      <p:pic>
+        <p:nvPicPr>
+          <p:cNvPr id="9" name="Graphisme 8" descr="Flacon">
+            <a:extLst>
+              <a:ext uri="{FF2B5EF4-FFF2-40B4-BE49-F238E27FC236}">
+                <a16:creationId xmlns:a16="http://schemas.microsoft.com/office/drawing/2014/main" id="{B46E3E84-D1E6-4422-AA93-3EE98A821B98}"/>
+              </a:ext>
+            </a:extLst>
+          </p:cNvPr>
+          <p:cNvPicPr>
+            <a:picLocks noChangeAspect="1"/>
+          </p:cNvPicPr>
+          <p:nvPr/>
+        </p:nvPicPr>
+        <p:blipFill>
+          <a:blip r:embed="rId7">
+            <a:extLst>
+              <a:ext uri="{28A0092B-C50C-407E-A947-70E740481C1C}">
+                <a14:useLocalDpi xmlns:a14="http://schemas.microsoft.com/office/drawing/2010/main" val="0"/>
+              </a:ext>
+              <a:ext uri="{96DAC541-7B7A-43D3-8B79-37D633B846F1}">
+                <asvg:svgBlip xmlns:asvg="http://schemas.microsoft.com/office/drawing/2016/SVG/main" r:embed="rId8"/>
+              </a:ext>
+            </a:extLst>
+          </a:blip>
+          <a:stretch>
+            <a:fillRect/>
+          </a:stretch>
+        </p:blipFill>
+        <p:spPr>
+          <a:xfrm rot="20451125">
+            <a:off x="8514237" y="-118161"/>
+            <a:ext cx="3005286" cy="3005286"/>
+          </a:xfrm>
+          <a:prstGeom prst="rect">
+            <a:avLst/>
+          </a:prstGeom>
+        </p:spPr>
+      </p:pic>
+      <p:pic>
+        <p:nvPicPr>
+          <p:cNvPr id="13" name="Graphisme 12" descr="Réveil">
+            <a:extLst>
+              <a:ext uri="{FF2B5EF4-FFF2-40B4-BE49-F238E27FC236}">
+                <a16:creationId xmlns:a16="http://schemas.microsoft.com/office/drawing/2014/main" id="{6A56DF0C-1331-406E-AEE6-06E0E59FB9A8}"/>
+              </a:ext>
+            </a:extLst>
+          </p:cNvPr>
+          <p:cNvPicPr>
+            <a:picLocks noChangeAspect="1"/>
+          </p:cNvPicPr>
+          <p:nvPr/>
+        </p:nvPicPr>
+        <p:blipFill>
+          <a:blip r:embed="rId9">
+            <a:extLst>
+              <a:ext uri="{28A0092B-C50C-407E-A947-70E740481C1C}">
+                <a14:useLocalDpi xmlns:a14="http://schemas.microsoft.com/office/drawing/2010/main" val="0"/>
+              </a:ext>
+              <a:ext uri="{96DAC541-7B7A-43D3-8B79-37D633B846F1}">
+                <asvg:svgBlip xmlns:asvg="http://schemas.microsoft.com/office/drawing/2016/SVG/main" r:embed="rId10"/>
+              </a:ext>
+            </a:extLst>
+          </a:blip>
+          <a:srcRect/>
+          <a:stretch/>
+        </p:blipFill>
+        <p:spPr>
+          <a:xfrm rot="21078969">
+            <a:off x="1920309" y="4797205"/>
+            <a:ext cx="2453456" cy="2453456"/>
+          </a:xfrm>
+          <a:prstGeom prst="rect">
+            <a:avLst/>
+          </a:prstGeom>
+        </p:spPr>
+      </p:pic>
+      <p:pic>
+        <p:nvPicPr>
+          <p:cNvPr id="19" name="Graphique 18" descr="Règle">
+            <a:extLst>
+              <a:ext uri="{FF2B5EF4-FFF2-40B4-BE49-F238E27FC236}">
+                <a16:creationId xmlns:a16="http://schemas.microsoft.com/office/drawing/2014/main" id="{39130E3C-1E93-4315-AE76-13C55147DCF2}"/>
+              </a:ext>
+            </a:extLst>
+          </p:cNvPr>
+          <p:cNvPicPr>
+            <a:picLocks noChangeAspect="1"/>
+          </p:cNvPicPr>
+          <p:nvPr/>
+        </p:nvPicPr>
+        <p:blipFill>
+          <a:blip r:embed="rId11">
+            <a:extLst>
+              <a:ext uri="{28A0092B-C50C-407E-A947-70E740481C1C}">
+                <a14:useLocalDpi xmlns:a14="http://schemas.microsoft.com/office/drawing/2010/main" val="0"/>
+              </a:ext>
+              <a:ext uri="{96DAC541-7B7A-43D3-8B79-37D633B846F1}">
+                <asvg:svgBlip xmlns:asvg="http://schemas.microsoft.com/office/drawing/2016/SVG/main" r:embed="rId12"/>
+              </a:ext>
+            </a:extLst>
+          </a:blip>
+          <a:stretch>
+            <a:fillRect/>
+          </a:stretch>
+        </p:blipFill>
+        <p:spPr>
+          <a:xfrm rot="18889495">
+            <a:off x="10171718" y="145767"/>
+            <a:ext cx="1574403" cy="1574403"/>
+          </a:xfrm>
+          <a:prstGeom prst="rect">
+            <a:avLst/>
+          </a:prstGeom>
+        </p:spPr>
+      </p:pic>
+      <p:pic>
+        <p:nvPicPr>
+          <p:cNvPr id="21" name="Graphisme 20" descr="Crayon">
+            <a:extLst>
+              <a:ext uri="{FF2B5EF4-FFF2-40B4-BE49-F238E27FC236}">
+                <a16:creationId xmlns:a16="http://schemas.microsoft.com/office/drawing/2014/main" id="{FFEC1660-205F-490E-800A-0D57D250BAE4}"/>
+              </a:ext>
+            </a:extLst>
+          </p:cNvPr>
+          <p:cNvPicPr>
+            <a:picLocks noChangeAspect="1"/>
+          </p:cNvPicPr>
+          <p:nvPr/>
+        </p:nvPicPr>
+        <p:blipFill>
+          <a:blip r:embed="rId13">
+            <a:extLst>
+              <a:ext uri="{28A0092B-C50C-407E-A947-70E740481C1C}">
+                <a14:useLocalDpi xmlns:a14="http://schemas.microsoft.com/office/drawing/2010/main" val="0"/>
+              </a:ext>
+              <a:ext uri="{96DAC541-7B7A-43D3-8B79-37D633B846F1}">
+                <asvg:svgBlip xmlns:asvg="http://schemas.microsoft.com/office/drawing/2016/SVG/main" r:embed="rId14"/>
+              </a:ext>
+            </a:extLst>
+          </a:blip>
+          <a:stretch>
+            <a:fillRect/>
+          </a:stretch>
+        </p:blipFill>
+        <p:spPr>
+          <a:xfrm rot="20520790">
+            <a:off x="10917677" y="783939"/>
+            <a:ext cx="1488402" cy="1488402"/>
+          </a:xfrm>
+          <a:prstGeom prst="rect">
+            <a:avLst/>
+          </a:prstGeom>
+        </p:spPr>
+      </p:pic>
+    </p:spTree>
+    <p:extLst>
+      <p:ext uri="{BB962C8B-B14F-4D97-AF65-F5344CB8AC3E}">
+        <p14:creationId xmlns:p14="http://schemas.microsoft.com/office/powerpoint/2010/main" val="3889313593"/>
       </p:ext>
     </p:extLst>
   </p:cSld>

--- a/Rendu/SchoolBoard.pptx
+++ b/Rendu/SchoolBoard.pptx
@@ -2975,7 +2975,7 @@
         <a:p>
           <a:r>
             <a:rPr lang="fr-FR" sz="2000" dirty="0"/>
-            <a:t>Difficulté du choix du sujet et de l’utilisation de la base donnée</a:t>
+            <a:t>Difficulté du choix du sujet</a:t>
           </a:r>
           <a:endParaRPr lang="en-US" sz="2000" dirty="0"/>
         </a:p>
@@ -4690,7 +4690,7 @@
           </a:pPr>
           <a:r>
             <a:rPr lang="fr-FR" sz="2000" kern="1200" dirty="0"/>
-            <a:t>Difficulté du choix du sujet et de l’utilisation de la base donnée</a:t>
+            <a:t>Difficulté du choix du sujet</a:t>
           </a:r>
           <a:endParaRPr lang="en-US" sz="2000" kern="1200" dirty="0"/>
         </a:p>
@@ -10568,7 +10568,95 @@
           <a:bodyPr/>
           <a:lstStyle/>
           <a:p>
-            <a:endParaRPr lang="fr-FR"/>
+            <a:r>
+              <a:rPr lang="fr-FR" dirty="0"/>
+              <a:t>A l’</a:t>
+            </a:r>
+            <a:r>
+              <a:rPr lang="fr-FR" dirty="0" err="1"/>
+              <a:t>ecole</a:t>
+            </a:r>
+            <a:r>
+              <a:rPr lang="fr-FR" dirty="0"/>
+              <a:t> Nous sommes tous différents chaque </a:t>
+            </a:r>
+            <a:r>
+              <a:rPr lang="fr-FR" dirty="0" err="1"/>
+              <a:t>eleve</a:t>
+            </a:r>
+            <a:r>
+              <a:rPr lang="fr-FR" dirty="0"/>
+              <a:t> a besoin d’une approche </a:t>
+            </a:r>
+            <a:r>
+              <a:rPr lang="fr-FR" dirty="0" err="1"/>
+              <a:t>particuliere</a:t>
+            </a:r>
+            <a:r>
+              <a:rPr lang="fr-FR" dirty="0"/>
+              <a:t> et adapté, Par exemple une personne qui est dyslexique devrait avoir un meilleur suivi une personne </a:t>
+            </a:r>
+            <a:r>
+              <a:rPr lang="fr-FR" dirty="0" err="1"/>
+              <a:t>malentande</a:t>
+            </a:r>
+            <a:r>
+              <a:rPr lang="fr-FR" dirty="0"/>
+              <a:t> qui peut avoir besoin d’appareils adapte, ou même être sur que chaque </a:t>
+            </a:r>
+            <a:r>
+              <a:rPr lang="fr-FR" dirty="0" err="1"/>
+              <a:t>eleve</a:t>
+            </a:r>
+            <a:r>
+              <a:rPr lang="fr-FR" dirty="0"/>
+              <a:t> participe pas doit faire l’effort de participer pour s’exprimer se sentir intégré à la société</a:t>
+            </a:r>
+          </a:p>
+          <a:p>
+            <a:r>
+              <a:rPr lang="fr-FR" dirty="0" err="1"/>
+              <a:t>Ciblee</a:t>
+            </a:r>
+            <a:r>
+              <a:rPr lang="fr-FR" dirty="0"/>
+              <a:t> principalement </a:t>
+            </a:r>
+            <a:r>
+              <a:rPr lang="fr-FR" dirty="0" err="1"/>
+              <a:t>College</a:t>
+            </a:r>
+            <a:r>
+              <a:rPr lang="fr-FR" dirty="0"/>
+              <a:t> et </a:t>
+            </a:r>
+            <a:r>
+              <a:rPr lang="fr-FR" dirty="0" err="1"/>
+              <a:t>lycee</a:t>
+            </a:r>
+            <a:r>
+              <a:rPr lang="fr-FR" dirty="0"/>
+              <a:t> </a:t>
+            </a:r>
+          </a:p>
+          <a:p>
+            <a:r>
+              <a:rPr lang="fr-FR" dirty="0"/>
+              <a:t>Site </a:t>
+            </a:r>
+            <a:r>
+              <a:rPr lang="fr-FR" dirty="0" err="1"/>
+              <a:t>complementaire</a:t>
+            </a:r>
+            <a:r>
+              <a:rPr lang="fr-FR" dirty="0"/>
+              <a:t> avec </a:t>
+            </a:r>
+            <a:r>
+              <a:rPr lang="fr-FR" dirty="0" err="1"/>
+              <a:t>pronote</a:t>
+            </a:r>
+            <a:endParaRPr lang="fr-FR" dirty="0"/>
           </a:p>
         </p:txBody>
       </p:sp>
@@ -10736,7 +10824,10 @@
           <a:bodyPr/>
           <a:lstStyle/>
           <a:p>
-            <a:endParaRPr lang="fr-FR"/>
+            <a:r>
+              <a:rPr lang="fr-FR" dirty="0"/>
+              <a:t>N’importe quel plateforme</a:t>
+            </a:r>
           </a:p>
         </p:txBody>
       </p:sp>
@@ -16103,8 +16194,8 @@
         </p:nvSpPr>
         <p:spPr>
           <a:xfrm>
-            <a:off x="521282" y="1943898"/>
-            <a:ext cx="2432012" cy="3153882"/>
+            <a:off x="329594" y="1943898"/>
+            <a:ext cx="2623700" cy="3153882"/>
           </a:xfrm>
           <a:prstGeom prst="roundRect">
             <a:avLst/>
@@ -16204,8 +16295,8 @@
         </p:nvSpPr>
         <p:spPr>
           <a:xfrm>
-            <a:off x="3264658" y="1943898"/>
-            <a:ext cx="2623700" cy="3153882"/>
+            <a:off x="3109159" y="1943898"/>
+            <a:ext cx="2775890" cy="3153882"/>
           </a:xfrm>
           <a:prstGeom prst="roundRect">
             <a:avLst/>
@@ -16262,8 +16353,8 @@
         </p:nvSpPr>
         <p:spPr>
           <a:xfrm>
-            <a:off x="6121110" y="1987343"/>
-            <a:ext cx="2623700" cy="3110435"/>
+            <a:off x="5999350" y="1987345"/>
+            <a:ext cx="3022375" cy="3110435"/>
           </a:xfrm>
           <a:prstGeom prst="roundRect">
             <a:avLst/>
@@ -16298,7 +16389,7 @@
             <a:pPr algn="ctr" rtl="0"/>
             <a:r>
               <a:rPr lang="fr-FR" sz="3200" dirty="0"/>
-              <a:t>Améliorer la participation active de chacun /éducation</a:t>
+              <a:t>Améliorer l’enseignement</a:t>
             </a:r>
           </a:p>
         </p:txBody>
@@ -17550,7 +17641,7 @@
         </p:nvSpPr>
         <p:spPr>
           <a:xfrm>
-            <a:off x="521281" y="506803"/>
+            <a:off x="706560" y="691469"/>
             <a:ext cx="8378529" cy="1027257"/>
           </a:xfrm>
         </p:spPr>
@@ -18507,7 +18598,7 @@
             <p:ph idx="1"/>
             <p:extLst>
               <p:ext uri="{D42A27DB-BD31-4B8C-83A1-F6EECF244321}">
-                <p14:modId xmlns:p14="http://schemas.microsoft.com/office/powerpoint/2010/main" val="775355378"/>
+                <p14:modId xmlns:p14="http://schemas.microsoft.com/office/powerpoint/2010/main" val="2839158099"/>
               </p:ext>
             </p:extLst>
           </p:nvPr>
